--- a/Planejamento/TCC - Desenvolvimento de Sistemas - Pizzaria.pptx
+++ b/Planejamento/TCC - Desenvolvimento de Sistemas - Pizzaria.pptx
@@ -11,9 +11,9 @@
     <p:sldId id="287" r:id="rId5"/>
     <p:sldId id="288" r:id="rId6"/>
     <p:sldId id="269" r:id="rId7"/>
-    <p:sldId id="263" r:id="rId8"/>
-    <p:sldId id="274" r:id="rId9"/>
-    <p:sldId id="285" r:id="rId10"/>
+    <p:sldId id="274" r:id="rId8"/>
+    <p:sldId id="285" r:id="rId9"/>
+    <p:sldId id="295" r:id="rId10"/>
     <p:sldId id="293" r:id="rId11"/>
     <p:sldId id="291" r:id="rId12"/>
   </p:sldIdLst>
@@ -3725,7 +3725,7 @@
           <a:p>
             <a:fld id="{2EAB409B-8C1D-4409-843C-2F4E64FD23CF}" type="datetimeFigureOut">
               <a:rPr lang="pt-BR" smtClean="0"/>
-              <a:t>16/11/2023</a:t>
+              <a:t>18/11/2023</a:t>
             </a:fld>
             <a:endParaRPr lang="pt-BR"/>
           </a:p>
@@ -3923,7 +3923,7 @@
           <a:p>
             <a:fld id="{2EAB409B-8C1D-4409-843C-2F4E64FD23CF}" type="datetimeFigureOut">
               <a:rPr lang="pt-BR" smtClean="0"/>
-              <a:t>16/11/2023</a:t>
+              <a:t>18/11/2023</a:t>
             </a:fld>
             <a:endParaRPr lang="pt-BR"/>
           </a:p>
@@ -4131,7 +4131,7 @@
           <a:p>
             <a:fld id="{2EAB409B-8C1D-4409-843C-2F4E64FD23CF}" type="datetimeFigureOut">
               <a:rPr lang="pt-BR" smtClean="0"/>
-              <a:t>16/11/2023</a:t>
+              <a:t>18/11/2023</a:t>
             </a:fld>
             <a:endParaRPr lang="pt-BR"/>
           </a:p>
@@ -4329,7 +4329,7 @@
           <a:p>
             <a:fld id="{2EAB409B-8C1D-4409-843C-2F4E64FD23CF}" type="datetimeFigureOut">
               <a:rPr lang="pt-BR" smtClean="0"/>
-              <a:t>16/11/2023</a:t>
+              <a:t>18/11/2023</a:t>
             </a:fld>
             <a:endParaRPr lang="pt-BR"/>
           </a:p>
@@ -4604,7 +4604,7 @@
           <a:p>
             <a:fld id="{2EAB409B-8C1D-4409-843C-2F4E64FD23CF}" type="datetimeFigureOut">
               <a:rPr lang="pt-BR" smtClean="0"/>
-              <a:t>16/11/2023</a:t>
+              <a:t>18/11/2023</a:t>
             </a:fld>
             <a:endParaRPr lang="pt-BR"/>
           </a:p>
@@ -4869,7 +4869,7 @@
           <a:p>
             <a:fld id="{2EAB409B-8C1D-4409-843C-2F4E64FD23CF}" type="datetimeFigureOut">
               <a:rPr lang="pt-BR" smtClean="0"/>
-              <a:t>16/11/2023</a:t>
+              <a:t>18/11/2023</a:t>
             </a:fld>
             <a:endParaRPr lang="pt-BR"/>
           </a:p>
@@ -5281,7 +5281,7 @@
           <a:p>
             <a:fld id="{2EAB409B-8C1D-4409-843C-2F4E64FD23CF}" type="datetimeFigureOut">
               <a:rPr lang="pt-BR" smtClean="0"/>
-              <a:t>16/11/2023</a:t>
+              <a:t>18/11/2023</a:t>
             </a:fld>
             <a:endParaRPr lang="pt-BR"/>
           </a:p>
@@ -5422,7 +5422,7 @@
           <a:p>
             <a:fld id="{2EAB409B-8C1D-4409-843C-2F4E64FD23CF}" type="datetimeFigureOut">
               <a:rPr lang="pt-BR" smtClean="0"/>
-              <a:t>16/11/2023</a:t>
+              <a:t>18/11/2023</a:t>
             </a:fld>
             <a:endParaRPr lang="pt-BR"/>
           </a:p>
@@ -5535,7 +5535,7 @@
           <a:p>
             <a:fld id="{2EAB409B-8C1D-4409-843C-2F4E64FD23CF}" type="datetimeFigureOut">
               <a:rPr lang="pt-BR" smtClean="0"/>
-              <a:t>16/11/2023</a:t>
+              <a:t>18/11/2023</a:t>
             </a:fld>
             <a:endParaRPr lang="pt-BR"/>
           </a:p>
@@ -5846,7 +5846,7 @@
           <a:p>
             <a:fld id="{2EAB409B-8C1D-4409-843C-2F4E64FD23CF}" type="datetimeFigureOut">
               <a:rPr lang="pt-BR" smtClean="0"/>
-              <a:t>16/11/2023</a:t>
+              <a:t>18/11/2023</a:t>
             </a:fld>
             <a:endParaRPr lang="pt-BR"/>
           </a:p>
@@ -6134,7 +6134,7 @@
           <a:p>
             <a:fld id="{2EAB409B-8C1D-4409-843C-2F4E64FD23CF}" type="datetimeFigureOut">
               <a:rPr lang="pt-BR" smtClean="0"/>
-              <a:t>16/11/2023</a:t>
+              <a:t>18/11/2023</a:t>
             </a:fld>
             <a:endParaRPr lang="pt-BR"/>
           </a:p>
@@ -6375,7 +6375,7 @@
           <a:p>
             <a:fld id="{2EAB409B-8C1D-4409-843C-2F4E64FD23CF}" type="datetimeFigureOut">
               <a:rPr lang="pt-BR" smtClean="0"/>
-              <a:t>16/11/2023</a:t>
+              <a:t>18/11/2023</a:t>
             </a:fld>
             <a:endParaRPr lang="pt-BR"/>
           </a:p>
@@ -6862,15 +6862,15 @@
         </p:nvSpPr>
         <p:spPr>
           <a:xfrm>
-            <a:off x="965200" y="965200"/>
-            <a:ext cx="10261600" cy="3564869"/>
+            <a:off x="698500" y="1079500"/>
+            <a:ext cx="9766300" cy="4699000"/>
           </a:xfrm>
           <a:prstGeom prst="rect">
             <a:avLst/>
           </a:prstGeom>
         </p:spPr>
         <p:txBody>
-          <a:bodyPr vert="horz" lIns="91440" tIns="45720" rIns="91440" bIns="45720" rtlCol="0" anchor="b">
+          <a:bodyPr vert="horz" lIns="91440" tIns="45720" rIns="91440" bIns="45720" rtlCol="0" anchor="ctr" anchorCtr="1">
             <a:normAutofit/>
           </a:bodyPr>
           <a:lstStyle>
@@ -6899,7 +6899,7 @@
               </a:spcAft>
             </a:pPr>
             <a:r>
-              <a:rPr lang="en-US" sz="8100" b="1" dirty="0">
+              <a:rPr lang="en-US" sz="9600" b="1" dirty="0">
                 <a:ln w="22225">
                   <a:solidFill>
                     <a:schemeClr val="tx1"/>
@@ -6908,11 +6908,13 @@
                 </a:ln>
                 <a:noFill/>
                 <a:effectLst/>
+                <a:latin typeface="Arial" panose="020B0604020202020204" pitchFamily="34" charset="0"/>
+                <a:cs typeface="Arial" panose="020B0604020202020204" pitchFamily="34" charset="0"/>
               </a:rPr>
               <a:t>Sistema de </a:t>
             </a:r>
             <a:r>
-              <a:rPr lang="en-US" sz="8100" b="1" dirty="0" err="1">
+              <a:rPr lang="en-US" sz="9600" b="1" dirty="0" err="1">
                 <a:ln w="22225">
                   <a:solidFill>
                     <a:schemeClr val="tx1"/>
@@ -6920,11 +6922,13 @@
                   <a:miter lim="800000"/>
                 </a:ln>
                 <a:noFill/>
+                <a:latin typeface="Arial" panose="020B0604020202020204" pitchFamily="34" charset="0"/>
+                <a:cs typeface="Arial" panose="020B0604020202020204" pitchFamily="34" charset="0"/>
               </a:rPr>
               <a:t>G</a:t>
             </a:r>
             <a:r>
-              <a:rPr lang="en-US" sz="8100" b="1" dirty="0" err="1">
+              <a:rPr lang="en-US" sz="9600" b="1" dirty="0" err="1">
                 <a:ln w="22225">
                   <a:solidFill>
                     <a:schemeClr val="tx1"/>
@@ -6933,11 +6937,13 @@
                 </a:ln>
                 <a:noFill/>
                 <a:effectLst/>
+                <a:latin typeface="Arial" panose="020B0604020202020204" pitchFamily="34" charset="0"/>
+                <a:cs typeface="Arial" panose="020B0604020202020204" pitchFamily="34" charset="0"/>
               </a:rPr>
               <a:t>erenciamento</a:t>
             </a:r>
             <a:r>
-              <a:rPr lang="en-US" sz="8100" b="1" dirty="0">
+              <a:rPr lang="en-US" sz="9600" b="1" dirty="0">
                 <a:ln w="22225">
                   <a:solidFill>
                     <a:schemeClr val="tx1"/>
@@ -6946,11 +6952,13 @@
                 </a:ln>
                 <a:noFill/>
                 <a:effectLst/>
+                <a:latin typeface="Arial" panose="020B0604020202020204" pitchFamily="34" charset="0"/>
+                <a:cs typeface="Arial" panose="020B0604020202020204" pitchFamily="34" charset="0"/>
               </a:rPr>
               <a:t> para </a:t>
             </a:r>
             <a:r>
-              <a:rPr lang="en-US" sz="8100" b="1" dirty="0" err="1">
+              <a:rPr lang="en-US" sz="9600" b="1" dirty="0" err="1">
                 <a:ln w="22225">
                   <a:solidFill>
                     <a:schemeClr val="tx1"/>
@@ -6958,11 +6966,13 @@
                   <a:miter lim="800000"/>
                 </a:ln>
                 <a:noFill/>
+                <a:latin typeface="Arial" panose="020B0604020202020204" pitchFamily="34" charset="0"/>
+                <a:cs typeface="Arial" panose="020B0604020202020204" pitchFamily="34" charset="0"/>
               </a:rPr>
               <a:t>P</a:t>
             </a:r>
             <a:r>
-              <a:rPr lang="en-US" sz="8100" b="1" dirty="0" err="1">
+              <a:rPr lang="en-US" sz="9600" b="1" dirty="0" err="1">
                 <a:ln w="22225">
                   <a:solidFill>
                     <a:schemeClr val="tx1"/>
@@ -6971,11 +6981,13 @@
                 </a:ln>
                 <a:noFill/>
                 <a:effectLst/>
+                <a:latin typeface="Arial" panose="020B0604020202020204" pitchFamily="34" charset="0"/>
+                <a:cs typeface="Arial" panose="020B0604020202020204" pitchFamily="34" charset="0"/>
               </a:rPr>
               <a:t>izzaria</a:t>
             </a:r>
             <a:r>
-              <a:rPr lang="en-US" sz="8100" b="1" dirty="0">
+              <a:rPr lang="en-US" sz="9600" b="1" dirty="0">
                 <a:ln w="22225">
                   <a:solidFill>
                     <a:schemeClr val="tx1"/>
@@ -6984,19 +6996,11 @@
                 </a:ln>
                 <a:noFill/>
                 <a:effectLst/>
+                <a:latin typeface="Arial" panose="020B0604020202020204" pitchFamily="34" charset="0"/>
+                <a:cs typeface="Arial" panose="020B0604020202020204" pitchFamily="34" charset="0"/>
               </a:rPr>
               <a:t> </a:t>
             </a:r>
-            <a:endParaRPr lang="en-US" sz="8100" dirty="0">
-              <a:ln w="22225">
-                <a:solidFill>
-                  <a:schemeClr val="tx1"/>
-                </a:solidFill>
-                <a:miter lim="800000"/>
-              </a:ln>
-              <a:noFill/>
-              <a:effectLst/>
-            </a:endParaRPr>
           </a:p>
         </p:txBody>
       </p:sp>
@@ -7118,8 +7122,8 @@
         </p:nvSpPr>
         <p:spPr>
           <a:xfrm>
-            <a:off x="-52569" y="-104172"/>
-            <a:ext cx="6559641" cy="7072131"/>
+            <a:off x="1" y="0"/>
+            <a:ext cx="6507072" cy="6857456"/>
           </a:xfrm>
           <a:prstGeom prst="rect">
             <a:avLst/>
@@ -7127,6 +7131,9 @@
           <a:solidFill>
             <a:srgbClr val="3F3F3F"/>
           </a:solidFill>
+          <a:ln>
+            <a:noFill/>
+          </a:ln>
         </p:spPr>
         <p:style>
           <a:lnRef idx="2">
@@ -7171,23 +7178,35 @@
         </p:nvSpPr>
         <p:spPr>
           <a:xfrm>
-            <a:off x="838201" y="1641752"/>
-            <a:ext cx="4394200" cy="1323439"/>
+            <a:off x="838201" y="701602"/>
+            <a:ext cx="4394200" cy="644248"/>
           </a:xfrm>
         </p:spPr>
         <p:txBody>
           <a:bodyPr vert="horz" lIns="91440" tIns="45720" rIns="91440" bIns="45720" rtlCol="0" anchor="t">
-            <a:normAutofit/>
+            <a:noAutofit/>
           </a:bodyPr>
           <a:lstStyle/>
           <a:p>
             <a:r>
-              <a:rPr lang="en-US" sz="4000">
+              <a:rPr lang="en-US" sz="4800" b="1" dirty="0" err="1">
                 <a:solidFill>
                   <a:schemeClr val="bg1"/>
                 </a:solidFill>
+                <a:latin typeface="Arial" panose="020B0604020202020204" pitchFamily="34" charset="0"/>
+                <a:cs typeface="Arial" panose="020B0604020202020204" pitchFamily="34" charset="0"/>
               </a:rPr>
-              <a:t>Conclusão </a:t>
+              <a:t>Conclusão</a:t>
+            </a:r>
+            <a:r>
+              <a:rPr lang="en-US" sz="4800" b="1" dirty="0">
+                <a:solidFill>
+                  <a:schemeClr val="bg1"/>
+                </a:solidFill>
+                <a:latin typeface="Arial" panose="020B0604020202020204" pitchFamily="34" charset="0"/>
+                <a:cs typeface="Arial" panose="020B0604020202020204" pitchFamily="34" charset="0"/>
+              </a:rPr>
+              <a:t> </a:t>
             </a:r>
           </a:p>
         </p:txBody>
@@ -7206,8 +7225,8 @@
         </p:nvSpPr>
         <p:spPr>
           <a:xfrm>
-            <a:off x="838201" y="3146400"/>
-            <a:ext cx="4394200" cy="2454300"/>
+            <a:off x="851266" y="1923204"/>
+            <a:ext cx="4394200" cy="4356898"/>
           </a:xfrm>
           <a:prstGeom prst="rect">
             <a:avLst/>
@@ -7215,19 +7234,19 @@
         </p:spPr>
         <p:txBody>
           <a:bodyPr vert="horz" lIns="91440" tIns="45720" rIns="91440" bIns="45720" rtlCol="0">
-            <a:normAutofit/>
+            <a:noAutofit/>
           </a:bodyPr>
           <a:lstStyle/>
           <a:p>
-            <a:pPr indent="-228600">
+            <a:pPr marL="342900" indent="-342900">
               <a:lnSpc>
                 <a:spcPct val="90000"/>
               </a:lnSpc>
               <a:spcAft>
                 <a:spcPts val="600"/>
               </a:spcAft>
-              <a:buFont typeface="Arial" panose="020B0604020202020204" pitchFamily="34" charset="0"/>
-              <a:buChar char="•"/>
+              <a:buFont typeface="Wingdings" panose="05000000000000000000" pitchFamily="2" charset="2"/>
+              <a:buChar char="Ø"/>
             </a:pPr>
             <a:r>
               <a:rPr lang="en-US" sz="2400" dirty="0" err="1">
@@ -7236,9 +7255,10 @@
                     <a:alpha val="80000"/>
                   </a:schemeClr>
                 </a:solidFill>
-                <a:effectLst/>
+                <a:latin typeface="Arial" panose="020B0604020202020204" pitchFamily="34" charset="0"/>
+                <a:cs typeface="Arial" panose="020B0604020202020204" pitchFamily="34" charset="0"/>
               </a:rPr>
-              <a:t>Fácil</a:t>
+              <a:t>Camada</a:t>
             </a:r>
             <a:r>
               <a:rPr lang="en-US" sz="2400" dirty="0">
@@ -7247,7 +7267,170 @@
                     <a:alpha val="80000"/>
                   </a:schemeClr>
                 </a:solidFill>
-                <a:effectLst/>
+                <a:latin typeface="Arial" panose="020B0604020202020204" pitchFamily="34" charset="0"/>
+                <a:cs typeface="Arial" panose="020B0604020202020204" pitchFamily="34" charset="0"/>
+              </a:rPr>
+              <a:t> extra de </a:t>
+            </a:r>
+            <a:r>
+              <a:rPr lang="en-US" sz="2400" dirty="0" err="1">
+                <a:solidFill>
+                  <a:schemeClr val="bg1">
+                    <a:alpha val="80000"/>
+                  </a:schemeClr>
+                </a:solidFill>
+                <a:latin typeface="Arial" panose="020B0604020202020204" pitchFamily="34" charset="0"/>
+                <a:cs typeface="Arial" panose="020B0604020202020204" pitchFamily="34" charset="0"/>
+              </a:rPr>
+              <a:t>segurança</a:t>
+            </a:r>
+            <a:r>
+              <a:rPr lang="en-US" sz="2400" dirty="0">
+                <a:solidFill>
+                  <a:schemeClr val="bg1">
+                    <a:alpha val="80000"/>
+                  </a:schemeClr>
+                </a:solidFill>
+                <a:latin typeface="Arial" panose="020B0604020202020204" pitchFamily="34" charset="0"/>
+                <a:cs typeface="Arial" panose="020B0604020202020204" pitchFamily="34" charset="0"/>
+              </a:rPr>
+              <a:t>;</a:t>
+            </a:r>
+          </a:p>
+          <a:p>
+            <a:pPr marL="342900" indent="-342900">
+              <a:lnSpc>
+                <a:spcPct val="90000"/>
+              </a:lnSpc>
+              <a:spcAft>
+                <a:spcPts val="600"/>
+              </a:spcAft>
+              <a:buFont typeface="Wingdings" panose="05000000000000000000" pitchFamily="2" charset="2"/>
+              <a:buChar char="Ø"/>
+            </a:pPr>
+            <a:endParaRPr lang="en-US" sz="2400" dirty="0">
+              <a:solidFill>
+                <a:schemeClr val="bg1">
+                  <a:alpha val="80000"/>
+                </a:schemeClr>
+              </a:solidFill>
+              <a:latin typeface="Arial" panose="020B0604020202020204" pitchFamily="34" charset="0"/>
+              <a:cs typeface="Arial" panose="020B0604020202020204" pitchFamily="34" charset="0"/>
+            </a:endParaRPr>
+          </a:p>
+          <a:p>
+            <a:pPr marL="342900" indent="-342900">
+              <a:lnSpc>
+                <a:spcPct val="90000"/>
+              </a:lnSpc>
+              <a:spcAft>
+                <a:spcPts val="600"/>
+              </a:spcAft>
+              <a:buFont typeface="Wingdings" panose="05000000000000000000" pitchFamily="2" charset="2"/>
+              <a:buChar char="Ø"/>
+            </a:pPr>
+            <a:r>
+              <a:rPr lang="en-US" sz="2400" dirty="0" err="1">
+                <a:solidFill>
+                  <a:schemeClr val="bg1">
+                    <a:alpha val="80000"/>
+                  </a:schemeClr>
+                </a:solidFill>
+                <a:latin typeface="Arial" panose="020B0604020202020204" pitchFamily="34" charset="0"/>
+                <a:cs typeface="Arial" panose="020B0604020202020204" pitchFamily="34" charset="0"/>
+              </a:rPr>
+              <a:t>Agilidade</a:t>
+            </a:r>
+            <a:r>
+              <a:rPr lang="en-US" sz="2400" dirty="0">
+                <a:solidFill>
+                  <a:schemeClr val="bg1">
+                    <a:alpha val="80000"/>
+                  </a:schemeClr>
+                </a:solidFill>
+                <a:latin typeface="Arial" panose="020B0604020202020204" pitchFamily="34" charset="0"/>
+                <a:cs typeface="Arial" panose="020B0604020202020204" pitchFamily="34" charset="0"/>
+              </a:rPr>
+              <a:t> de </a:t>
+            </a:r>
+            <a:r>
+              <a:rPr lang="en-US" sz="2400" dirty="0" err="1">
+                <a:solidFill>
+                  <a:schemeClr val="bg1">
+                    <a:alpha val="80000"/>
+                  </a:schemeClr>
+                </a:solidFill>
+                <a:latin typeface="Arial" panose="020B0604020202020204" pitchFamily="34" charset="0"/>
+                <a:cs typeface="Arial" panose="020B0604020202020204" pitchFamily="34" charset="0"/>
+              </a:rPr>
+              <a:t>consultas</a:t>
+            </a:r>
+            <a:r>
+              <a:rPr lang="en-US" sz="2400" dirty="0">
+                <a:solidFill>
+                  <a:schemeClr val="bg1">
+                    <a:alpha val="80000"/>
+                  </a:schemeClr>
+                </a:solidFill>
+                <a:latin typeface="Arial" panose="020B0604020202020204" pitchFamily="34" charset="0"/>
+                <a:cs typeface="Arial" panose="020B0604020202020204" pitchFamily="34" charset="0"/>
+              </a:rPr>
+              <a:t> de dados;</a:t>
+            </a:r>
+          </a:p>
+          <a:p>
+            <a:pPr marL="342900" indent="-342900">
+              <a:lnSpc>
+                <a:spcPct val="90000"/>
+              </a:lnSpc>
+              <a:spcAft>
+                <a:spcPts val="600"/>
+              </a:spcAft>
+              <a:buFont typeface="Wingdings" panose="05000000000000000000" pitchFamily="2" charset="2"/>
+              <a:buChar char="Ø"/>
+            </a:pPr>
+            <a:endParaRPr lang="en-US" sz="2400" dirty="0">
+              <a:solidFill>
+                <a:schemeClr val="bg1">
+                  <a:alpha val="80000"/>
+                </a:schemeClr>
+              </a:solidFill>
+              <a:latin typeface="Arial" panose="020B0604020202020204" pitchFamily="34" charset="0"/>
+              <a:cs typeface="Arial" panose="020B0604020202020204" pitchFamily="34" charset="0"/>
+            </a:endParaRPr>
+          </a:p>
+          <a:p>
+            <a:pPr marL="342900" indent="-342900">
+              <a:lnSpc>
+                <a:spcPct val="90000"/>
+              </a:lnSpc>
+              <a:spcAft>
+                <a:spcPts val="600"/>
+              </a:spcAft>
+              <a:buFont typeface="Wingdings" panose="05000000000000000000" pitchFamily="2" charset="2"/>
+              <a:buChar char="Ø"/>
+            </a:pPr>
+            <a:r>
+              <a:rPr lang="en-US" sz="2400" dirty="0" err="1">
+                <a:solidFill>
+                  <a:schemeClr val="bg1">
+                    <a:alpha val="80000"/>
+                  </a:schemeClr>
+                </a:solidFill>
+                <a:latin typeface="Arial" panose="020B0604020202020204" pitchFamily="34" charset="0"/>
+                <a:cs typeface="Arial" panose="020B0604020202020204" pitchFamily="34" charset="0"/>
+              </a:rPr>
+              <a:t>Melhor</a:t>
+            </a:r>
+            <a:r>
+              <a:rPr lang="en-US" sz="2400" dirty="0">
+                <a:solidFill>
+                  <a:schemeClr val="bg1">
+                    <a:alpha val="80000"/>
+                  </a:schemeClr>
+                </a:solidFill>
+                <a:latin typeface="Arial" panose="020B0604020202020204" pitchFamily="34" charset="0"/>
+                <a:cs typeface="Arial" panose="020B0604020202020204" pitchFamily="34" charset="0"/>
               </a:rPr>
               <a:t> </a:t>
             </a:r>
@@ -7258,9 +7441,10 @@
                     <a:alpha val="80000"/>
                   </a:schemeClr>
                 </a:solidFill>
-                <a:effectLst/>
+                <a:latin typeface="Arial" panose="020B0604020202020204" pitchFamily="34" charset="0"/>
+                <a:cs typeface="Arial" panose="020B0604020202020204" pitchFamily="34" charset="0"/>
               </a:rPr>
-              <a:t>acesso</a:t>
+              <a:t>gerenciamento</a:t>
             </a:r>
             <a:r>
               <a:rPr lang="en-US" sz="2400" dirty="0">
@@ -7269,17 +7453,152 @@
                     <a:alpha val="80000"/>
                   </a:schemeClr>
                 </a:solidFill>
-                <a:effectLst/>
+                <a:latin typeface="Arial" panose="020B0604020202020204" pitchFamily="34" charset="0"/>
+                <a:cs typeface="Arial" panose="020B0604020202020204" pitchFamily="34" charset="0"/>
               </a:rPr>
-              <a:t> de dados </a:t>
+              <a:t> de </a:t>
             </a:r>
+            <a:r>
+              <a:rPr lang="en-US" sz="2400" dirty="0" err="1">
+                <a:solidFill>
+                  <a:schemeClr val="bg1">
+                    <a:alpha val="80000"/>
+                  </a:schemeClr>
+                </a:solidFill>
+                <a:latin typeface="Arial" panose="020B0604020202020204" pitchFamily="34" charset="0"/>
+                <a:cs typeface="Arial" panose="020B0604020202020204" pitchFamily="34" charset="0"/>
+              </a:rPr>
+              <a:t>vendas</a:t>
+            </a:r>
+            <a:r>
+              <a:rPr lang="en-US" sz="2400" dirty="0">
+                <a:solidFill>
+                  <a:schemeClr val="bg1">
+                    <a:alpha val="80000"/>
+                  </a:schemeClr>
+                </a:solidFill>
+                <a:latin typeface="Arial" panose="020B0604020202020204" pitchFamily="34" charset="0"/>
+                <a:cs typeface="Arial" panose="020B0604020202020204" pitchFamily="34" charset="0"/>
+              </a:rPr>
+              <a:t>;</a:t>
+            </a:r>
+          </a:p>
+          <a:p>
+            <a:pPr marL="342900" indent="-342900">
+              <a:lnSpc>
+                <a:spcPct val="90000"/>
+              </a:lnSpc>
+              <a:spcAft>
+                <a:spcPts val="600"/>
+              </a:spcAft>
+              <a:buFont typeface="Wingdings" panose="05000000000000000000" pitchFamily="2" charset="2"/>
+              <a:buChar char="Ø"/>
+            </a:pPr>
             <a:endParaRPr lang="en-US" sz="2400" dirty="0">
               <a:solidFill>
                 <a:schemeClr val="bg1">
                   <a:alpha val="80000"/>
                 </a:schemeClr>
               </a:solidFill>
+              <a:latin typeface="Arial" panose="020B0604020202020204" pitchFamily="34" charset="0"/>
+              <a:cs typeface="Arial" panose="020B0604020202020204" pitchFamily="34" charset="0"/>
             </a:endParaRPr>
+          </a:p>
+          <a:p>
+            <a:pPr marL="342900" indent="-342900">
+              <a:lnSpc>
+                <a:spcPct val="90000"/>
+              </a:lnSpc>
+              <a:spcAft>
+                <a:spcPts val="600"/>
+              </a:spcAft>
+              <a:buFont typeface="Wingdings" panose="05000000000000000000" pitchFamily="2" charset="2"/>
+              <a:buChar char="Ø"/>
+            </a:pPr>
+            <a:r>
+              <a:rPr lang="en-US" sz="2400" dirty="0">
+                <a:solidFill>
+                  <a:schemeClr val="bg1">
+                    <a:alpha val="80000"/>
+                  </a:schemeClr>
+                </a:solidFill>
+                <a:latin typeface="Arial" panose="020B0604020202020204" pitchFamily="34" charset="0"/>
+                <a:cs typeface="Arial" panose="020B0604020202020204" pitchFamily="34" charset="0"/>
+              </a:rPr>
+              <a:t>Chance de </a:t>
+            </a:r>
+            <a:r>
+              <a:rPr lang="en-US" sz="2400" dirty="0" err="1">
+                <a:solidFill>
+                  <a:schemeClr val="bg1">
+                    <a:alpha val="80000"/>
+                  </a:schemeClr>
+                </a:solidFill>
+                <a:latin typeface="Arial" panose="020B0604020202020204" pitchFamily="34" charset="0"/>
+                <a:cs typeface="Arial" panose="020B0604020202020204" pitchFamily="34" charset="0"/>
+              </a:rPr>
+              <a:t>pedidos</a:t>
+            </a:r>
+            <a:r>
+              <a:rPr lang="en-US" sz="2400" dirty="0">
+                <a:solidFill>
+                  <a:schemeClr val="bg1">
+                    <a:alpha val="80000"/>
+                  </a:schemeClr>
+                </a:solidFill>
+                <a:latin typeface="Arial" panose="020B0604020202020204" pitchFamily="34" charset="0"/>
+                <a:cs typeface="Arial" panose="020B0604020202020204" pitchFamily="34" charset="0"/>
+              </a:rPr>
+              <a:t> </a:t>
+            </a:r>
+            <a:r>
+              <a:rPr lang="en-US" sz="2400" dirty="0" err="1">
+                <a:solidFill>
+                  <a:schemeClr val="bg1">
+                    <a:alpha val="80000"/>
+                  </a:schemeClr>
+                </a:solidFill>
+                <a:latin typeface="Arial" panose="020B0604020202020204" pitchFamily="34" charset="0"/>
+                <a:cs typeface="Arial" panose="020B0604020202020204" pitchFamily="34" charset="0"/>
+              </a:rPr>
+              <a:t>errados</a:t>
+            </a:r>
+            <a:r>
+              <a:rPr lang="en-US" sz="2400" dirty="0">
+                <a:solidFill>
+                  <a:schemeClr val="bg1">
+                    <a:alpha val="80000"/>
+                  </a:schemeClr>
+                </a:solidFill>
+                <a:latin typeface="Arial" panose="020B0604020202020204" pitchFamily="34" charset="0"/>
+                <a:cs typeface="Arial" panose="020B0604020202020204" pitchFamily="34" charset="0"/>
+              </a:rPr>
+              <a:t> </a:t>
+            </a:r>
+            <a:r>
+              <a:rPr lang="en-US" sz="2400" dirty="0" err="1">
+                <a:solidFill>
+                  <a:schemeClr val="bg1">
+                    <a:alpha val="80000"/>
+                  </a:schemeClr>
+                </a:solidFill>
+                <a:latin typeface="Arial" panose="020B0604020202020204" pitchFamily="34" charset="0"/>
+                <a:cs typeface="Arial" panose="020B0604020202020204" pitchFamily="34" charset="0"/>
+              </a:rPr>
+              <a:t>reduzida</a:t>
+            </a:r>
+            <a:r>
+              <a:rPr lang="en-US" sz="2400" dirty="0">
+                <a:solidFill>
+                  <a:schemeClr val="bg1">
+                    <a:alpha val="80000"/>
+                  </a:schemeClr>
+                </a:solidFill>
+                <a:latin typeface="Arial" panose="020B0604020202020204" pitchFamily="34" charset="0"/>
+                <a:cs typeface="Arial" panose="020B0604020202020204" pitchFamily="34" charset="0"/>
+              </a:rPr>
+              <a:t>.</a:t>
+            </a:r>
           </a:p>
         </p:txBody>
       </p:sp>
@@ -12133,13 +12452,10 @@
                             </p:stCondLst>
                             <p:childTnLst>
                               <p:par>
-                                <p:cTn id="5" presetID="10" presetClass="entr" presetSubtype="0" fill="hold" grpId="0" nodeType="withEffect">
+                                <p:cTn id="5" presetID="2" presetClass="entr" presetSubtype="4" fill="hold" grpId="0" nodeType="withEffect">
                                   <p:stCondLst>
-                                    <p:cond delay="1000"/>
+                                    <p:cond delay="0"/>
                                   </p:stCondLst>
-                                  <p:iterate type="lt">
-                                    <p:tmPct val="10000"/>
-                                  </p:iterate>
                                   <p:childTnLst>
                                     <p:set>
                                       <p:cBhvr>
@@ -12159,11 +12475,93 @@
                                         <p:strVal val="visible"/>
                                       </p:to>
                                     </p:set>
+                                    <p:anim calcmode="lin" valueType="num">
+                                      <p:cBhvr additive="base">
+                                        <p:cTn id="7" dur="500" fill="hold"/>
+                                        <p:tgtEl>
+                                          <p:spTgt spid="2"/>
+                                        </p:tgtEl>
+                                        <p:attrNameLst>
+                                          <p:attrName>ppt_x</p:attrName>
+                                        </p:attrNameLst>
+                                      </p:cBhvr>
+                                      <p:tavLst>
+                                        <p:tav tm="0">
+                                          <p:val>
+                                            <p:strVal val="#ppt_x"/>
+                                          </p:val>
+                                        </p:tav>
+                                        <p:tav tm="100000">
+                                          <p:val>
+                                            <p:strVal val="#ppt_x"/>
+                                          </p:val>
+                                        </p:tav>
+                                      </p:tavLst>
+                                    </p:anim>
+                                    <p:anim calcmode="lin" valueType="num">
+                                      <p:cBhvr additive="base">
+                                        <p:cTn id="8" dur="500" fill="hold"/>
+                                        <p:tgtEl>
+                                          <p:spTgt spid="2"/>
+                                        </p:tgtEl>
+                                        <p:attrNameLst>
+                                          <p:attrName>ppt_y</p:attrName>
+                                        </p:attrNameLst>
+                                      </p:cBhvr>
+                                      <p:tavLst>
+                                        <p:tav tm="0">
+                                          <p:val>
+                                            <p:strVal val="1+#ppt_h/2"/>
+                                          </p:val>
+                                        </p:tav>
+                                        <p:tav tm="100000">
+                                          <p:val>
+                                            <p:strVal val="#ppt_y"/>
+                                          </p:val>
+                                        </p:tav>
+                                      </p:tavLst>
+                                    </p:anim>
+                                  </p:childTnLst>
+                                </p:cTn>
+                              </p:par>
+                            </p:childTnLst>
+                          </p:cTn>
+                        </p:par>
+                        <p:par>
+                          <p:cTn id="9" fill="hold">
+                            <p:stCondLst>
+                              <p:cond delay="500"/>
+                            </p:stCondLst>
+                            <p:childTnLst>
+                              <p:par>
+                                <p:cTn id="10" presetID="10" presetClass="entr" presetSubtype="0" fill="hold" grpId="0" nodeType="afterEffect">
+                                  <p:stCondLst>
+                                    <p:cond delay="500"/>
+                                  </p:stCondLst>
+                                  <p:childTnLst>
+                                    <p:set>
+                                      <p:cBhvr>
+                                        <p:cTn id="11" dur="1" fill="hold">
+                                          <p:stCondLst>
+                                            <p:cond delay="0"/>
+                                          </p:stCondLst>
+                                        </p:cTn>
+                                        <p:tgtEl>
+                                          <p:spTgt spid="28"/>
+                                        </p:tgtEl>
+                                        <p:attrNameLst>
+                                          <p:attrName>style.visibility</p:attrName>
+                                        </p:attrNameLst>
+                                      </p:cBhvr>
+                                      <p:to>
+                                        <p:strVal val="visible"/>
+                                      </p:to>
+                                    </p:set>
                                     <p:animEffect transition="in" filter="fade">
                                       <p:cBhvr>
-                                        <p:cTn id="7" dur="400"/>
+                                        <p:cTn id="12" dur="500"/>
                                         <p:tgtEl>
-                                          <p:spTgt spid="2"/>
+                                          <p:spTgt spid="28"/>
                                         </p:tgtEl>
                                       </p:cBhvr>
                                     </p:animEffect>
@@ -12199,6 +12597,7 @@
     </p:tnLst>
     <p:bldLst>
       <p:bldP spid="2" grpId="0"/>
+      <p:bldP spid="28" grpId="0"/>
     </p:bldLst>
   </p:timing>
 </p:sld>
@@ -12207,6 +12606,14 @@
 <file path=ppt/slides/slide11.xml><?xml version="1.0" encoding="utf-8"?>
 <p:sld xmlns:a="http://schemas.openxmlformats.org/drawingml/2006/main" xmlns:r="http://schemas.openxmlformats.org/officeDocument/2006/relationships" xmlns:p="http://schemas.openxmlformats.org/presentationml/2006/main">
   <p:cSld>
+    <p:bg>
+      <p:bgPr>
+        <a:solidFill>
+          <a:srgbClr val="3F3F3F"/>
+        </a:solidFill>
+        <a:effectLst/>
+      </p:bgPr>
+    </p:bg>
     <p:spTree>
       <p:nvGrpSpPr>
         <p:cNvPr id="1" name=""/>
@@ -12221,6 +12628,839 @@
           <a:chExt cx="0" cy="0"/>
         </a:xfrm>
       </p:grpSpPr>
+      <p:sp>
+        <p:nvSpPr>
+          <p:cNvPr id="4122" name="Rectangle 4108">
+            <a:extLst>
+              <a:ext uri="{FF2B5EF4-FFF2-40B4-BE49-F238E27FC236}">
+                <a16:creationId xmlns:a16="http://schemas.microsoft.com/office/drawing/2014/main" id="{F3060C83-F051-4F0E-ABAD-AA0DFC48B218}"/>
+              </a:ext>
+              <a:ext uri="{C183D7F6-B498-43B3-948B-1728B52AA6E4}">
+                <adec:decorative xmlns:adec="http://schemas.microsoft.com/office/drawing/2017/decorative" val="1"/>
+              </a:ext>
+            </a:extLst>
+          </p:cNvPr>
+          <p:cNvSpPr>
+            <a:spLocks noGrp="1" noRot="1" noChangeAspect="1" noMove="1" noResize="1" noEditPoints="1" noAdjustHandles="1" noChangeArrowheads="1" noChangeShapeType="1" noTextEdit="1"/>
+          </p:cNvSpPr>
+          <p:nvPr>
+            <p:extLst>
+              <p:ext uri="{386F3935-93C4-4BCD-93E2-E3B085C9AB24}">
+                <p16:designElem xmlns:p16="http://schemas.microsoft.com/office/powerpoint/2015/main" val="1"/>
+              </p:ext>
+            </p:extLst>
+          </p:nvPr>
+        </p:nvSpPr>
+        <p:spPr>
+          <a:xfrm>
+            <a:off x="0" y="0"/>
+            <a:ext cx="12192000" cy="6858000"/>
+          </a:xfrm>
+          <a:prstGeom prst="rect">
+            <a:avLst/>
+          </a:prstGeom>
+          <a:solidFill>
+            <a:schemeClr val="bg1"/>
+          </a:solidFill>
+          <a:ln>
+            <a:noFill/>
+          </a:ln>
+        </p:spPr>
+        <p:style>
+          <a:lnRef idx="2">
+            <a:schemeClr val="accent1">
+              <a:shade val="50000"/>
+            </a:schemeClr>
+          </a:lnRef>
+          <a:fillRef idx="1">
+            <a:schemeClr val="accent1"/>
+          </a:fillRef>
+          <a:effectRef idx="0">
+            <a:schemeClr val="accent1"/>
+          </a:effectRef>
+          <a:fontRef idx="minor">
+            <a:schemeClr val="lt1"/>
+          </a:fontRef>
+        </p:style>
+        <p:txBody>
+          <a:bodyPr rtlCol="0" anchor="ctr"/>
+          <a:lstStyle/>
+          <a:p>
+            <a:pPr marL="0" marR="0" lvl="0" indent="0" algn="ctr" defTabSz="914400" rtl="0" eaLnBrk="1" fontAlgn="auto" latinLnBrk="0" hangingPunct="1">
+              <a:lnSpc>
+                <a:spcPct val="100000"/>
+              </a:lnSpc>
+              <a:spcBef>
+                <a:spcPts val="0"/>
+              </a:spcBef>
+              <a:spcAft>
+                <a:spcPts val="0"/>
+              </a:spcAft>
+              <a:buClrTx/>
+              <a:buSzTx/>
+              <a:buFontTx/>
+              <a:buNone/>
+              <a:tabLst/>
+              <a:defRPr/>
+            </a:pPr>
+            <a:endParaRPr kumimoji="0" lang="en-US" sz="1800" b="0" i="0" u="none" strike="noStrike" kern="1200" cap="none" spc="0" normalizeH="0" baseline="0" noProof="0" dirty="0">
+              <a:ln>
+                <a:noFill/>
+              </a:ln>
+              <a:solidFill>
+                <a:prstClr val="white"/>
+              </a:solidFill>
+              <a:effectLst/>
+              <a:uLnTx/>
+              <a:uFillTx/>
+              <a:latin typeface="Calibri" panose="020F0502020204030204"/>
+              <a:ea typeface="+mn-ea"/>
+              <a:cs typeface="+mn-cs"/>
+            </a:endParaRPr>
+          </a:p>
+        </p:txBody>
+      </p:sp>
+      <p:sp>
+        <p:nvSpPr>
+          <p:cNvPr id="2" name="Retângulo 1">
+            <a:extLst>
+              <a:ext uri="{FF2B5EF4-FFF2-40B4-BE49-F238E27FC236}">
+                <a16:creationId xmlns:a16="http://schemas.microsoft.com/office/drawing/2014/main" id="{BF3F848A-C15D-E23F-158C-E1F62B4C1C6F}"/>
+              </a:ext>
+            </a:extLst>
+          </p:cNvPr>
+          <p:cNvSpPr/>
+          <p:nvPr/>
+        </p:nvSpPr>
+        <p:spPr>
+          <a:xfrm>
+            <a:off x="0" y="0"/>
+            <a:ext cx="12192000" cy="6858000"/>
+          </a:xfrm>
+          <a:prstGeom prst="rect">
+            <a:avLst/>
+          </a:prstGeom>
+          <a:solidFill>
+            <a:srgbClr val="3F3F3F"/>
+          </a:solidFill>
+          <a:ln>
+            <a:noFill/>
+          </a:ln>
+        </p:spPr>
+        <p:style>
+          <a:lnRef idx="2">
+            <a:schemeClr val="accent1">
+              <a:shade val="15000"/>
+            </a:schemeClr>
+          </a:lnRef>
+          <a:fillRef idx="1">
+            <a:schemeClr val="accent1"/>
+          </a:fillRef>
+          <a:effectRef idx="0">
+            <a:schemeClr val="accent1"/>
+          </a:effectRef>
+          <a:fontRef idx="minor">
+            <a:schemeClr val="lt1"/>
+          </a:fontRef>
+        </p:style>
+        <p:txBody>
+          <a:bodyPr rtlCol="0" anchor="ctr"/>
+          <a:lstStyle/>
+          <a:p>
+            <a:pPr marL="0" marR="0" lvl="0" indent="0" algn="ctr" defTabSz="914400" rtl="0" eaLnBrk="1" fontAlgn="auto" latinLnBrk="0" hangingPunct="1">
+              <a:lnSpc>
+                <a:spcPct val="100000"/>
+              </a:lnSpc>
+              <a:spcBef>
+                <a:spcPts val="0"/>
+              </a:spcBef>
+              <a:spcAft>
+                <a:spcPts val="0"/>
+              </a:spcAft>
+              <a:buClrTx/>
+              <a:buSzTx/>
+              <a:buFontTx/>
+              <a:buNone/>
+              <a:tabLst/>
+              <a:defRPr/>
+            </a:pPr>
+            <a:endParaRPr kumimoji="0" lang="pt-BR" sz="1800" b="0" i="0" u="none" strike="noStrike" kern="1200" cap="none" spc="0" normalizeH="0" baseline="0" noProof="0">
+              <a:ln>
+                <a:noFill/>
+              </a:ln>
+              <a:solidFill>
+                <a:prstClr val="white"/>
+              </a:solidFill>
+              <a:effectLst/>
+              <a:uLnTx/>
+              <a:uFillTx/>
+              <a:latin typeface="Calibri" panose="020F0502020204030204"/>
+              <a:ea typeface="+mn-ea"/>
+              <a:cs typeface="+mn-cs"/>
+            </a:endParaRPr>
+          </a:p>
+        </p:txBody>
+      </p:sp>
+      <p:sp>
+        <p:nvSpPr>
+          <p:cNvPr id="4111" name="Freeform: Shape 4110">
+            <a:extLst>
+              <a:ext uri="{FF2B5EF4-FFF2-40B4-BE49-F238E27FC236}">
+                <a16:creationId xmlns:a16="http://schemas.microsoft.com/office/drawing/2014/main" id="{83C98ABE-055B-441F-B07E-44F97F083C39}"/>
+              </a:ext>
+              <a:ext uri="{C183D7F6-B498-43B3-948B-1728B52AA6E4}">
+                <adec:decorative xmlns:adec="http://schemas.microsoft.com/office/drawing/2017/decorative" val="1"/>
+              </a:ext>
+            </a:extLst>
+          </p:cNvPr>
+          <p:cNvSpPr>
+            <a:spLocks noGrp="1" noRot="1" noChangeAspect="1" noMove="1" noResize="1" noEditPoints="1" noAdjustHandles="1" noChangeArrowheads="1" noChangeShapeType="1" noTextEdit="1"/>
+          </p:cNvSpPr>
+          <p:nvPr>
+            <p:extLst>
+              <p:ext uri="{386F3935-93C4-4BCD-93E2-E3B085C9AB24}">
+                <p16:designElem xmlns:p16="http://schemas.microsoft.com/office/powerpoint/2015/main" val="1"/>
+              </p:ext>
+            </p:extLst>
+          </p:nvPr>
+        </p:nvSpPr>
+        <p:spPr>
+          <a:xfrm rot="18900000" flipH="1">
+            <a:off x="-376156" y="-253670"/>
+            <a:ext cx="1827638" cy="1376989"/>
+          </a:xfrm>
+          <a:custGeom>
+            <a:avLst/>
+            <a:gdLst>
+              <a:gd name="connsiteX0" fmla="*/ 0 w 1827638"/>
+              <a:gd name="connsiteY0" fmla="*/ 987379 h 1376989"/>
+              <a:gd name="connsiteX1" fmla="*/ 987379 w 1827638"/>
+              <a:gd name="connsiteY1" fmla="*/ 0 h 1376989"/>
+              <a:gd name="connsiteX2" fmla="*/ 1827638 w 1827638"/>
+              <a:gd name="connsiteY2" fmla="*/ 840260 h 1376989"/>
+              <a:gd name="connsiteX3" fmla="*/ 1827638 w 1827638"/>
+              <a:gd name="connsiteY3" fmla="*/ 1376989 h 1376989"/>
+              <a:gd name="connsiteX4" fmla="*/ 0 w 1827638"/>
+              <a:gd name="connsiteY4" fmla="*/ 1376989 h 1376989"/>
+            </a:gdLst>
+            <a:ahLst/>
+            <a:cxnLst>
+              <a:cxn ang="0">
+                <a:pos x="connsiteX0" y="connsiteY0"/>
+              </a:cxn>
+              <a:cxn ang="0">
+                <a:pos x="connsiteX1" y="connsiteY1"/>
+              </a:cxn>
+              <a:cxn ang="0">
+                <a:pos x="connsiteX2" y="connsiteY2"/>
+              </a:cxn>
+              <a:cxn ang="0">
+                <a:pos x="connsiteX3" y="connsiteY3"/>
+              </a:cxn>
+              <a:cxn ang="0">
+                <a:pos x="connsiteX4" y="connsiteY4"/>
+              </a:cxn>
+            </a:cxnLst>
+            <a:rect l="l" t="t" r="r" b="b"/>
+            <a:pathLst>
+              <a:path w="1827638" h="1376989">
+                <a:moveTo>
+                  <a:pt x="0" y="987379"/>
+                </a:moveTo>
+                <a:lnTo>
+                  <a:pt x="987379" y="0"/>
+                </a:lnTo>
+                <a:lnTo>
+                  <a:pt x="1827638" y="840260"/>
+                </a:lnTo>
+                <a:lnTo>
+                  <a:pt x="1827638" y="1376989"/>
+                </a:lnTo>
+                <a:lnTo>
+                  <a:pt x="0" y="1376989"/>
+                </a:lnTo>
+                <a:close/>
+              </a:path>
+            </a:pathLst>
+          </a:custGeom>
+          <a:solidFill>
+            <a:schemeClr val="accent1">
+              <a:alpha val="30000"/>
+            </a:schemeClr>
+          </a:solidFill>
+          <a:ln>
+            <a:noFill/>
+          </a:ln>
+        </p:spPr>
+        <p:style>
+          <a:lnRef idx="2">
+            <a:schemeClr val="accent1">
+              <a:shade val="50000"/>
+            </a:schemeClr>
+          </a:lnRef>
+          <a:fillRef idx="1">
+            <a:schemeClr val="accent1"/>
+          </a:fillRef>
+          <a:effectRef idx="0">
+            <a:schemeClr val="accent1"/>
+          </a:effectRef>
+          <a:fontRef idx="minor">
+            <a:schemeClr val="lt1"/>
+          </a:fontRef>
+        </p:style>
+        <p:txBody>
+          <a:bodyPr rtlCol="0" anchor="ctr"/>
+          <a:lstStyle/>
+          <a:p>
+            <a:pPr marL="0" marR="0" lvl="0" indent="0" algn="ctr" defTabSz="914400" rtl="0" eaLnBrk="1" fontAlgn="auto" latinLnBrk="0" hangingPunct="1">
+              <a:lnSpc>
+                <a:spcPct val="100000"/>
+              </a:lnSpc>
+              <a:spcBef>
+                <a:spcPts val="0"/>
+              </a:spcBef>
+              <a:spcAft>
+                <a:spcPts val="0"/>
+              </a:spcAft>
+              <a:buClrTx/>
+              <a:buSzTx/>
+              <a:buFontTx/>
+              <a:buNone/>
+              <a:tabLst/>
+              <a:defRPr/>
+            </a:pPr>
+            <a:endParaRPr kumimoji="0" lang="en-US" sz="1800" b="0" i="0" u="none" strike="noStrike" kern="1200" cap="none" spc="0" normalizeH="0" baseline="0" noProof="0" dirty="0">
+              <a:ln>
+                <a:noFill/>
+              </a:ln>
+              <a:solidFill>
+                <a:prstClr val="white"/>
+              </a:solidFill>
+              <a:effectLst/>
+              <a:uLnTx/>
+              <a:uFillTx/>
+              <a:latin typeface="Calibri" panose="020F0502020204030204"/>
+              <a:ea typeface="+mn-ea"/>
+              <a:cs typeface="+mn-cs"/>
+            </a:endParaRPr>
+          </a:p>
+        </p:txBody>
+      </p:sp>
+      <p:sp>
+        <p:nvSpPr>
+          <p:cNvPr id="4113" name="Rectangle 4112">
+            <a:extLst>
+              <a:ext uri="{FF2B5EF4-FFF2-40B4-BE49-F238E27FC236}">
+                <a16:creationId xmlns:a16="http://schemas.microsoft.com/office/drawing/2014/main" id="{29FDB030-9B49-4CED-8CCD-4D99382388AC}"/>
+              </a:ext>
+              <a:ext uri="{C183D7F6-B498-43B3-948B-1728B52AA6E4}">
+                <adec:decorative xmlns:adec="http://schemas.microsoft.com/office/drawing/2017/decorative" val="1"/>
+              </a:ext>
+            </a:extLst>
+          </p:cNvPr>
+          <p:cNvSpPr>
+            <a:spLocks noGrp="1" noRot="1" noChangeAspect="1" noMove="1" noResize="1" noEditPoints="1" noAdjustHandles="1" noChangeArrowheads="1" noChangeShapeType="1" noTextEdit="1"/>
+          </p:cNvSpPr>
+          <p:nvPr>
+            <p:extLst>
+              <p:ext uri="{386F3935-93C4-4BCD-93E2-E3B085C9AB24}">
+                <p16:designElem xmlns:p16="http://schemas.microsoft.com/office/powerpoint/2015/main" val="1"/>
+              </p:ext>
+            </p:extLst>
+          </p:nvPr>
+        </p:nvSpPr>
+        <p:spPr>
+          <a:xfrm rot="18900000" flipH="1">
+            <a:off x="891641" y="422146"/>
+            <a:ext cx="645368" cy="645368"/>
+          </a:xfrm>
+          <a:prstGeom prst="rect">
+            <a:avLst/>
+          </a:prstGeom>
+          <a:solidFill>
+            <a:schemeClr val="accent1">
+              <a:alpha val="30000"/>
+            </a:schemeClr>
+          </a:solidFill>
+          <a:ln>
+            <a:noFill/>
+          </a:ln>
+        </p:spPr>
+        <p:style>
+          <a:lnRef idx="2">
+            <a:schemeClr val="accent1">
+              <a:shade val="50000"/>
+            </a:schemeClr>
+          </a:lnRef>
+          <a:fillRef idx="1">
+            <a:schemeClr val="accent1"/>
+          </a:fillRef>
+          <a:effectRef idx="0">
+            <a:schemeClr val="accent1"/>
+          </a:effectRef>
+          <a:fontRef idx="minor">
+            <a:schemeClr val="lt1"/>
+          </a:fontRef>
+        </p:style>
+        <p:txBody>
+          <a:bodyPr rtlCol="0" anchor="ctr"/>
+          <a:lstStyle/>
+          <a:p>
+            <a:pPr marL="0" marR="0" lvl="0" indent="0" algn="ctr" defTabSz="914400" rtl="0" eaLnBrk="1" fontAlgn="auto" latinLnBrk="0" hangingPunct="1">
+              <a:lnSpc>
+                <a:spcPct val="100000"/>
+              </a:lnSpc>
+              <a:spcBef>
+                <a:spcPts val="0"/>
+              </a:spcBef>
+              <a:spcAft>
+                <a:spcPts val="0"/>
+              </a:spcAft>
+              <a:buClrTx/>
+              <a:buSzTx/>
+              <a:buFontTx/>
+              <a:buNone/>
+              <a:tabLst/>
+              <a:defRPr/>
+            </a:pPr>
+            <a:endParaRPr kumimoji="0" lang="en-US" sz="1800" b="0" i="0" u="none" strike="noStrike" kern="1200" cap="none" spc="0" normalizeH="0" baseline="0" noProof="0">
+              <a:ln>
+                <a:noFill/>
+              </a:ln>
+              <a:solidFill>
+                <a:prstClr val="white"/>
+              </a:solidFill>
+              <a:effectLst/>
+              <a:uLnTx/>
+              <a:uFillTx/>
+              <a:latin typeface="Calibri" panose="020F0502020204030204"/>
+              <a:ea typeface="+mn-ea"/>
+              <a:cs typeface="+mn-cs"/>
+            </a:endParaRPr>
+          </a:p>
+        </p:txBody>
+      </p:sp>
+      <p:sp>
+        <p:nvSpPr>
+          <p:cNvPr id="4115" name="Rectangle 4114">
+            <a:extLst>
+              <a:ext uri="{FF2B5EF4-FFF2-40B4-BE49-F238E27FC236}">
+                <a16:creationId xmlns:a16="http://schemas.microsoft.com/office/drawing/2014/main" id="{3783CA14-24A1-485C-8B30-D6A5D87987AD}"/>
+              </a:ext>
+              <a:ext uri="{C183D7F6-B498-43B3-948B-1728B52AA6E4}">
+                <adec:decorative xmlns:adec="http://schemas.microsoft.com/office/drawing/2017/decorative" val="1"/>
+              </a:ext>
+            </a:extLst>
+          </p:cNvPr>
+          <p:cNvSpPr>
+            <a:spLocks noGrp="1" noRot="1" noChangeAspect="1" noMove="1" noResize="1" noEditPoints="1" noAdjustHandles="1" noChangeArrowheads="1" noChangeShapeType="1" noTextEdit="1"/>
+          </p:cNvSpPr>
+          <p:nvPr>
+            <p:extLst>
+              <p:ext uri="{386F3935-93C4-4BCD-93E2-E3B085C9AB24}">
+                <p16:designElem xmlns:p16="http://schemas.microsoft.com/office/powerpoint/2015/main" val="1"/>
+              </p:ext>
+            </p:extLst>
+          </p:nvPr>
+        </p:nvSpPr>
+        <p:spPr>
+          <a:xfrm rot="18900000" flipH="1">
+            <a:off x="10043482" y="655140"/>
+            <a:ext cx="687472" cy="687472"/>
+          </a:xfrm>
+          <a:prstGeom prst="rect">
+            <a:avLst/>
+          </a:prstGeom>
+          <a:solidFill>
+            <a:schemeClr val="accent4">
+              <a:alpha val="30000"/>
+            </a:schemeClr>
+          </a:solidFill>
+          <a:ln>
+            <a:noFill/>
+          </a:ln>
+        </p:spPr>
+        <p:style>
+          <a:lnRef idx="2">
+            <a:schemeClr val="accent1">
+              <a:shade val="50000"/>
+            </a:schemeClr>
+          </a:lnRef>
+          <a:fillRef idx="1">
+            <a:schemeClr val="accent1"/>
+          </a:fillRef>
+          <a:effectRef idx="0">
+            <a:schemeClr val="accent1"/>
+          </a:effectRef>
+          <a:fontRef idx="minor">
+            <a:schemeClr val="lt1"/>
+          </a:fontRef>
+        </p:style>
+        <p:txBody>
+          <a:bodyPr rtlCol="0" anchor="ctr"/>
+          <a:lstStyle/>
+          <a:p>
+            <a:pPr marL="0" marR="0" lvl="0" indent="0" algn="ctr" defTabSz="914400" rtl="0" eaLnBrk="1" fontAlgn="auto" latinLnBrk="0" hangingPunct="1">
+              <a:lnSpc>
+                <a:spcPct val="100000"/>
+              </a:lnSpc>
+              <a:spcBef>
+                <a:spcPts val="0"/>
+              </a:spcBef>
+              <a:spcAft>
+                <a:spcPts val="0"/>
+              </a:spcAft>
+              <a:buClrTx/>
+              <a:buSzTx/>
+              <a:buFontTx/>
+              <a:buNone/>
+              <a:tabLst/>
+              <a:defRPr/>
+            </a:pPr>
+            <a:endParaRPr kumimoji="0" lang="en-US" sz="1800" b="0" i="0" u="none" strike="noStrike" kern="1200" cap="none" spc="0" normalizeH="0" baseline="0" noProof="0">
+              <a:ln>
+                <a:noFill/>
+              </a:ln>
+              <a:solidFill>
+                <a:prstClr val="white"/>
+              </a:solidFill>
+              <a:effectLst/>
+              <a:uLnTx/>
+              <a:uFillTx/>
+              <a:latin typeface="Calibri" panose="020F0502020204030204"/>
+              <a:ea typeface="+mn-ea"/>
+              <a:cs typeface="+mn-cs"/>
+            </a:endParaRPr>
+          </a:p>
+        </p:txBody>
+      </p:sp>
+      <p:sp>
+        <p:nvSpPr>
+          <p:cNvPr id="4117" name="Freeform: Shape 4116">
+            <a:extLst>
+              <a:ext uri="{FF2B5EF4-FFF2-40B4-BE49-F238E27FC236}">
+                <a16:creationId xmlns:a16="http://schemas.microsoft.com/office/drawing/2014/main" id="{9A97C86A-04D6-40F7-AE84-31AB43E6A846}"/>
+              </a:ext>
+              <a:ext uri="{C183D7F6-B498-43B3-948B-1728B52AA6E4}">
+                <adec:decorative xmlns:adec="http://schemas.microsoft.com/office/drawing/2017/decorative" val="1"/>
+              </a:ext>
+            </a:extLst>
+          </p:cNvPr>
+          <p:cNvSpPr>
+            <a:spLocks noGrp="1" noRot="1" noChangeAspect="1" noMove="1" noResize="1" noEditPoints="1" noAdjustHandles="1" noChangeArrowheads="1" noChangeShapeType="1" noTextEdit="1"/>
+          </p:cNvSpPr>
+          <p:nvPr>
+            <p:extLst>
+              <p:ext uri="{386F3935-93C4-4BCD-93E2-E3B085C9AB24}">
+                <p16:designElem xmlns:p16="http://schemas.microsoft.com/office/powerpoint/2015/main" val="1"/>
+              </p:ext>
+            </p:extLst>
+          </p:nvPr>
+        </p:nvSpPr>
+        <p:spPr>
+          <a:xfrm rot="10800000" flipH="1">
+            <a:off x="9356643" y="0"/>
+            <a:ext cx="2835357" cy="1480837"/>
+          </a:xfrm>
+          <a:custGeom>
+            <a:avLst/>
+            <a:gdLst>
+              <a:gd name="connsiteX0" fmla="*/ 2835357 w 2835357"/>
+              <a:gd name="connsiteY0" fmla="*/ 1480837 h 1480837"/>
+              <a:gd name="connsiteX1" fmla="*/ 0 w 2835357"/>
+              <a:gd name="connsiteY1" fmla="*/ 1480837 h 1480837"/>
+              <a:gd name="connsiteX2" fmla="*/ 1552727 w 2835357"/>
+              <a:gd name="connsiteY2" fmla="*/ 0 h 1480837"/>
+              <a:gd name="connsiteX3" fmla="*/ 2835357 w 2835357"/>
+              <a:gd name="connsiteY3" fmla="*/ 1223245 h 1480837"/>
+            </a:gdLst>
+            <a:ahLst/>
+            <a:cxnLst>
+              <a:cxn ang="0">
+                <a:pos x="connsiteX0" y="connsiteY0"/>
+              </a:cxn>
+              <a:cxn ang="0">
+                <a:pos x="connsiteX1" y="connsiteY1"/>
+              </a:cxn>
+              <a:cxn ang="0">
+                <a:pos x="connsiteX2" y="connsiteY2"/>
+              </a:cxn>
+              <a:cxn ang="0">
+                <a:pos x="connsiteX3" y="connsiteY3"/>
+              </a:cxn>
+            </a:cxnLst>
+            <a:rect l="l" t="t" r="r" b="b"/>
+            <a:pathLst>
+              <a:path w="2835357" h="1480837">
+                <a:moveTo>
+                  <a:pt x="2835357" y="1480837"/>
+                </a:moveTo>
+                <a:lnTo>
+                  <a:pt x="0" y="1480837"/>
+                </a:lnTo>
+                <a:lnTo>
+                  <a:pt x="1552727" y="0"/>
+                </a:lnTo>
+                <a:lnTo>
+                  <a:pt x="2835357" y="1223245"/>
+                </a:lnTo>
+                <a:close/>
+              </a:path>
+            </a:pathLst>
+          </a:custGeom>
+          <a:solidFill>
+            <a:schemeClr val="accent4">
+              <a:alpha val="30000"/>
+            </a:schemeClr>
+          </a:solidFill>
+          <a:ln>
+            <a:noFill/>
+          </a:ln>
+        </p:spPr>
+        <p:style>
+          <a:lnRef idx="2">
+            <a:schemeClr val="accent1">
+              <a:shade val="50000"/>
+            </a:schemeClr>
+          </a:lnRef>
+          <a:fillRef idx="1">
+            <a:schemeClr val="accent1"/>
+          </a:fillRef>
+          <a:effectRef idx="0">
+            <a:schemeClr val="accent1"/>
+          </a:effectRef>
+          <a:fontRef idx="minor">
+            <a:schemeClr val="lt1"/>
+          </a:fontRef>
+        </p:style>
+        <p:txBody>
+          <a:bodyPr wrap="square" rtlCol="0" anchor="ctr">
+            <a:noAutofit/>
+          </a:bodyPr>
+          <a:lstStyle/>
+          <a:p>
+            <a:pPr marL="0" marR="0" lvl="0" indent="0" algn="ctr" defTabSz="914400" rtl="0" eaLnBrk="1" fontAlgn="auto" latinLnBrk="0" hangingPunct="1">
+              <a:lnSpc>
+                <a:spcPct val="100000"/>
+              </a:lnSpc>
+              <a:spcBef>
+                <a:spcPts val="0"/>
+              </a:spcBef>
+              <a:spcAft>
+                <a:spcPts val="0"/>
+              </a:spcAft>
+              <a:buClrTx/>
+              <a:buSzTx/>
+              <a:buFontTx/>
+              <a:buNone/>
+              <a:tabLst/>
+              <a:defRPr/>
+            </a:pPr>
+            <a:endParaRPr kumimoji="0" lang="en-US" sz="1800" b="0" i="0" u="none" strike="noStrike" kern="1200" cap="none" spc="0" normalizeH="0" baseline="0" noProof="0" dirty="0">
+              <a:ln>
+                <a:noFill/>
+              </a:ln>
+              <a:solidFill>
+                <a:prstClr val="white"/>
+              </a:solidFill>
+              <a:effectLst/>
+              <a:uLnTx/>
+              <a:uFillTx/>
+              <a:latin typeface="Calibri" panose="020F0502020204030204"/>
+              <a:ea typeface="+mn-ea"/>
+              <a:cs typeface="+mn-cs"/>
+            </a:endParaRPr>
+          </a:p>
+        </p:txBody>
+      </p:sp>
+      <p:sp>
+        <p:nvSpPr>
+          <p:cNvPr id="4123" name="Isosceles Triangle 4118">
+            <a:extLst>
+              <a:ext uri="{FF2B5EF4-FFF2-40B4-BE49-F238E27FC236}">
+                <a16:creationId xmlns:a16="http://schemas.microsoft.com/office/drawing/2014/main" id="{FF9F2414-84E8-453E-B1F3-389FDE8192D9}"/>
+              </a:ext>
+              <a:ext uri="{C183D7F6-B498-43B3-948B-1728B52AA6E4}">
+                <adec:decorative xmlns:adec="http://schemas.microsoft.com/office/drawing/2017/decorative" val="1"/>
+              </a:ext>
+            </a:extLst>
+          </p:cNvPr>
+          <p:cNvSpPr>
+            <a:spLocks noGrp="1" noRot="1" noChangeAspect="1" noMove="1" noResize="1" noEditPoints="1" noAdjustHandles="1" noChangeArrowheads="1" noChangeShapeType="1" noTextEdit="1"/>
+          </p:cNvSpPr>
+          <p:nvPr>
+            <p:extLst>
+              <p:ext uri="{386F3935-93C4-4BCD-93E2-E3B085C9AB24}">
+                <p16:designElem xmlns:p16="http://schemas.microsoft.com/office/powerpoint/2015/main" val="1"/>
+              </p:ext>
+            </p:extLst>
+          </p:nvPr>
+        </p:nvSpPr>
+        <p:spPr>
+          <a:xfrm flipH="1">
+            <a:off x="7976344" y="6115501"/>
+            <a:ext cx="1494513" cy="742499"/>
+          </a:xfrm>
+          <a:prstGeom prst="triangle">
+            <a:avLst/>
+          </a:prstGeom>
+          <a:solidFill>
+            <a:schemeClr val="accent1">
+              <a:alpha val="30000"/>
+            </a:schemeClr>
+          </a:solidFill>
+          <a:ln>
+            <a:noFill/>
+          </a:ln>
+        </p:spPr>
+        <p:style>
+          <a:lnRef idx="2">
+            <a:schemeClr val="accent1">
+              <a:shade val="50000"/>
+            </a:schemeClr>
+          </a:lnRef>
+          <a:fillRef idx="1">
+            <a:schemeClr val="accent1"/>
+          </a:fillRef>
+          <a:effectRef idx="0">
+            <a:schemeClr val="accent1"/>
+          </a:effectRef>
+          <a:fontRef idx="minor">
+            <a:schemeClr val="lt1"/>
+          </a:fontRef>
+        </p:style>
+        <p:txBody>
+          <a:bodyPr rtlCol="0" anchor="ctr"/>
+          <a:lstStyle/>
+          <a:p>
+            <a:pPr marL="0" marR="0" lvl="0" indent="0" algn="ctr" defTabSz="914400" rtl="0" eaLnBrk="1" fontAlgn="auto" latinLnBrk="0" hangingPunct="1">
+              <a:lnSpc>
+                <a:spcPct val="100000"/>
+              </a:lnSpc>
+              <a:spcBef>
+                <a:spcPts val="0"/>
+              </a:spcBef>
+              <a:spcAft>
+                <a:spcPts val="0"/>
+              </a:spcAft>
+              <a:buClrTx/>
+              <a:buSzTx/>
+              <a:buFontTx/>
+              <a:buNone/>
+              <a:tabLst/>
+              <a:defRPr/>
+            </a:pPr>
+            <a:endParaRPr kumimoji="0" lang="en-US" sz="1800" b="0" i="0" u="none" strike="noStrike" kern="1200" cap="none" spc="0" normalizeH="0" baseline="0" noProof="0">
+              <a:ln>
+                <a:noFill/>
+              </a:ln>
+              <a:solidFill>
+                <a:prstClr val="white"/>
+              </a:solidFill>
+              <a:effectLst/>
+              <a:uLnTx/>
+              <a:uFillTx/>
+              <a:latin typeface="Calibri" panose="020F0502020204030204"/>
+              <a:ea typeface="+mn-ea"/>
+              <a:cs typeface="+mn-cs"/>
+            </a:endParaRPr>
+          </a:p>
+        </p:txBody>
+      </p:sp>
+      <p:sp>
+        <p:nvSpPr>
+          <p:cNvPr id="4121" name="Isosceles Triangle 4120">
+            <a:extLst>
+              <a:ext uri="{FF2B5EF4-FFF2-40B4-BE49-F238E27FC236}">
+                <a16:creationId xmlns:a16="http://schemas.microsoft.com/office/drawing/2014/main" id="{3ECA69A1-7536-43AC-85EF-C7106179F5ED}"/>
+              </a:ext>
+              <a:ext uri="{C183D7F6-B498-43B3-948B-1728B52AA6E4}">
+                <adec:decorative xmlns:adec="http://schemas.microsoft.com/office/drawing/2017/decorative" val="1"/>
+              </a:ext>
+            </a:extLst>
+          </p:cNvPr>
+          <p:cNvSpPr>
+            <a:spLocks noGrp="1" noRot="1" noChangeAspect="1" noMove="1" noResize="1" noEditPoints="1" noAdjustHandles="1" noChangeArrowheads="1" noChangeShapeType="1" noTextEdit="1"/>
+          </p:cNvSpPr>
+          <p:nvPr>
+            <p:extLst>
+              <p:ext uri="{386F3935-93C4-4BCD-93E2-E3B085C9AB24}">
+                <p16:designElem xmlns:p16="http://schemas.microsoft.com/office/powerpoint/2015/main" val="1"/>
+              </p:ext>
+            </p:extLst>
+          </p:nvPr>
+        </p:nvSpPr>
+        <p:spPr>
+          <a:xfrm flipH="1">
+            <a:off x="7604080" y="6453143"/>
+            <a:ext cx="814903" cy="404857"/>
+          </a:xfrm>
+          <a:prstGeom prst="triangle">
+            <a:avLst/>
+          </a:prstGeom>
+          <a:solidFill>
+            <a:schemeClr val="accent1">
+              <a:alpha val="30000"/>
+            </a:schemeClr>
+          </a:solidFill>
+          <a:ln>
+            <a:noFill/>
+          </a:ln>
+        </p:spPr>
+        <p:style>
+          <a:lnRef idx="2">
+            <a:schemeClr val="accent1">
+              <a:shade val="50000"/>
+            </a:schemeClr>
+          </a:lnRef>
+          <a:fillRef idx="1">
+            <a:schemeClr val="accent1"/>
+          </a:fillRef>
+          <a:effectRef idx="0">
+            <a:schemeClr val="accent1"/>
+          </a:effectRef>
+          <a:fontRef idx="minor">
+            <a:schemeClr val="lt1"/>
+          </a:fontRef>
+        </p:style>
+        <p:txBody>
+          <a:bodyPr rtlCol="0" anchor="ctr"/>
+          <a:lstStyle/>
+          <a:p>
+            <a:pPr marL="0" marR="0" lvl="0" indent="0" algn="ctr" defTabSz="914400" rtl="0" eaLnBrk="1" fontAlgn="auto" latinLnBrk="0" hangingPunct="1">
+              <a:lnSpc>
+                <a:spcPct val="100000"/>
+              </a:lnSpc>
+              <a:spcBef>
+                <a:spcPts val="0"/>
+              </a:spcBef>
+              <a:spcAft>
+                <a:spcPts val="0"/>
+              </a:spcAft>
+              <a:buClrTx/>
+              <a:buSzTx/>
+              <a:buFontTx/>
+              <a:buNone/>
+              <a:tabLst/>
+              <a:defRPr/>
+            </a:pPr>
+            <a:endParaRPr kumimoji="0" lang="en-US" sz="1800" b="0" i="0" u="none" strike="noStrike" kern="1200" cap="none" spc="0" normalizeH="0" baseline="0" noProof="0">
+              <a:ln>
+                <a:noFill/>
+              </a:ln>
+              <a:solidFill>
+                <a:prstClr val="white"/>
+              </a:solidFill>
+              <a:effectLst/>
+              <a:uLnTx/>
+              <a:uFillTx/>
+              <a:latin typeface="Calibri" panose="020F0502020204030204"/>
+              <a:ea typeface="+mn-ea"/>
+              <a:cs typeface="+mn-cs"/>
+            </a:endParaRPr>
+          </a:p>
+        </p:txBody>
+      </p:sp>
       <p:sp>
         <p:nvSpPr>
           <p:cNvPr id="4100" name="Rectangle 4102">
@@ -12246,8 +13486,8 @@
         </p:nvSpPr>
         <p:spPr>
           <a:xfrm>
-            <a:off x="4023671" y="0"/>
-            <a:ext cx="73152" cy="6858000"/>
+            <a:off x="4412553" y="643467"/>
+            <a:ext cx="59425" cy="5571065"/>
           </a:xfrm>
           <a:prstGeom prst="rect">
             <a:avLst/>
@@ -12282,8 +13522,37 @@
           <a:bodyPr rtlCol="0" anchor="ctr"/>
           <a:lstStyle/>
           <a:p>
-            <a:pPr algn="ctr"/>
-            <a:endParaRPr lang="en-US"/>
+            <a:pPr marL="0" marR="0" lvl="0" indent="0" algn="ctr" defTabSz="914400" rtl="0" eaLnBrk="1" fontAlgn="auto" latinLnBrk="0" hangingPunct="1">
+              <a:lnSpc>
+                <a:spcPct val="100000"/>
+              </a:lnSpc>
+              <a:spcBef>
+                <a:spcPts val="0"/>
+              </a:spcBef>
+              <a:spcAft>
+                <a:spcPts val="0"/>
+              </a:spcAft>
+              <a:buClrTx/>
+              <a:buSzTx/>
+              <a:buFontTx/>
+              <a:buNone/>
+              <a:tabLst/>
+              <a:defRPr/>
+            </a:pPr>
+            <a:endParaRPr kumimoji="0" lang="en-US" sz="1800" b="0" i="0" u="none" strike="noStrike" kern="1200" cap="none" spc="0" normalizeH="0" baseline="0" noProof="0">
+              <a:ln>
+                <a:noFill/>
+              </a:ln>
+              <a:solidFill>
+                <a:prstClr val="white"/>
+              </a:solidFill>
+              <a:effectLst/>
+              <a:uLnTx/>
+              <a:uFillTx/>
+              <a:latin typeface="Calibri" panose="020F0502020204030204"/>
+              <a:ea typeface="+mn-ea"/>
+              <a:cs typeface="+mn-cs"/>
+            </a:endParaRPr>
           </a:p>
         </p:txBody>
       </p:sp>
@@ -12312,8 +13581,8 @@
         </p:nvSpPr>
         <p:spPr>
           <a:xfrm>
-            <a:off x="8107836" y="0"/>
-            <a:ext cx="73152" cy="6858000"/>
+            <a:off x="7730306" y="643467"/>
+            <a:ext cx="59425" cy="5571065"/>
           </a:xfrm>
           <a:prstGeom prst="rect">
             <a:avLst/>
@@ -12348,8 +13617,37 @@
           <a:bodyPr rtlCol="0" anchor="ctr"/>
           <a:lstStyle/>
           <a:p>
-            <a:pPr algn="ctr"/>
-            <a:endParaRPr lang="en-US"/>
+            <a:pPr marL="0" marR="0" lvl="0" indent="0" algn="ctr" defTabSz="914400" rtl="0" eaLnBrk="1" fontAlgn="auto" latinLnBrk="0" hangingPunct="1">
+              <a:lnSpc>
+                <a:spcPct val="100000"/>
+              </a:lnSpc>
+              <a:spcBef>
+                <a:spcPts val="0"/>
+              </a:spcBef>
+              <a:spcAft>
+                <a:spcPts val="0"/>
+              </a:spcAft>
+              <a:buClrTx/>
+              <a:buSzTx/>
+              <a:buFontTx/>
+              <a:buNone/>
+              <a:tabLst/>
+              <a:defRPr/>
+            </a:pPr>
+            <a:endParaRPr kumimoji="0" lang="en-US" sz="1800" b="0" i="0" u="none" strike="noStrike" kern="1200" cap="none" spc="0" normalizeH="0" baseline="0" noProof="0">
+              <a:ln>
+                <a:noFill/>
+              </a:ln>
+              <a:solidFill>
+                <a:prstClr val="white"/>
+              </a:solidFill>
+              <a:effectLst/>
+              <a:uLnTx/>
+              <a:uFillTx/>
+              <a:latin typeface="Calibri" panose="020F0502020204030204"/>
+              <a:ea typeface="+mn-ea"/>
+              <a:cs typeface="+mn-cs"/>
+            </a:endParaRPr>
           </a:p>
         </p:txBody>
       </p:sp>
@@ -12378,8 +13676,8 @@
         </p:nvSpPr>
         <p:spPr>
           <a:xfrm rot="5400000">
-            <a:off x="6059424" y="-2665476"/>
-            <a:ext cx="73152" cy="12188952"/>
+            <a:off x="6066288" y="-1521821"/>
+            <a:ext cx="59425" cy="9901640"/>
           </a:xfrm>
           <a:prstGeom prst="rect">
             <a:avLst/>
@@ -12414,8 +13712,37 @@
           <a:bodyPr rtlCol="0" anchor="ctr"/>
           <a:lstStyle/>
           <a:p>
-            <a:pPr algn="ctr"/>
-            <a:endParaRPr lang="en-US"/>
+            <a:pPr marL="0" marR="0" lvl="0" indent="0" algn="ctr" defTabSz="914400" rtl="0" eaLnBrk="1" fontAlgn="auto" latinLnBrk="0" hangingPunct="1">
+              <a:lnSpc>
+                <a:spcPct val="100000"/>
+              </a:lnSpc>
+              <a:spcBef>
+                <a:spcPts val="0"/>
+              </a:spcBef>
+              <a:spcAft>
+                <a:spcPts val="0"/>
+              </a:spcAft>
+              <a:buClrTx/>
+              <a:buSzTx/>
+              <a:buFontTx/>
+              <a:buNone/>
+              <a:tabLst/>
+              <a:defRPr/>
+            </a:pPr>
+            <a:endParaRPr kumimoji="0" lang="en-US" sz="1800" b="0" i="0" u="none" strike="noStrike" kern="1200" cap="none" spc="0" normalizeH="0" baseline="0" noProof="0">
+              <a:ln>
+                <a:noFill/>
+              </a:ln>
+              <a:solidFill>
+                <a:prstClr val="white"/>
+              </a:solidFill>
+              <a:effectLst/>
+              <a:uLnTx/>
+              <a:uFillTx/>
+              <a:latin typeface="Calibri" panose="020F0502020204030204"/>
+              <a:ea typeface="+mn-ea"/>
+              <a:cs typeface="+mn-cs"/>
+            </a:endParaRPr>
           </a:p>
         </p:txBody>
       </p:sp>
@@ -12447,8 +13774,8 @@
         </p:blipFill>
         <p:spPr bwMode="auto">
           <a:xfrm>
-            <a:off x="4726920" y="61310"/>
-            <a:ext cx="2752344" cy="2752344"/>
+            <a:off x="4992879" y="903450"/>
+            <a:ext cx="2235854" cy="2235854"/>
           </a:xfrm>
           <a:prstGeom prst="rect">
             <a:avLst/>
@@ -12494,8 +13821,8 @@
         </p:blipFill>
         <p:spPr bwMode="auto">
           <a:xfrm>
-            <a:off x="630096" y="61310"/>
-            <a:ext cx="2752344" cy="2752344"/>
+            <a:off x="1655798" y="903450"/>
+            <a:ext cx="2235854" cy="2235854"/>
           </a:xfrm>
           <a:prstGeom prst="rect">
             <a:avLst/>
@@ -12541,8 +13868,8 @@
         </p:blipFill>
         <p:spPr bwMode="auto">
           <a:xfrm>
-            <a:off x="8809560" y="61310"/>
-            <a:ext cx="2752344" cy="2752344"/>
+            <a:off x="8300348" y="903450"/>
+            <a:ext cx="2235854" cy="2235854"/>
           </a:xfrm>
           <a:prstGeom prst="rect">
             <a:avLst/>
@@ -12588,8 +13915,8 @@
         </p:blipFill>
         <p:spPr bwMode="auto">
           <a:xfrm>
-            <a:off x="472347" y="3523452"/>
-            <a:ext cx="2745168" cy="2752345"/>
+            <a:off x="1655798" y="3718695"/>
+            <a:ext cx="2230025" cy="2235855"/>
           </a:xfrm>
           <a:prstGeom prst="rect">
             <a:avLst/>
@@ -12633,8 +13960,8 @@
         </p:blipFill>
         <p:spPr bwMode="auto">
           <a:xfrm>
-            <a:off x="4726920" y="3523452"/>
-            <a:ext cx="2752344" cy="2752344"/>
+            <a:off x="4973551" y="3718695"/>
+            <a:ext cx="2235854" cy="2235854"/>
           </a:xfrm>
           <a:prstGeom prst="rect">
             <a:avLst/>
@@ -12653,20 +13980,20 @@
       </p:pic>
       <p:pic>
         <p:nvPicPr>
-          <p:cNvPr id="49" name="Picture 2">
+          <p:cNvPr id="3" name="Imagem 2">
             <a:extLst>
               <a:ext uri="{FF2B5EF4-FFF2-40B4-BE49-F238E27FC236}">
-                <a16:creationId xmlns:a16="http://schemas.microsoft.com/office/drawing/2014/main" id="{5DF297DA-3139-4762-93F0-24A8DCF786F9}"/>
+                <a16:creationId xmlns:a16="http://schemas.microsoft.com/office/drawing/2014/main" id="{2EC21BC8-BF24-4D7C-82E2-757B80402019}"/>
               </a:ext>
             </a:extLst>
           </p:cNvPr>
           <p:cNvPicPr>
-            <a:picLocks noChangeAspect="1" noChangeArrowheads="1"/>
+            <a:picLocks noChangeAspect="1"/>
           </p:cNvPicPr>
           <p:nvPr/>
         </p:nvPicPr>
         <p:blipFill>
-          <a:blip r:embed="rId2">
+          <a:blip r:embed="rId7">
             <a:extLst>
               <a:ext uri="{28A0092B-C50C-407E-A947-70E740481C1C}">
                 <a14:useLocalDpi xmlns:a14="http://schemas.microsoft.com/office/drawing/2010/main" val="0"/>
@@ -12677,386 +14004,145 @@
             <a:fillRect/>
           </a:stretch>
         </p:blipFill>
-        <p:spPr bwMode="auto">
-          <a:xfrm>
-            <a:off x="8809560" y="3523452"/>
-            <a:ext cx="2752344" cy="2752344"/>
-          </a:xfrm>
-          <a:prstGeom prst="rect">
-            <a:avLst/>
-          </a:prstGeom>
-          <a:noFill/>
-          <a:extLst>
-            <a:ext uri="{909E8E84-426E-40DD-AFC4-6F175D3DCCD1}">
-              <a14:hiddenFill xmlns:a14="http://schemas.microsoft.com/office/drawing/2010/main">
-                <a:solidFill>
-                  <a:srgbClr val="FFFFFF"/>
-                </a:solidFill>
-              </a14:hiddenFill>
-            </a:ext>
-          </a:extLst>
-        </p:spPr>
-      </p:pic>
-      <p:sp>
-        <p:nvSpPr>
-          <p:cNvPr id="50" name="CaixaDeTexto 49">
-            <a:extLst>
-              <a:ext uri="{FF2B5EF4-FFF2-40B4-BE49-F238E27FC236}">
-                <a16:creationId xmlns:a16="http://schemas.microsoft.com/office/drawing/2014/main" id="{9A54524E-2244-4C5E-A19F-E448B83FEDDC}"/>
-              </a:ext>
-            </a:extLst>
-          </p:cNvPr>
-          <p:cNvSpPr txBox="1"/>
-          <p:nvPr/>
-        </p:nvSpPr>
         <p:spPr>
           <a:xfrm>
-            <a:off x="4725395" y="6275796"/>
-            <a:ext cx="2990752" cy="396627"/>
+            <a:off x="8300348" y="3721073"/>
+            <a:ext cx="2235854" cy="2235854"/>
           </a:xfrm>
           <a:prstGeom prst="rect">
             <a:avLst/>
           </a:prstGeom>
         </p:spPr>
-        <p:txBody>
-          <a:bodyPr vert="horz" lIns="91440" tIns="45720" rIns="91440" bIns="45720" rtlCol="0">
-            <a:normAutofit lnSpcReduction="10000"/>
-          </a:bodyPr>
-          <a:lstStyle/>
-          <a:p>
-            <a:pPr>
-              <a:lnSpc>
-                <a:spcPct val="90000"/>
-              </a:lnSpc>
-              <a:spcAft>
-                <a:spcPts val="600"/>
-              </a:spcAft>
-            </a:pPr>
-            <a:r>
-              <a:rPr lang="en-US" sz="2400" dirty="0">
-                <a:solidFill>
-                  <a:srgbClr val="3F3F3F"/>
-                </a:solidFill>
-              </a:rPr>
-              <a:t>Nome:</a:t>
-            </a:r>
-            <a:r>
-              <a:rPr lang="en-US" sz="2400" dirty="0">
-                <a:solidFill>
-                  <a:srgbClr val="3F3F3F"/>
-                </a:solidFill>
-                <a:effectLst/>
-              </a:rPr>
-              <a:t> </a:t>
-            </a:r>
-            <a:endParaRPr lang="en-US" sz="2400" dirty="0">
-              <a:solidFill>
-                <a:srgbClr val="3F3F3F"/>
-              </a:solidFill>
-            </a:endParaRPr>
-          </a:p>
-        </p:txBody>
-      </p:sp>
-      <p:sp>
-        <p:nvSpPr>
-          <p:cNvPr id="51" name="CaixaDeTexto 50">
+      </p:pic>
+      <p:cxnSp>
+        <p:nvCxnSpPr>
+          <p:cNvPr id="5" name="Conector reto 4">
             <a:extLst>
               <a:ext uri="{FF2B5EF4-FFF2-40B4-BE49-F238E27FC236}">
-                <a16:creationId xmlns:a16="http://schemas.microsoft.com/office/drawing/2014/main" id="{DF2FA11B-6B5F-427F-A3CE-A52147CBA109}"/>
+                <a16:creationId xmlns:a16="http://schemas.microsoft.com/office/drawing/2014/main" id="{0536DDCE-9D76-0397-EAEE-2340C6D67170}"/>
               </a:ext>
             </a:extLst>
           </p:cNvPr>
-          <p:cNvSpPr txBox="1"/>
+          <p:cNvCxnSpPr>
+            <a:cxnSpLocks/>
+          </p:cNvCxnSpPr>
           <p:nvPr/>
-        </p:nvSpPr>
+        </p:nvCxnSpPr>
         <p:spPr>
-          <a:xfrm>
-            <a:off x="349555" y="6293158"/>
-            <a:ext cx="2990752" cy="396627"/>
+          <a:xfrm flipH="1">
+            <a:off x="4402269" y="643467"/>
+            <a:ext cx="41974" cy="5571065"/>
           </a:xfrm>
-          <a:prstGeom prst="rect">
+          <a:prstGeom prst="line">
             <a:avLst/>
           </a:prstGeom>
+          <a:ln w="19050">
+            <a:solidFill>
+              <a:schemeClr val="bg1"/>
+            </a:solidFill>
+          </a:ln>
         </p:spPr>
-        <p:txBody>
-          <a:bodyPr vert="horz" lIns="91440" tIns="45720" rIns="91440" bIns="45720" rtlCol="0">
-            <a:normAutofit lnSpcReduction="10000"/>
-          </a:bodyPr>
-          <a:lstStyle/>
-          <a:p>
-            <a:pPr>
-              <a:lnSpc>
-                <a:spcPct val="90000"/>
-              </a:lnSpc>
-              <a:spcAft>
-                <a:spcPts val="600"/>
-              </a:spcAft>
-            </a:pPr>
-            <a:r>
-              <a:rPr lang="en-US" sz="2400" dirty="0">
-                <a:solidFill>
-                  <a:srgbClr val="3F3F3F"/>
-                </a:solidFill>
-              </a:rPr>
-              <a:t>Nome:</a:t>
-            </a:r>
-            <a:r>
-              <a:rPr lang="en-US" sz="2400" dirty="0">
-                <a:solidFill>
-                  <a:srgbClr val="3F3F3F"/>
-                </a:solidFill>
-                <a:effectLst/>
-              </a:rPr>
-              <a:t> </a:t>
-            </a:r>
-            <a:endParaRPr lang="en-US" sz="2400" dirty="0">
-              <a:solidFill>
-                <a:srgbClr val="3F3F3F"/>
-              </a:solidFill>
-            </a:endParaRPr>
-          </a:p>
-        </p:txBody>
-      </p:sp>
-      <p:sp>
-        <p:nvSpPr>
-          <p:cNvPr id="52" name="CaixaDeTexto 51">
+        <p:style>
+          <a:lnRef idx="1">
+            <a:schemeClr val="accent1"/>
+          </a:lnRef>
+          <a:fillRef idx="0">
+            <a:schemeClr val="accent1"/>
+          </a:fillRef>
+          <a:effectRef idx="0">
+            <a:schemeClr val="accent1"/>
+          </a:effectRef>
+          <a:fontRef idx="minor">
+            <a:schemeClr val="tx1"/>
+          </a:fontRef>
+        </p:style>
+      </p:cxnSp>
+      <p:cxnSp>
+        <p:nvCxnSpPr>
+          <p:cNvPr id="7" name="Conector reto 6">
             <a:extLst>
               <a:ext uri="{FF2B5EF4-FFF2-40B4-BE49-F238E27FC236}">
-                <a16:creationId xmlns:a16="http://schemas.microsoft.com/office/drawing/2014/main" id="{05C1B74C-FEC3-4BCC-9713-2001B94DAE0E}"/>
+                <a16:creationId xmlns:a16="http://schemas.microsoft.com/office/drawing/2014/main" id="{62319014-D564-DA9B-70DC-D088876C6081}"/>
               </a:ext>
             </a:extLst>
           </p:cNvPr>
-          <p:cNvSpPr txBox="1"/>
+          <p:cNvCxnSpPr>
+            <a:cxnSpLocks/>
+          </p:cNvCxnSpPr>
           <p:nvPr/>
-        </p:nvSpPr>
+        </p:nvCxnSpPr>
         <p:spPr>
-          <a:xfrm>
-            <a:off x="517222" y="2759322"/>
-            <a:ext cx="2990752" cy="396627"/>
+          <a:xfrm flipH="1" flipV="1">
+            <a:off x="1311564" y="3401665"/>
+            <a:ext cx="9561771" cy="37114"/>
           </a:xfrm>
-          <a:prstGeom prst="rect">
+          <a:prstGeom prst="line">
             <a:avLst/>
           </a:prstGeom>
+          <a:ln w="19050">
+            <a:solidFill>
+              <a:schemeClr val="bg1"/>
+            </a:solidFill>
+          </a:ln>
         </p:spPr>
-        <p:txBody>
-          <a:bodyPr vert="horz" lIns="91440" tIns="45720" rIns="91440" bIns="45720" rtlCol="0">
-            <a:normAutofit lnSpcReduction="10000"/>
-          </a:bodyPr>
-          <a:lstStyle/>
-          <a:p>
-            <a:pPr>
-              <a:lnSpc>
-                <a:spcPct val="90000"/>
-              </a:lnSpc>
-              <a:spcAft>
-                <a:spcPts val="600"/>
-              </a:spcAft>
-            </a:pPr>
-            <a:r>
-              <a:rPr lang="en-US" sz="2400" dirty="0">
-                <a:solidFill>
-                  <a:srgbClr val="3F3F3F"/>
-                </a:solidFill>
-              </a:rPr>
-              <a:t>Nome:</a:t>
-            </a:r>
-            <a:r>
-              <a:rPr lang="en-US" sz="2400" dirty="0">
-                <a:solidFill>
-                  <a:srgbClr val="3F3F3F"/>
-                </a:solidFill>
-                <a:effectLst/>
-              </a:rPr>
-              <a:t> </a:t>
-            </a:r>
-            <a:endParaRPr lang="en-US" sz="2400" dirty="0">
-              <a:solidFill>
-                <a:srgbClr val="3F3F3F"/>
-              </a:solidFill>
-            </a:endParaRPr>
-          </a:p>
-        </p:txBody>
-      </p:sp>
-      <p:sp>
-        <p:nvSpPr>
-          <p:cNvPr id="53" name="CaixaDeTexto 52">
+        <p:style>
+          <a:lnRef idx="1">
+            <a:schemeClr val="accent1"/>
+          </a:lnRef>
+          <a:fillRef idx="0">
+            <a:schemeClr val="accent1"/>
+          </a:fillRef>
+          <a:effectRef idx="0">
+            <a:schemeClr val="accent1"/>
+          </a:effectRef>
+          <a:fontRef idx="minor">
+            <a:schemeClr val="tx1"/>
+          </a:fontRef>
+        </p:style>
+      </p:cxnSp>
+      <p:cxnSp>
+        <p:nvCxnSpPr>
+          <p:cNvPr id="35" name="Conector reto 34">
             <a:extLst>
               <a:ext uri="{FF2B5EF4-FFF2-40B4-BE49-F238E27FC236}">
-                <a16:creationId xmlns:a16="http://schemas.microsoft.com/office/drawing/2014/main" id="{A58B0C43-C1C9-44F3-A56C-4DF9D25E58FB}"/>
+                <a16:creationId xmlns:a16="http://schemas.microsoft.com/office/drawing/2014/main" id="{33600856-65D9-46FA-89F2-20BD7618899E}"/>
               </a:ext>
             </a:extLst>
           </p:cNvPr>
-          <p:cNvSpPr txBox="1"/>
+          <p:cNvCxnSpPr>
+            <a:cxnSpLocks/>
+          </p:cNvCxnSpPr>
           <p:nvPr/>
-        </p:nvSpPr>
+        </p:nvCxnSpPr>
         <p:spPr>
-          <a:xfrm>
-            <a:off x="4607716" y="2797483"/>
-            <a:ext cx="2990752" cy="396627"/>
+          <a:xfrm flipH="1">
+            <a:off x="7711722" y="643467"/>
+            <a:ext cx="41974" cy="5571065"/>
           </a:xfrm>
-          <a:prstGeom prst="rect">
+          <a:prstGeom prst="line">
             <a:avLst/>
           </a:prstGeom>
+          <a:ln w="19050">
+            <a:solidFill>
+              <a:schemeClr val="bg1"/>
+            </a:solidFill>
+          </a:ln>
         </p:spPr>
-        <p:txBody>
-          <a:bodyPr vert="horz" lIns="91440" tIns="45720" rIns="91440" bIns="45720" rtlCol="0">
-            <a:normAutofit lnSpcReduction="10000"/>
-          </a:bodyPr>
-          <a:lstStyle/>
-          <a:p>
-            <a:pPr>
-              <a:lnSpc>
-                <a:spcPct val="90000"/>
-              </a:lnSpc>
-              <a:spcAft>
-                <a:spcPts val="600"/>
-              </a:spcAft>
-            </a:pPr>
-            <a:r>
-              <a:rPr lang="en-US" sz="2400" dirty="0">
-                <a:solidFill>
-                  <a:srgbClr val="3F3F3F"/>
-                </a:solidFill>
-              </a:rPr>
-              <a:t>Nome:</a:t>
-            </a:r>
-            <a:r>
-              <a:rPr lang="en-US" sz="2400" dirty="0">
-                <a:solidFill>
-                  <a:srgbClr val="3F3F3F"/>
-                </a:solidFill>
-                <a:effectLst/>
-              </a:rPr>
-              <a:t> </a:t>
-            </a:r>
-            <a:endParaRPr lang="en-US" sz="2400" dirty="0">
-              <a:solidFill>
-                <a:srgbClr val="3F3F3F"/>
-              </a:solidFill>
-            </a:endParaRPr>
-          </a:p>
-        </p:txBody>
-      </p:sp>
-      <p:sp>
-        <p:nvSpPr>
-          <p:cNvPr id="54" name="CaixaDeTexto 53">
-            <a:extLst>
-              <a:ext uri="{FF2B5EF4-FFF2-40B4-BE49-F238E27FC236}">
-                <a16:creationId xmlns:a16="http://schemas.microsoft.com/office/drawing/2014/main" id="{C9280686-A0F0-4695-963A-AEF4AF740771}"/>
-              </a:ext>
-            </a:extLst>
-          </p:cNvPr>
-          <p:cNvSpPr txBox="1"/>
-          <p:nvPr/>
-        </p:nvSpPr>
-        <p:spPr>
-          <a:xfrm>
-            <a:off x="8809560" y="2851815"/>
-            <a:ext cx="2990752" cy="396627"/>
-          </a:xfrm>
-          <a:prstGeom prst="rect">
-            <a:avLst/>
-          </a:prstGeom>
-        </p:spPr>
-        <p:txBody>
-          <a:bodyPr vert="horz" lIns="91440" tIns="45720" rIns="91440" bIns="45720" rtlCol="0">
-            <a:normAutofit lnSpcReduction="10000"/>
-          </a:bodyPr>
-          <a:lstStyle/>
-          <a:p>
-            <a:pPr>
-              <a:lnSpc>
-                <a:spcPct val="90000"/>
-              </a:lnSpc>
-              <a:spcAft>
-                <a:spcPts val="600"/>
-              </a:spcAft>
-            </a:pPr>
-            <a:r>
-              <a:rPr lang="en-US" sz="2400" dirty="0">
-                <a:solidFill>
-                  <a:srgbClr val="3F3F3F"/>
-                </a:solidFill>
-              </a:rPr>
-              <a:t>Nome:</a:t>
-            </a:r>
-            <a:r>
-              <a:rPr lang="en-US" sz="2400" dirty="0">
-                <a:solidFill>
-                  <a:srgbClr val="3F3F3F"/>
-                </a:solidFill>
-                <a:effectLst/>
-              </a:rPr>
-              <a:t> </a:t>
-            </a:r>
-            <a:endParaRPr lang="en-US" sz="2400" dirty="0">
-              <a:solidFill>
-                <a:srgbClr val="3F3F3F"/>
-              </a:solidFill>
-            </a:endParaRPr>
-          </a:p>
-        </p:txBody>
-      </p:sp>
-      <p:sp>
-        <p:nvSpPr>
-          <p:cNvPr id="55" name="CaixaDeTexto 54">
-            <a:extLst>
-              <a:ext uri="{FF2B5EF4-FFF2-40B4-BE49-F238E27FC236}">
-                <a16:creationId xmlns:a16="http://schemas.microsoft.com/office/drawing/2014/main" id="{DE200FCA-6F35-4BF3-8B4F-4FD668E74875}"/>
-              </a:ext>
-            </a:extLst>
-          </p:cNvPr>
-          <p:cNvSpPr txBox="1"/>
-          <p:nvPr/>
-        </p:nvSpPr>
-        <p:spPr>
-          <a:xfrm>
-            <a:off x="8679817" y="6273176"/>
-            <a:ext cx="2990752" cy="396627"/>
-          </a:xfrm>
-          <a:prstGeom prst="rect">
-            <a:avLst/>
-          </a:prstGeom>
-        </p:spPr>
-        <p:txBody>
-          <a:bodyPr vert="horz" lIns="91440" tIns="45720" rIns="91440" bIns="45720" rtlCol="0">
-            <a:normAutofit lnSpcReduction="10000"/>
-          </a:bodyPr>
-          <a:lstStyle/>
-          <a:p>
-            <a:pPr>
-              <a:lnSpc>
-                <a:spcPct val="90000"/>
-              </a:lnSpc>
-              <a:spcAft>
-                <a:spcPts val="600"/>
-              </a:spcAft>
-            </a:pPr>
-            <a:r>
-              <a:rPr lang="en-US" sz="2400" dirty="0">
-                <a:solidFill>
-                  <a:srgbClr val="3F3F3F"/>
-                </a:solidFill>
-              </a:rPr>
-              <a:t>Nome:</a:t>
-            </a:r>
-            <a:r>
-              <a:rPr lang="en-US" sz="2400" dirty="0">
-                <a:solidFill>
-                  <a:srgbClr val="3F3F3F"/>
-                </a:solidFill>
-                <a:effectLst/>
-              </a:rPr>
-              <a:t> </a:t>
-            </a:r>
-            <a:endParaRPr lang="en-US" sz="2400" dirty="0">
-              <a:solidFill>
-                <a:srgbClr val="3F3F3F"/>
-              </a:solidFill>
-            </a:endParaRPr>
-          </a:p>
-        </p:txBody>
-      </p:sp>
+        <p:style>
+          <a:lnRef idx="1">
+            <a:schemeClr val="accent1"/>
+          </a:lnRef>
+          <a:fillRef idx="0">
+            <a:schemeClr val="accent1"/>
+          </a:fillRef>
+          <a:effectRef idx="0">
+            <a:schemeClr val="accent1"/>
+          </a:effectRef>
+          <a:fontRef idx="minor">
+            <a:schemeClr val="tx1"/>
+          </a:fontRef>
+        </p:style>
+      </p:cxnSp>
     </p:spTree>
     <p:extLst>
       <p:ext uri="{BB962C8B-B14F-4D97-AF65-F5344CB8AC3E}">
@@ -13067,6 +14153,681 @@
   <p:clrMapOvr>
     <a:masterClrMapping/>
   </p:clrMapOvr>
+  <p:timing>
+    <p:tnLst>
+      <p:par>
+        <p:cTn id="1" dur="indefinite" restart="never" nodeType="tmRoot">
+          <p:childTnLst>
+            <p:seq concurrent="1" nextAc="seek">
+              <p:cTn id="2" dur="indefinite" nodeType="mainSeq">
+                <p:childTnLst>
+                  <p:par>
+                    <p:cTn id="3" fill="hold">
+                      <p:stCondLst>
+                        <p:cond delay="indefinite"/>
+                        <p:cond evt="onBegin" delay="0">
+                          <p:tn val="2"/>
+                        </p:cond>
+                      </p:stCondLst>
+                      <p:childTnLst>
+                        <p:par>
+                          <p:cTn id="4" fill="hold">
+                            <p:stCondLst>
+                              <p:cond delay="0"/>
+                            </p:stCondLst>
+                            <p:childTnLst>
+                              <p:par>
+                                <p:cTn id="5" presetID="31" presetClass="entr" presetSubtype="0" fill="hold" nodeType="withEffect">
+                                  <p:stCondLst>
+                                    <p:cond delay="0"/>
+                                  </p:stCondLst>
+                                  <p:childTnLst>
+                                    <p:set>
+                                      <p:cBhvr>
+                                        <p:cTn id="6" dur="1" fill="hold">
+                                          <p:stCondLst>
+                                            <p:cond delay="0"/>
+                                          </p:stCondLst>
+                                        </p:cTn>
+                                        <p:tgtEl>
+                                          <p:spTgt spid="17"/>
+                                        </p:tgtEl>
+                                        <p:attrNameLst>
+                                          <p:attrName>style.visibility</p:attrName>
+                                        </p:attrNameLst>
+                                      </p:cBhvr>
+                                      <p:to>
+                                        <p:strVal val="visible"/>
+                                      </p:to>
+                                    </p:set>
+                                    <p:anim calcmode="lin" valueType="num">
+                                      <p:cBhvr>
+                                        <p:cTn id="7" dur="1000" fill="hold"/>
+                                        <p:tgtEl>
+                                          <p:spTgt spid="17"/>
+                                        </p:tgtEl>
+                                        <p:attrNameLst>
+                                          <p:attrName>ppt_w</p:attrName>
+                                        </p:attrNameLst>
+                                      </p:cBhvr>
+                                      <p:tavLst>
+                                        <p:tav tm="0">
+                                          <p:val>
+                                            <p:fltVal val="0"/>
+                                          </p:val>
+                                        </p:tav>
+                                        <p:tav tm="100000">
+                                          <p:val>
+                                            <p:strVal val="#ppt_w"/>
+                                          </p:val>
+                                        </p:tav>
+                                      </p:tavLst>
+                                    </p:anim>
+                                    <p:anim calcmode="lin" valueType="num">
+                                      <p:cBhvr>
+                                        <p:cTn id="8" dur="1000" fill="hold"/>
+                                        <p:tgtEl>
+                                          <p:spTgt spid="17"/>
+                                        </p:tgtEl>
+                                        <p:attrNameLst>
+                                          <p:attrName>ppt_h</p:attrName>
+                                        </p:attrNameLst>
+                                      </p:cBhvr>
+                                      <p:tavLst>
+                                        <p:tav tm="0">
+                                          <p:val>
+                                            <p:fltVal val="0"/>
+                                          </p:val>
+                                        </p:tav>
+                                        <p:tav tm="100000">
+                                          <p:val>
+                                            <p:strVal val="#ppt_h"/>
+                                          </p:val>
+                                        </p:tav>
+                                      </p:tavLst>
+                                    </p:anim>
+                                    <p:anim calcmode="lin" valueType="num">
+                                      <p:cBhvr>
+                                        <p:cTn id="9" dur="1000" fill="hold"/>
+                                        <p:tgtEl>
+                                          <p:spTgt spid="17"/>
+                                        </p:tgtEl>
+                                        <p:attrNameLst>
+                                          <p:attrName>style.rotation</p:attrName>
+                                        </p:attrNameLst>
+                                      </p:cBhvr>
+                                      <p:tavLst>
+                                        <p:tav tm="0">
+                                          <p:val>
+                                            <p:fltVal val="90"/>
+                                          </p:val>
+                                        </p:tav>
+                                        <p:tav tm="100000">
+                                          <p:val>
+                                            <p:fltVal val="0"/>
+                                          </p:val>
+                                        </p:tav>
+                                      </p:tavLst>
+                                    </p:anim>
+                                    <p:animEffect transition="in" filter="fade">
+                                      <p:cBhvr>
+                                        <p:cTn id="10" dur="1000"/>
+                                        <p:tgtEl>
+                                          <p:spTgt spid="17"/>
+                                        </p:tgtEl>
+                                      </p:cBhvr>
+                                    </p:animEffect>
+                                  </p:childTnLst>
+                                </p:cTn>
+                              </p:par>
+                              <p:par>
+                                <p:cTn id="11" presetID="31" presetClass="entr" presetSubtype="0" fill="hold" nodeType="withEffect">
+                                  <p:stCondLst>
+                                    <p:cond delay="0"/>
+                                  </p:stCondLst>
+                                  <p:childTnLst>
+                                    <p:set>
+                                      <p:cBhvr>
+                                        <p:cTn id="12" dur="1" fill="hold">
+                                          <p:stCondLst>
+                                            <p:cond delay="0"/>
+                                          </p:stCondLst>
+                                        </p:cTn>
+                                        <p:tgtEl>
+                                          <p:spTgt spid="13"/>
+                                        </p:tgtEl>
+                                        <p:attrNameLst>
+                                          <p:attrName>style.visibility</p:attrName>
+                                        </p:attrNameLst>
+                                      </p:cBhvr>
+                                      <p:to>
+                                        <p:strVal val="visible"/>
+                                      </p:to>
+                                    </p:set>
+                                    <p:anim calcmode="lin" valueType="num">
+                                      <p:cBhvr>
+                                        <p:cTn id="13" dur="1000" fill="hold"/>
+                                        <p:tgtEl>
+                                          <p:spTgt spid="13"/>
+                                        </p:tgtEl>
+                                        <p:attrNameLst>
+                                          <p:attrName>ppt_w</p:attrName>
+                                        </p:attrNameLst>
+                                      </p:cBhvr>
+                                      <p:tavLst>
+                                        <p:tav tm="0">
+                                          <p:val>
+                                            <p:fltVal val="0"/>
+                                          </p:val>
+                                        </p:tav>
+                                        <p:tav tm="100000">
+                                          <p:val>
+                                            <p:strVal val="#ppt_w"/>
+                                          </p:val>
+                                        </p:tav>
+                                      </p:tavLst>
+                                    </p:anim>
+                                    <p:anim calcmode="lin" valueType="num">
+                                      <p:cBhvr>
+                                        <p:cTn id="14" dur="1000" fill="hold"/>
+                                        <p:tgtEl>
+                                          <p:spTgt spid="13"/>
+                                        </p:tgtEl>
+                                        <p:attrNameLst>
+                                          <p:attrName>ppt_h</p:attrName>
+                                        </p:attrNameLst>
+                                      </p:cBhvr>
+                                      <p:tavLst>
+                                        <p:tav tm="0">
+                                          <p:val>
+                                            <p:fltVal val="0"/>
+                                          </p:val>
+                                        </p:tav>
+                                        <p:tav tm="100000">
+                                          <p:val>
+                                            <p:strVal val="#ppt_h"/>
+                                          </p:val>
+                                        </p:tav>
+                                      </p:tavLst>
+                                    </p:anim>
+                                    <p:anim calcmode="lin" valueType="num">
+                                      <p:cBhvr>
+                                        <p:cTn id="15" dur="1000" fill="hold"/>
+                                        <p:tgtEl>
+                                          <p:spTgt spid="13"/>
+                                        </p:tgtEl>
+                                        <p:attrNameLst>
+                                          <p:attrName>style.rotation</p:attrName>
+                                        </p:attrNameLst>
+                                      </p:cBhvr>
+                                      <p:tavLst>
+                                        <p:tav tm="0">
+                                          <p:val>
+                                            <p:fltVal val="90"/>
+                                          </p:val>
+                                        </p:tav>
+                                        <p:tav tm="100000">
+                                          <p:val>
+                                            <p:fltVal val="0"/>
+                                          </p:val>
+                                        </p:tav>
+                                      </p:tavLst>
+                                    </p:anim>
+                                    <p:animEffect transition="in" filter="fade">
+                                      <p:cBhvr>
+                                        <p:cTn id="16" dur="1000"/>
+                                        <p:tgtEl>
+                                          <p:spTgt spid="13"/>
+                                        </p:tgtEl>
+                                      </p:cBhvr>
+                                    </p:animEffect>
+                                  </p:childTnLst>
+                                </p:cTn>
+                              </p:par>
+                              <p:par>
+                                <p:cTn id="17" presetID="31" presetClass="entr" presetSubtype="0" fill="hold" nodeType="withEffect">
+                                  <p:stCondLst>
+                                    <p:cond delay="0"/>
+                                  </p:stCondLst>
+                                  <p:childTnLst>
+                                    <p:set>
+                                      <p:cBhvr>
+                                        <p:cTn id="18" dur="1" fill="hold">
+                                          <p:stCondLst>
+                                            <p:cond delay="0"/>
+                                          </p:stCondLst>
+                                        </p:cTn>
+                                        <p:tgtEl>
+                                          <p:spTgt spid="4104"/>
+                                        </p:tgtEl>
+                                        <p:attrNameLst>
+                                          <p:attrName>style.visibility</p:attrName>
+                                        </p:attrNameLst>
+                                      </p:cBhvr>
+                                      <p:to>
+                                        <p:strVal val="visible"/>
+                                      </p:to>
+                                    </p:set>
+                                    <p:anim calcmode="lin" valueType="num">
+                                      <p:cBhvr>
+                                        <p:cTn id="19" dur="1000" fill="hold"/>
+                                        <p:tgtEl>
+                                          <p:spTgt spid="4104"/>
+                                        </p:tgtEl>
+                                        <p:attrNameLst>
+                                          <p:attrName>ppt_w</p:attrName>
+                                        </p:attrNameLst>
+                                      </p:cBhvr>
+                                      <p:tavLst>
+                                        <p:tav tm="0">
+                                          <p:val>
+                                            <p:fltVal val="0"/>
+                                          </p:val>
+                                        </p:tav>
+                                        <p:tav tm="100000">
+                                          <p:val>
+                                            <p:strVal val="#ppt_w"/>
+                                          </p:val>
+                                        </p:tav>
+                                      </p:tavLst>
+                                    </p:anim>
+                                    <p:anim calcmode="lin" valueType="num">
+                                      <p:cBhvr>
+                                        <p:cTn id="20" dur="1000" fill="hold"/>
+                                        <p:tgtEl>
+                                          <p:spTgt spid="4104"/>
+                                        </p:tgtEl>
+                                        <p:attrNameLst>
+                                          <p:attrName>ppt_h</p:attrName>
+                                        </p:attrNameLst>
+                                      </p:cBhvr>
+                                      <p:tavLst>
+                                        <p:tav tm="0">
+                                          <p:val>
+                                            <p:fltVal val="0"/>
+                                          </p:val>
+                                        </p:tav>
+                                        <p:tav tm="100000">
+                                          <p:val>
+                                            <p:strVal val="#ppt_h"/>
+                                          </p:val>
+                                        </p:tav>
+                                      </p:tavLst>
+                                    </p:anim>
+                                    <p:anim calcmode="lin" valueType="num">
+                                      <p:cBhvr>
+                                        <p:cTn id="21" dur="1000" fill="hold"/>
+                                        <p:tgtEl>
+                                          <p:spTgt spid="4104"/>
+                                        </p:tgtEl>
+                                        <p:attrNameLst>
+                                          <p:attrName>style.rotation</p:attrName>
+                                        </p:attrNameLst>
+                                      </p:cBhvr>
+                                      <p:tavLst>
+                                        <p:tav tm="0">
+                                          <p:val>
+                                            <p:fltVal val="90"/>
+                                          </p:val>
+                                        </p:tav>
+                                        <p:tav tm="100000">
+                                          <p:val>
+                                            <p:fltVal val="0"/>
+                                          </p:val>
+                                        </p:tav>
+                                      </p:tavLst>
+                                    </p:anim>
+                                    <p:animEffect transition="in" filter="fade">
+                                      <p:cBhvr>
+                                        <p:cTn id="22" dur="1000"/>
+                                        <p:tgtEl>
+                                          <p:spTgt spid="4104"/>
+                                        </p:tgtEl>
+                                      </p:cBhvr>
+                                    </p:animEffect>
+                                  </p:childTnLst>
+                                </p:cTn>
+                              </p:par>
+                              <p:par>
+                                <p:cTn id="23" presetID="31" presetClass="entr" presetSubtype="0" fill="hold" nodeType="withEffect">
+                                  <p:stCondLst>
+                                    <p:cond delay="0"/>
+                                  </p:stCondLst>
+                                  <p:childTnLst>
+                                    <p:set>
+                                      <p:cBhvr>
+                                        <p:cTn id="24" dur="1" fill="hold">
+                                          <p:stCondLst>
+                                            <p:cond delay="0"/>
+                                          </p:stCondLst>
+                                        </p:cTn>
+                                        <p:tgtEl>
+                                          <p:spTgt spid="48"/>
+                                        </p:tgtEl>
+                                        <p:attrNameLst>
+                                          <p:attrName>style.visibility</p:attrName>
+                                        </p:attrNameLst>
+                                      </p:cBhvr>
+                                      <p:to>
+                                        <p:strVal val="visible"/>
+                                      </p:to>
+                                    </p:set>
+                                    <p:anim calcmode="lin" valueType="num">
+                                      <p:cBhvr>
+                                        <p:cTn id="25" dur="1000" fill="hold"/>
+                                        <p:tgtEl>
+                                          <p:spTgt spid="48"/>
+                                        </p:tgtEl>
+                                        <p:attrNameLst>
+                                          <p:attrName>ppt_w</p:attrName>
+                                        </p:attrNameLst>
+                                      </p:cBhvr>
+                                      <p:tavLst>
+                                        <p:tav tm="0">
+                                          <p:val>
+                                            <p:fltVal val="0"/>
+                                          </p:val>
+                                        </p:tav>
+                                        <p:tav tm="100000">
+                                          <p:val>
+                                            <p:strVal val="#ppt_w"/>
+                                          </p:val>
+                                        </p:tav>
+                                      </p:tavLst>
+                                    </p:anim>
+                                    <p:anim calcmode="lin" valueType="num">
+                                      <p:cBhvr>
+                                        <p:cTn id="26" dur="1000" fill="hold"/>
+                                        <p:tgtEl>
+                                          <p:spTgt spid="48"/>
+                                        </p:tgtEl>
+                                        <p:attrNameLst>
+                                          <p:attrName>ppt_h</p:attrName>
+                                        </p:attrNameLst>
+                                      </p:cBhvr>
+                                      <p:tavLst>
+                                        <p:tav tm="0">
+                                          <p:val>
+                                            <p:fltVal val="0"/>
+                                          </p:val>
+                                        </p:tav>
+                                        <p:tav tm="100000">
+                                          <p:val>
+                                            <p:strVal val="#ppt_h"/>
+                                          </p:val>
+                                        </p:tav>
+                                      </p:tavLst>
+                                    </p:anim>
+                                    <p:anim calcmode="lin" valueType="num">
+                                      <p:cBhvr>
+                                        <p:cTn id="27" dur="1000" fill="hold"/>
+                                        <p:tgtEl>
+                                          <p:spTgt spid="48"/>
+                                        </p:tgtEl>
+                                        <p:attrNameLst>
+                                          <p:attrName>style.rotation</p:attrName>
+                                        </p:attrNameLst>
+                                      </p:cBhvr>
+                                      <p:tavLst>
+                                        <p:tav tm="0">
+                                          <p:val>
+                                            <p:fltVal val="90"/>
+                                          </p:val>
+                                        </p:tav>
+                                        <p:tav tm="100000">
+                                          <p:val>
+                                            <p:fltVal val="0"/>
+                                          </p:val>
+                                        </p:tav>
+                                      </p:tavLst>
+                                    </p:anim>
+                                    <p:animEffect transition="in" filter="fade">
+                                      <p:cBhvr>
+                                        <p:cTn id="28" dur="1000"/>
+                                        <p:tgtEl>
+                                          <p:spTgt spid="48"/>
+                                        </p:tgtEl>
+                                      </p:cBhvr>
+                                    </p:animEffect>
+                                  </p:childTnLst>
+                                </p:cTn>
+                              </p:par>
+                              <p:par>
+                                <p:cTn id="29" presetID="31" presetClass="entr" presetSubtype="0" fill="hold" nodeType="withEffect">
+                                  <p:stCondLst>
+                                    <p:cond delay="0"/>
+                                  </p:stCondLst>
+                                  <p:childTnLst>
+                                    <p:set>
+                                      <p:cBhvr>
+                                        <p:cTn id="30" dur="1" fill="hold">
+                                          <p:stCondLst>
+                                            <p:cond delay="0"/>
+                                          </p:stCondLst>
+                                        </p:cTn>
+                                        <p:tgtEl>
+                                          <p:spTgt spid="15"/>
+                                        </p:tgtEl>
+                                        <p:attrNameLst>
+                                          <p:attrName>style.visibility</p:attrName>
+                                        </p:attrNameLst>
+                                      </p:cBhvr>
+                                      <p:to>
+                                        <p:strVal val="visible"/>
+                                      </p:to>
+                                    </p:set>
+                                    <p:anim calcmode="lin" valueType="num">
+                                      <p:cBhvr>
+                                        <p:cTn id="31" dur="1000" fill="hold"/>
+                                        <p:tgtEl>
+                                          <p:spTgt spid="15"/>
+                                        </p:tgtEl>
+                                        <p:attrNameLst>
+                                          <p:attrName>ppt_w</p:attrName>
+                                        </p:attrNameLst>
+                                      </p:cBhvr>
+                                      <p:tavLst>
+                                        <p:tav tm="0">
+                                          <p:val>
+                                            <p:fltVal val="0"/>
+                                          </p:val>
+                                        </p:tav>
+                                        <p:tav tm="100000">
+                                          <p:val>
+                                            <p:strVal val="#ppt_w"/>
+                                          </p:val>
+                                        </p:tav>
+                                      </p:tavLst>
+                                    </p:anim>
+                                    <p:anim calcmode="lin" valueType="num">
+                                      <p:cBhvr>
+                                        <p:cTn id="32" dur="1000" fill="hold"/>
+                                        <p:tgtEl>
+                                          <p:spTgt spid="15"/>
+                                        </p:tgtEl>
+                                        <p:attrNameLst>
+                                          <p:attrName>ppt_h</p:attrName>
+                                        </p:attrNameLst>
+                                      </p:cBhvr>
+                                      <p:tavLst>
+                                        <p:tav tm="0">
+                                          <p:val>
+                                            <p:fltVal val="0"/>
+                                          </p:val>
+                                        </p:tav>
+                                        <p:tav tm="100000">
+                                          <p:val>
+                                            <p:strVal val="#ppt_h"/>
+                                          </p:val>
+                                        </p:tav>
+                                      </p:tavLst>
+                                    </p:anim>
+                                    <p:anim calcmode="lin" valueType="num">
+                                      <p:cBhvr>
+                                        <p:cTn id="33" dur="1000" fill="hold"/>
+                                        <p:tgtEl>
+                                          <p:spTgt spid="15"/>
+                                        </p:tgtEl>
+                                        <p:attrNameLst>
+                                          <p:attrName>style.rotation</p:attrName>
+                                        </p:attrNameLst>
+                                      </p:cBhvr>
+                                      <p:tavLst>
+                                        <p:tav tm="0">
+                                          <p:val>
+                                            <p:fltVal val="90"/>
+                                          </p:val>
+                                        </p:tav>
+                                        <p:tav tm="100000">
+                                          <p:val>
+                                            <p:fltVal val="0"/>
+                                          </p:val>
+                                        </p:tav>
+                                      </p:tavLst>
+                                    </p:anim>
+                                    <p:animEffect transition="in" filter="fade">
+                                      <p:cBhvr>
+                                        <p:cTn id="34" dur="1000"/>
+                                        <p:tgtEl>
+                                          <p:spTgt spid="15"/>
+                                        </p:tgtEl>
+                                      </p:cBhvr>
+                                    </p:animEffect>
+                                  </p:childTnLst>
+                                </p:cTn>
+                              </p:par>
+                              <p:par>
+                                <p:cTn id="35" presetID="31" presetClass="entr" presetSubtype="0" fill="hold" nodeType="withEffect">
+                                  <p:stCondLst>
+                                    <p:cond delay="0"/>
+                                  </p:stCondLst>
+                                  <p:childTnLst>
+                                    <p:set>
+                                      <p:cBhvr>
+                                        <p:cTn id="36" dur="1" fill="hold">
+                                          <p:stCondLst>
+                                            <p:cond delay="0"/>
+                                          </p:stCondLst>
+                                        </p:cTn>
+                                        <p:tgtEl>
+                                          <p:spTgt spid="3"/>
+                                        </p:tgtEl>
+                                        <p:attrNameLst>
+                                          <p:attrName>style.visibility</p:attrName>
+                                        </p:attrNameLst>
+                                      </p:cBhvr>
+                                      <p:to>
+                                        <p:strVal val="visible"/>
+                                      </p:to>
+                                    </p:set>
+                                    <p:anim calcmode="lin" valueType="num">
+                                      <p:cBhvr>
+                                        <p:cTn id="37" dur="1000" fill="hold"/>
+                                        <p:tgtEl>
+                                          <p:spTgt spid="3"/>
+                                        </p:tgtEl>
+                                        <p:attrNameLst>
+                                          <p:attrName>ppt_w</p:attrName>
+                                        </p:attrNameLst>
+                                      </p:cBhvr>
+                                      <p:tavLst>
+                                        <p:tav tm="0">
+                                          <p:val>
+                                            <p:fltVal val="0"/>
+                                          </p:val>
+                                        </p:tav>
+                                        <p:tav tm="100000">
+                                          <p:val>
+                                            <p:strVal val="#ppt_w"/>
+                                          </p:val>
+                                        </p:tav>
+                                      </p:tavLst>
+                                    </p:anim>
+                                    <p:anim calcmode="lin" valueType="num">
+                                      <p:cBhvr>
+                                        <p:cTn id="38" dur="1000" fill="hold"/>
+                                        <p:tgtEl>
+                                          <p:spTgt spid="3"/>
+                                        </p:tgtEl>
+                                        <p:attrNameLst>
+                                          <p:attrName>ppt_h</p:attrName>
+                                        </p:attrNameLst>
+                                      </p:cBhvr>
+                                      <p:tavLst>
+                                        <p:tav tm="0">
+                                          <p:val>
+                                            <p:fltVal val="0"/>
+                                          </p:val>
+                                        </p:tav>
+                                        <p:tav tm="100000">
+                                          <p:val>
+                                            <p:strVal val="#ppt_h"/>
+                                          </p:val>
+                                        </p:tav>
+                                      </p:tavLst>
+                                    </p:anim>
+                                    <p:anim calcmode="lin" valueType="num">
+                                      <p:cBhvr>
+                                        <p:cTn id="39" dur="1000" fill="hold"/>
+                                        <p:tgtEl>
+                                          <p:spTgt spid="3"/>
+                                        </p:tgtEl>
+                                        <p:attrNameLst>
+                                          <p:attrName>style.rotation</p:attrName>
+                                        </p:attrNameLst>
+                                      </p:cBhvr>
+                                      <p:tavLst>
+                                        <p:tav tm="0">
+                                          <p:val>
+                                            <p:fltVal val="90"/>
+                                          </p:val>
+                                        </p:tav>
+                                        <p:tav tm="100000">
+                                          <p:val>
+                                            <p:fltVal val="0"/>
+                                          </p:val>
+                                        </p:tav>
+                                      </p:tavLst>
+                                    </p:anim>
+                                    <p:animEffect transition="in" filter="fade">
+                                      <p:cBhvr>
+                                        <p:cTn id="40" dur="1000"/>
+                                        <p:tgtEl>
+                                          <p:spTgt spid="3"/>
+                                        </p:tgtEl>
+                                      </p:cBhvr>
+                                    </p:animEffect>
+                                  </p:childTnLst>
+                                </p:cTn>
+                              </p:par>
+                            </p:childTnLst>
+                          </p:cTn>
+                        </p:par>
+                      </p:childTnLst>
+                    </p:cTn>
+                  </p:par>
+                </p:childTnLst>
+              </p:cTn>
+              <p:prevCondLst>
+                <p:cond evt="onPrev" delay="0">
+                  <p:tgtEl>
+                    <p:sldTgt/>
+                  </p:tgtEl>
+                </p:cond>
+              </p:prevCondLst>
+              <p:nextCondLst>
+                <p:cond evt="onNext" delay="0">
+                  <p:tgtEl>
+                    <p:sldTgt/>
+                  </p:tgtEl>
+                </p:cond>
+              </p:nextCondLst>
+            </p:seq>
+          </p:childTnLst>
+        </p:cTn>
+      </p:par>
+    </p:tnLst>
+  </p:timing>
 </p:sld>
 </file>
 
@@ -13182,8 +14943,8 @@
         </p:blipFill>
         <p:spPr bwMode="auto">
           <a:xfrm>
-            <a:off x="4406845" y="3"/>
-            <a:ext cx="4101288" cy="3418797"/>
+            <a:off x="4406845" y="4"/>
+            <a:ext cx="3849379" cy="3208808"/>
           </a:xfrm>
           <a:custGeom>
             <a:avLst/>
@@ -14053,7 +15814,7 @@
       </p:pic>
       <p:pic>
         <p:nvPicPr>
-          <p:cNvPr id="6150" name="Picture 6" descr="O quanto de perda de dados e tempo de inatividade sua empresa pode pagar? -  IT Forum">
+          <p:cNvPr id="6150" name="Picture 6">
             <a:extLst>
               <a:ext uri="{FF2B5EF4-FFF2-40B4-BE49-F238E27FC236}">
                 <a16:creationId xmlns:a16="http://schemas.microsoft.com/office/drawing/2014/main" id="{8EAD9427-E71F-4FC4-B89E-D8E412A6A43F}"/>
@@ -14065,7 +15826,7 @@
           </p:cNvPicPr>
           <p:nvPr/>
         </p:nvPicPr>
-        <p:blipFill rotWithShape="1">
+        <p:blipFill>
           <a:blip r:embed="rId4">
             <a:extLst>
               <a:ext uri="{28A0092B-C50C-407E-A947-70E740481C1C}">
@@ -14073,13 +15834,14 @@
               </a:ext>
             </a:extLst>
           </a:blip>
-          <a:srcRect l="17698" r="22623" b="1"/>
-          <a:stretch/>
+          <a:stretch>
+            <a:fillRect/>
+          </a:stretch>
         </p:blipFill>
         <p:spPr bwMode="auto">
           <a:xfrm>
-            <a:off x="8653074" y="-2"/>
-            <a:ext cx="3538926" cy="4290182"/>
+            <a:off x="8653074" y="0"/>
+            <a:ext cx="3538926" cy="3208812"/>
           </a:xfrm>
           <a:custGeom>
             <a:avLst/>
@@ -14335,13 +16097,13 @@
           <p:nvPr>
             <p:extLst>
               <p:ext uri="{D42A27DB-BD31-4B8C-83A1-F6EECF244321}">
-                <p14:modId xmlns:p14="http://schemas.microsoft.com/office/powerpoint/2010/main" val="1924410900"/>
+                <p14:modId xmlns:p14="http://schemas.microsoft.com/office/powerpoint/2010/main" val="2254211809"/>
               </p:ext>
             </p:extLst>
           </p:nvPr>
         </p:nvGraphicFramePr>
         <p:xfrm>
-          <a:off x="3767434" y="3700392"/>
+          <a:off x="4730201" y="3649189"/>
           <a:ext cx="6290966" cy="2800767"/>
         </p:xfrm>
         <a:graphic>
@@ -14879,7 +16641,7 @@
             <a:round/>
             <a:extLst>
               <a:ext uri="{C807C97D-BFC1-408E-A445-0C87EB9F89A2}">
-                <ask:lineSketchStyleProps xmlns:ask="http://schemas.microsoft.com/office/drawing/2018/sketchyshapes" sd="615697673">
+                <ask:lineSketchStyleProps xmlns:ask="http://schemas.microsoft.com/office/drawing/2018/sketchyshapes" xmlns="" sd="615697673">
                   <a:prstGeom prst="rect">
                     <a:avLst/>
                   </a:prstGeom>
@@ -14995,6 +16757,16 @@
               <a:buChar char="Ø"/>
             </a:pPr>
             <a:r>
+              <a:rPr lang="en-US" sz="2200" dirty="0" err="1">
+                <a:solidFill>
+                  <a:schemeClr val="bg1"/>
+                </a:solidFill>
+                <a:latin typeface="Arial" panose="020B0604020202020204" pitchFamily="34" charset="0"/>
+                <a:cs typeface="Arial" panose="020B0604020202020204" pitchFamily="34" charset="0"/>
+              </a:rPr>
+              <a:t>Melhor</a:t>
+            </a:r>
+            <a:r>
               <a:rPr lang="en-US" sz="2200" dirty="0">
                 <a:solidFill>
                   <a:schemeClr val="bg1"/>
@@ -15002,7 +16774,27 @@
                 <a:latin typeface="Arial" panose="020B0604020202020204" pitchFamily="34" charset="0"/>
                 <a:cs typeface="Arial" panose="020B0604020202020204" pitchFamily="34" charset="0"/>
               </a:rPr>
-              <a:t>Maior controle de dados.   </a:t>
+              <a:t> </a:t>
+            </a:r>
+            <a:r>
+              <a:rPr lang="en-US" sz="2200" dirty="0" err="1">
+                <a:solidFill>
+                  <a:schemeClr val="bg1"/>
+                </a:solidFill>
+                <a:latin typeface="Arial" panose="020B0604020202020204" pitchFamily="34" charset="0"/>
+                <a:cs typeface="Arial" panose="020B0604020202020204" pitchFamily="34" charset="0"/>
+              </a:rPr>
+              <a:t>gerenciamento</a:t>
+            </a:r>
+            <a:r>
+              <a:rPr lang="en-US" sz="2200" dirty="0">
+                <a:solidFill>
+                  <a:schemeClr val="bg1"/>
+                </a:solidFill>
+                <a:latin typeface="Arial" panose="020B0604020202020204" pitchFamily="34" charset="0"/>
+                <a:cs typeface="Arial" panose="020B0604020202020204" pitchFamily="34" charset="0"/>
+              </a:rPr>
+              <a:t>.  </a:t>
             </a:r>
             <a:r>
               <a:rPr lang="en-US" sz="2200" dirty="0">
@@ -15084,6 +16876,140 @@
   <p:clrMapOvr>
     <a:masterClrMapping/>
   </p:clrMapOvr>
+  <p:timing>
+    <p:tnLst>
+      <p:par>
+        <p:cTn id="1" dur="indefinite" restart="never" nodeType="tmRoot">
+          <p:childTnLst>
+            <p:seq concurrent="1" nextAc="seek">
+              <p:cTn id="2" dur="indefinite" nodeType="mainSeq">
+                <p:childTnLst>
+                  <p:par>
+                    <p:cTn id="3" fill="hold">
+                      <p:stCondLst>
+                        <p:cond delay="indefinite"/>
+                        <p:cond evt="onBegin" delay="0">
+                          <p:tn val="2"/>
+                        </p:cond>
+                      </p:stCondLst>
+                      <p:childTnLst>
+                        <p:par>
+                          <p:cTn id="4" fill="hold">
+                            <p:stCondLst>
+                              <p:cond delay="0"/>
+                            </p:stCondLst>
+                            <p:childTnLst>
+                              <p:par>
+                                <p:cTn id="5" presetID="22" presetClass="entr" presetSubtype="4" fill="hold" grpId="0" nodeType="withEffect">
+                                  <p:stCondLst>
+                                    <p:cond delay="0"/>
+                                  </p:stCondLst>
+                                  <p:childTnLst>
+                                    <p:set>
+                                      <p:cBhvr>
+                                        <p:cTn id="6" dur="1" fill="hold">
+                                          <p:stCondLst>
+                                            <p:cond delay="0"/>
+                                          </p:stCondLst>
+                                        </p:cTn>
+                                        <p:tgtEl>
+                                          <p:spTgt spid="11"/>
+                                        </p:tgtEl>
+                                        <p:attrNameLst>
+                                          <p:attrName>style.visibility</p:attrName>
+                                        </p:attrNameLst>
+                                      </p:cBhvr>
+                                      <p:to>
+                                        <p:strVal val="visible"/>
+                                      </p:to>
+                                    </p:set>
+                                    <p:animEffect transition="in" filter="wipe(down)">
+                                      <p:cBhvr>
+                                        <p:cTn id="7" dur="500"/>
+                                        <p:tgtEl>
+                                          <p:spTgt spid="11"/>
+                                        </p:tgtEl>
+                                      </p:cBhvr>
+                                    </p:animEffect>
+                                  </p:childTnLst>
+                                </p:cTn>
+                              </p:par>
+                            </p:childTnLst>
+                          </p:cTn>
+                        </p:par>
+                        <p:par>
+                          <p:cTn id="8" fill="hold">
+                            <p:stCondLst>
+                              <p:cond delay="500"/>
+                            </p:stCondLst>
+                            <p:childTnLst>
+                              <p:par>
+                                <p:cTn id="9" presetID="10" presetClass="entr" presetSubtype="0" fill="hold" grpId="0" nodeType="afterEffect">
+                                  <p:stCondLst>
+                                    <p:cond delay="500"/>
+                                  </p:stCondLst>
+                                  <p:childTnLst>
+                                    <p:set>
+                                      <p:cBhvr>
+                                        <p:cTn id="10" dur="1" fill="hold">
+                                          <p:stCondLst>
+                                            <p:cond delay="0"/>
+                                          </p:stCondLst>
+                                        </p:cTn>
+                                        <p:tgtEl>
+                                          <p:spTgt spid="4"/>
+                                        </p:tgtEl>
+                                        <p:attrNameLst>
+                                          <p:attrName>style.visibility</p:attrName>
+                                        </p:attrNameLst>
+                                      </p:cBhvr>
+                                      <p:to>
+                                        <p:strVal val="visible"/>
+                                      </p:to>
+                                    </p:set>
+                                    <p:animEffect transition="in" filter="fade">
+                                      <p:cBhvr>
+                                        <p:cTn id="11" dur="500"/>
+                                        <p:tgtEl>
+                                          <p:spTgt spid="4"/>
+                                        </p:tgtEl>
+                                      </p:cBhvr>
+                                    </p:animEffect>
+                                  </p:childTnLst>
+                                </p:cTn>
+                              </p:par>
+                            </p:childTnLst>
+                          </p:cTn>
+                        </p:par>
+                      </p:childTnLst>
+                    </p:cTn>
+                  </p:par>
+                </p:childTnLst>
+              </p:cTn>
+              <p:prevCondLst>
+                <p:cond evt="onPrev" delay="0">
+                  <p:tgtEl>
+                    <p:sldTgt/>
+                  </p:tgtEl>
+                </p:cond>
+              </p:prevCondLst>
+              <p:nextCondLst>
+                <p:cond evt="onNext" delay="0">
+                  <p:tgtEl>
+                    <p:sldTgt/>
+                  </p:tgtEl>
+                </p:cond>
+              </p:nextCondLst>
+            </p:seq>
+          </p:childTnLst>
+        </p:cTn>
+      </p:par>
+    </p:tnLst>
+    <p:bldLst>
+      <p:bldP spid="4" grpId="0"/>
+      <p:bldP spid="11" grpId="0"/>
+    </p:bldLst>
+  </p:timing>
 </p:sld>
 </file>
 
@@ -15697,6 +17623,26 @@
                 <a:latin typeface="Arial" panose="020B0604020202020204" pitchFamily="34" charset="0"/>
                 <a:cs typeface="Arial" panose="020B0604020202020204" pitchFamily="34" charset="0"/>
               </a:rPr>
+              <a:t> dados </a:t>
+            </a:r>
+            <a:r>
+              <a:rPr lang="en-US" sz="2000" dirty="0" err="1">
+                <a:solidFill>
+                  <a:schemeClr val="bg1"/>
+                </a:solidFill>
+                <a:latin typeface="Arial" panose="020B0604020202020204" pitchFamily="34" charset="0"/>
+                <a:cs typeface="Arial" panose="020B0604020202020204" pitchFamily="34" charset="0"/>
+              </a:rPr>
+              <a:t>sobre</a:t>
+            </a:r>
+            <a:r>
+              <a:rPr lang="en-US" sz="2000" dirty="0">
+                <a:solidFill>
+                  <a:schemeClr val="bg1"/>
+                </a:solidFill>
+                <a:latin typeface="Arial" panose="020B0604020202020204" pitchFamily="34" charset="0"/>
+                <a:cs typeface="Arial" panose="020B0604020202020204" pitchFamily="34" charset="0"/>
+              </a:rPr>
               <a:t> </a:t>
             </a:r>
             <a:r>
@@ -15797,52 +17743,8 @@
                 <a:latin typeface="Arial" panose="020B0604020202020204" pitchFamily="34" charset="0"/>
                 <a:cs typeface="Arial" panose="020B0604020202020204" pitchFamily="34" charset="0"/>
               </a:rPr>
-              <a:t> (</a:t>
+              <a:t>.</a:t>
             </a:r>
-            <a:r>
-              <a:rPr lang="en-US" sz="2000" dirty="0" err="1">
-                <a:solidFill>
-                  <a:schemeClr val="bg1"/>
-                </a:solidFill>
-                <a:latin typeface="Arial" panose="020B0604020202020204" pitchFamily="34" charset="0"/>
-                <a:cs typeface="Arial" panose="020B0604020202020204" pitchFamily="34" charset="0"/>
-              </a:rPr>
-              <a:t>Não</a:t>
-            </a:r>
-            <a:r>
-              <a:rPr lang="en-US" sz="2000" dirty="0">
-                <a:solidFill>
-                  <a:schemeClr val="bg1"/>
-                </a:solidFill>
-                <a:latin typeface="Arial" panose="020B0604020202020204" pitchFamily="34" charset="0"/>
-                <a:cs typeface="Arial" panose="020B0604020202020204" pitchFamily="34" charset="0"/>
-              </a:rPr>
-              <a:t> </a:t>
-            </a:r>
-            <a:r>
-              <a:rPr lang="en-US" sz="2000" dirty="0" err="1">
-                <a:solidFill>
-                  <a:schemeClr val="bg1"/>
-                </a:solidFill>
-                <a:latin typeface="Arial" panose="020B0604020202020204" pitchFamily="34" charset="0"/>
-                <a:cs typeface="Arial" panose="020B0604020202020204" pitchFamily="34" charset="0"/>
-              </a:rPr>
-              <a:t>editável</a:t>
-            </a:r>
-            <a:r>
-              <a:rPr lang="en-US" sz="2000" dirty="0">
-                <a:solidFill>
-                  <a:schemeClr val="bg1"/>
-                </a:solidFill>
-                <a:latin typeface="Arial" panose="020B0604020202020204" pitchFamily="34" charset="0"/>
-                <a:cs typeface="Arial" panose="020B0604020202020204" pitchFamily="34" charset="0"/>
-              </a:rPr>
-              <a:t>.). </a:t>
-            </a:r>
-            <a:endParaRPr lang="en-US" sz="2000" dirty="0">
-              <a:latin typeface="Arial" panose="020B0604020202020204" pitchFamily="34" charset="0"/>
-              <a:cs typeface="Arial" panose="020B0604020202020204" pitchFamily="34" charset="0"/>
-            </a:endParaRPr>
           </a:p>
         </p:txBody>
       </p:sp>
@@ -15860,8 +17762,8 @@
         </p:nvSpPr>
         <p:spPr>
           <a:xfrm>
-            <a:off x="695871" y="4579568"/>
-            <a:ext cx="2266948" cy="626214"/>
+            <a:off x="723862" y="4464659"/>
+            <a:ext cx="2266948" cy="856032"/>
           </a:xfrm>
           <a:prstGeom prst="rect">
             <a:avLst/>
@@ -15885,7 +17787,7 @@
               </a:spcAft>
             </a:pPr>
             <a:r>
-              <a:rPr lang="en-US" sz="3800" b="1" kern="1200" dirty="0">
+              <a:rPr lang="en-US" sz="6000" b="1" kern="1200" dirty="0" err="1">
                 <a:solidFill>
                   <a:schemeClr val="bg1"/>
                 </a:solidFill>
@@ -15893,8 +17795,16 @@
                 <a:ea typeface="+mj-ea"/>
                 <a:cs typeface="Arial" panose="020B0604020202020204" pitchFamily="34" charset="0"/>
               </a:rPr>
-              <a:t>Hipótese</a:t>
+              <a:t>Ideia</a:t>
             </a:r>
+            <a:endParaRPr lang="en-US" sz="6000" b="1" kern="1200" dirty="0">
+              <a:solidFill>
+                <a:schemeClr val="bg1"/>
+              </a:solidFill>
+              <a:latin typeface="Arial" panose="020B0604020202020204" pitchFamily="34" charset="0"/>
+              <a:ea typeface="+mj-ea"/>
+              <a:cs typeface="Arial" panose="020B0604020202020204" pitchFamily="34" charset="0"/>
+            </a:endParaRPr>
           </a:p>
         </p:txBody>
       </p:sp>
@@ -15908,6 +17818,140 @@
   <p:clrMapOvr>
     <a:masterClrMapping/>
   </p:clrMapOvr>
+  <p:timing>
+    <p:tnLst>
+      <p:par>
+        <p:cTn id="1" dur="indefinite" restart="never" nodeType="tmRoot">
+          <p:childTnLst>
+            <p:seq concurrent="1" nextAc="seek">
+              <p:cTn id="2" dur="indefinite" nodeType="mainSeq">
+                <p:childTnLst>
+                  <p:par>
+                    <p:cTn id="3" fill="hold">
+                      <p:stCondLst>
+                        <p:cond delay="indefinite"/>
+                        <p:cond evt="onBegin" delay="0">
+                          <p:tn val="2"/>
+                        </p:cond>
+                      </p:stCondLst>
+                      <p:childTnLst>
+                        <p:par>
+                          <p:cTn id="4" fill="hold">
+                            <p:stCondLst>
+                              <p:cond delay="0"/>
+                            </p:stCondLst>
+                            <p:childTnLst>
+                              <p:par>
+                                <p:cTn id="5" presetID="22" presetClass="entr" presetSubtype="4" fill="hold" grpId="0" nodeType="withEffect">
+                                  <p:stCondLst>
+                                    <p:cond delay="0"/>
+                                  </p:stCondLst>
+                                  <p:childTnLst>
+                                    <p:set>
+                                      <p:cBhvr>
+                                        <p:cTn id="6" dur="1" fill="hold">
+                                          <p:stCondLst>
+                                            <p:cond delay="0"/>
+                                          </p:stCondLst>
+                                        </p:cTn>
+                                        <p:tgtEl>
+                                          <p:spTgt spid="41"/>
+                                        </p:tgtEl>
+                                        <p:attrNameLst>
+                                          <p:attrName>style.visibility</p:attrName>
+                                        </p:attrNameLst>
+                                      </p:cBhvr>
+                                      <p:to>
+                                        <p:strVal val="visible"/>
+                                      </p:to>
+                                    </p:set>
+                                    <p:animEffect transition="in" filter="wipe(down)">
+                                      <p:cBhvr>
+                                        <p:cTn id="7" dur="500"/>
+                                        <p:tgtEl>
+                                          <p:spTgt spid="41"/>
+                                        </p:tgtEl>
+                                      </p:cBhvr>
+                                    </p:animEffect>
+                                  </p:childTnLst>
+                                </p:cTn>
+                              </p:par>
+                            </p:childTnLst>
+                          </p:cTn>
+                        </p:par>
+                        <p:par>
+                          <p:cTn id="8" fill="hold">
+                            <p:stCondLst>
+                              <p:cond delay="500"/>
+                            </p:stCondLst>
+                            <p:childTnLst>
+                              <p:par>
+                                <p:cTn id="9" presetID="10" presetClass="entr" presetSubtype="0" fill="hold" grpId="0" nodeType="afterEffect">
+                                  <p:stCondLst>
+                                    <p:cond delay="500"/>
+                                  </p:stCondLst>
+                                  <p:childTnLst>
+                                    <p:set>
+                                      <p:cBhvr>
+                                        <p:cTn id="10" dur="1" fill="hold">
+                                          <p:stCondLst>
+                                            <p:cond delay="0"/>
+                                          </p:stCondLst>
+                                        </p:cTn>
+                                        <p:tgtEl>
+                                          <p:spTgt spid="40"/>
+                                        </p:tgtEl>
+                                        <p:attrNameLst>
+                                          <p:attrName>style.visibility</p:attrName>
+                                        </p:attrNameLst>
+                                      </p:cBhvr>
+                                      <p:to>
+                                        <p:strVal val="visible"/>
+                                      </p:to>
+                                    </p:set>
+                                    <p:animEffect transition="in" filter="fade">
+                                      <p:cBhvr>
+                                        <p:cTn id="11" dur="500"/>
+                                        <p:tgtEl>
+                                          <p:spTgt spid="40"/>
+                                        </p:tgtEl>
+                                      </p:cBhvr>
+                                    </p:animEffect>
+                                  </p:childTnLst>
+                                </p:cTn>
+                              </p:par>
+                            </p:childTnLst>
+                          </p:cTn>
+                        </p:par>
+                      </p:childTnLst>
+                    </p:cTn>
+                  </p:par>
+                </p:childTnLst>
+              </p:cTn>
+              <p:prevCondLst>
+                <p:cond evt="onPrev" delay="0">
+                  <p:tgtEl>
+                    <p:sldTgt/>
+                  </p:tgtEl>
+                </p:cond>
+              </p:prevCondLst>
+              <p:nextCondLst>
+                <p:cond evt="onNext" delay="0">
+                  <p:tgtEl>
+                    <p:sldTgt/>
+                  </p:tgtEl>
+                </p:cond>
+              </p:nextCondLst>
+            </p:seq>
+          </p:childTnLst>
+        </p:cTn>
+      </p:par>
+    </p:tnLst>
+    <p:bldLst>
+      <p:bldP spid="40" grpId="0"/>
+      <p:bldP spid="41" grpId="0"/>
+    </p:bldLst>
+  </p:timing>
 </p:sld>
 </file>
 
@@ -16100,8 +18144,8 @@
         </p:nvSpPr>
         <p:spPr>
           <a:xfrm>
-            <a:off x="742950" y="742951"/>
-            <a:ext cx="3476625" cy="4962524"/>
+            <a:off x="485776" y="742951"/>
+            <a:ext cx="4035424" cy="4962524"/>
           </a:xfrm>
         </p:spPr>
         <p:txBody>
@@ -16112,16 +18156,23 @@
           <a:p>
             <a:pPr algn="ctr"/>
             <a:r>
-              <a:rPr lang="en-US" sz="4800" kern="1200">
+              <a:rPr lang="en-US" sz="3600" b="1" kern="1200" dirty="0" err="1">
                 <a:solidFill>
                   <a:srgbClr val="FFFFFF"/>
                 </a:solidFill>
-                <a:latin typeface="+mj-lt"/>
-                <a:ea typeface="+mj-ea"/>
-                <a:cs typeface="+mj-cs"/>
+                <a:latin typeface="Arial" panose="020B0604020202020204" pitchFamily="34" charset="0"/>
+                <a:cs typeface="Arial" panose="020B0604020202020204" pitchFamily="34" charset="0"/>
               </a:rPr>
-              <a:t>Metodologia </a:t>
+              <a:t>Desenvolvimento</a:t>
             </a:r>
+            <a:endParaRPr lang="en-US" kern="1200" dirty="0">
+              <a:solidFill>
+                <a:srgbClr val="FFFFFF"/>
+              </a:solidFill>
+              <a:latin typeface="+mj-lt"/>
+              <a:ea typeface="+mj-ea"/>
+              <a:cs typeface="+mj-cs"/>
+            </a:endParaRPr>
           </a:p>
         </p:txBody>
       </p:sp>
@@ -16135,98 +18186,6 @@
   <p:clrMapOvr>
     <a:masterClrMapping/>
   </p:clrMapOvr>
-  <p:timing>
-    <p:tnLst>
-      <p:par>
-        <p:cTn id="1" dur="indefinite" restart="never" nodeType="tmRoot">
-          <p:childTnLst>
-            <p:seq concurrent="1" nextAc="seek">
-              <p:cTn id="2" dur="indefinite" nodeType="mainSeq">
-                <p:childTnLst>
-                  <p:par>
-                    <p:cTn id="3" fill="hold">
-                      <p:stCondLst>
-                        <p:cond delay="indefinite"/>
-                        <p:cond evt="onBegin" delay="0">
-                          <p:tn val="2"/>
-                        </p:cond>
-                      </p:stCondLst>
-                      <p:childTnLst>
-                        <p:par>
-                          <p:cTn id="4" fill="hold">
-                            <p:stCondLst>
-                              <p:cond delay="0"/>
-                            </p:stCondLst>
-                            <p:childTnLst>
-                              <p:par>
-                                <p:cTn id="5" presetID="10" presetClass="entr" presetSubtype="0" fill="hold" grpId="0" nodeType="withEffect">
-                                  <p:stCondLst>
-                                    <p:cond delay="1000"/>
-                                  </p:stCondLst>
-                                  <p:iterate>
-                                    <p:tmPct val="10000"/>
-                                  </p:iterate>
-                                  <p:childTnLst>
-                                    <p:set>
-                                      <p:cBhvr>
-                                        <p:cTn id="6" dur="1" fill="hold">
-                                          <p:stCondLst>
-                                            <p:cond delay="0"/>
-                                          </p:stCondLst>
-                                        </p:cTn>
-                                        <p:tgtEl>
-                                          <p:spTgt spid="2"/>
-                                        </p:tgtEl>
-                                        <p:attrNameLst>
-                                          <p:attrName>style.visibility</p:attrName>
-                                        </p:attrNameLst>
-                                      </p:cBhvr>
-                                      <p:to>
-                                        <p:strVal val="visible"/>
-                                      </p:to>
-                                    </p:set>
-                                    <p:animEffect transition="in" filter="fade">
-                                      <p:cBhvr>
-                                        <p:cTn id="7" dur="700"/>
-                                        <p:tgtEl>
-                                          <p:spTgt spid="2"/>
-                                        </p:tgtEl>
-                                      </p:cBhvr>
-                                    </p:animEffect>
-                                  </p:childTnLst>
-                                </p:cTn>
-                              </p:par>
-                            </p:childTnLst>
-                          </p:cTn>
-                        </p:par>
-                      </p:childTnLst>
-                    </p:cTn>
-                  </p:par>
-                </p:childTnLst>
-              </p:cTn>
-              <p:prevCondLst>
-                <p:cond evt="onPrev" delay="0">
-                  <p:tgtEl>
-                    <p:sldTgt/>
-                  </p:tgtEl>
-                </p:cond>
-              </p:prevCondLst>
-              <p:nextCondLst>
-                <p:cond evt="onNext" delay="0">
-                  <p:tgtEl>
-                    <p:sldTgt/>
-                  </p:tgtEl>
-                </p:cond>
-              </p:nextCondLst>
-            </p:seq>
-          </p:childTnLst>
-        </p:cTn>
-      </p:par>
-    </p:tnLst>
-    <p:bldLst>
-      <p:bldP spid="2" grpId="0"/>
-    </p:bldLst>
-  </p:timing>
 </p:sld>
 </file>
 
@@ -17979,1241 +19938,6 @@
   <p:clrMapOvr>
     <a:overrideClrMapping bg1="dk1" tx1="lt1" bg2="dk2" tx2="lt2" accent1="accent1" accent2="accent2" accent3="accent3" accent4="accent4" accent5="accent5" accent6="accent6" hlink="hlink" folHlink="folHlink"/>
   </p:clrMapOvr>
-</p:sld>
-</file>
-
-<file path=ppt/slides/slide7.xml><?xml version="1.0" encoding="utf-8"?>
-<p:sld xmlns:a="http://schemas.openxmlformats.org/drawingml/2006/main" xmlns:r="http://schemas.openxmlformats.org/officeDocument/2006/relationships" xmlns:p="http://schemas.openxmlformats.org/presentationml/2006/main">
-  <p:cSld>
-    <p:bg>
-      <p:bgPr>
-        <a:solidFill>
-          <a:srgbClr val="3F3F3F"/>
-        </a:solidFill>
-        <a:effectLst/>
-      </p:bgPr>
-    </p:bg>
-    <p:spTree>
-      <p:nvGrpSpPr>
-        <p:cNvPr id="1" name=""/>
-        <p:cNvGrpSpPr/>
-        <p:nvPr/>
-      </p:nvGrpSpPr>
-      <p:grpSpPr>
-        <a:xfrm>
-          <a:off x="0" y="0"/>
-          <a:ext cx="0" cy="0"/>
-          <a:chOff x="0" y="0"/>
-          <a:chExt cx="0" cy="0"/>
-        </a:xfrm>
-      </p:grpSpPr>
-      <p:sp useBgFill="1">
-        <p:nvSpPr>
-          <p:cNvPr id="37" name="Rectangle 36">
-            <a:extLst>
-              <a:ext uri="{FF2B5EF4-FFF2-40B4-BE49-F238E27FC236}">
-                <a16:creationId xmlns:a16="http://schemas.microsoft.com/office/drawing/2014/main" id="{0A597D97-203B-498B-95D3-E90DC961039F}"/>
-              </a:ext>
-              <a:ext uri="{C183D7F6-B498-43B3-948B-1728B52AA6E4}">
-                <adec:decorative xmlns:adec="http://schemas.microsoft.com/office/drawing/2017/decorative" val="1"/>
-              </a:ext>
-            </a:extLst>
-          </p:cNvPr>
-          <p:cNvSpPr>
-            <a:spLocks noGrp="1" noRot="1" noChangeAspect="1" noMove="1" noResize="1" noEditPoints="1" noAdjustHandles="1" noChangeArrowheads="1" noChangeShapeType="1" noTextEdit="1"/>
-          </p:cNvSpPr>
-          <p:nvPr>
-            <p:extLst>
-              <p:ext uri="{386F3935-93C4-4BCD-93E2-E3B085C9AB24}">
-                <p16:designElem xmlns:p16="http://schemas.microsoft.com/office/powerpoint/2015/main" val="1"/>
-              </p:ext>
-            </p:extLst>
-          </p:nvPr>
-        </p:nvSpPr>
-        <p:spPr>
-          <a:xfrm>
-            <a:off x="0" y="0"/>
-            <a:ext cx="12188952" cy="6858000"/>
-          </a:xfrm>
-          <a:prstGeom prst="rect">
-            <a:avLst/>
-          </a:prstGeom>
-          <a:ln>
-            <a:noFill/>
-          </a:ln>
-        </p:spPr>
-        <p:style>
-          <a:lnRef idx="2">
-            <a:schemeClr val="accent1">
-              <a:shade val="50000"/>
-            </a:schemeClr>
-          </a:lnRef>
-          <a:fillRef idx="1">
-            <a:schemeClr val="accent1"/>
-          </a:fillRef>
-          <a:effectRef idx="0">
-            <a:schemeClr val="accent1"/>
-          </a:effectRef>
-          <a:fontRef idx="minor">
-            <a:schemeClr val="lt1"/>
-          </a:fontRef>
-        </p:style>
-        <p:txBody>
-          <a:bodyPr rtlCol="0" anchor="ctr"/>
-          <a:lstStyle/>
-          <a:p>
-            <a:pPr algn="ctr"/>
-            <a:endParaRPr lang="en-US"/>
-          </a:p>
-        </p:txBody>
-      </p:sp>
-      <p:pic>
-        <p:nvPicPr>
-          <p:cNvPr id="29" name="Imagem 28" descr="Texto branco sobre fundo preto&#10;&#10;Descrição gerada automaticamente com confiança média">
-            <a:extLst>
-              <a:ext uri="{FF2B5EF4-FFF2-40B4-BE49-F238E27FC236}">
-                <a16:creationId xmlns:a16="http://schemas.microsoft.com/office/drawing/2014/main" id="{133AFC91-833E-418E-BD02-C9783D4BAE60}"/>
-              </a:ext>
-            </a:extLst>
-          </p:cNvPr>
-          <p:cNvPicPr>
-            <a:picLocks noChangeAspect="1"/>
-          </p:cNvPicPr>
-          <p:nvPr/>
-        </p:nvPicPr>
-        <p:blipFill rotWithShape="1">
-          <a:blip r:embed="rId2">
-            <a:extLst>
-              <a:ext uri="{28A0092B-C50C-407E-A947-70E740481C1C}">
-                <a14:useLocalDpi xmlns:a14="http://schemas.microsoft.com/office/drawing/2010/main" val="0"/>
-              </a:ext>
-            </a:extLst>
-          </a:blip>
-          <a:srcRect t="9189" b="11012"/>
-          <a:stretch/>
-        </p:blipFill>
-        <p:spPr>
-          <a:xfrm>
-            <a:off x="4267201" y="10"/>
-            <a:ext cx="7924800" cy="3383270"/>
-          </a:xfrm>
-          <a:prstGeom prst="rect">
-            <a:avLst/>
-          </a:prstGeom>
-        </p:spPr>
-      </p:pic>
-      <p:pic>
-        <p:nvPicPr>
-          <p:cNvPr id="14" name="Imagem 13" descr="Interface gráfica do usuário&#10;&#10;Descrição gerada automaticamente">
-            <a:extLst>
-              <a:ext uri="{FF2B5EF4-FFF2-40B4-BE49-F238E27FC236}">
-                <a16:creationId xmlns:a16="http://schemas.microsoft.com/office/drawing/2014/main" id="{A69DC0B1-43F0-42F5-8A98-DE2B07B46417}"/>
-              </a:ext>
-            </a:extLst>
-          </p:cNvPr>
-          <p:cNvPicPr>
-            <a:picLocks noChangeAspect="1"/>
-          </p:cNvPicPr>
-          <p:nvPr/>
-        </p:nvPicPr>
-        <p:blipFill rotWithShape="1">
-          <a:blip r:embed="rId3">
-            <a:extLst>
-              <a:ext uri="{28A0092B-C50C-407E-A947-70E740481C1C}">
-                <a14:useLocalDpi xmlns:a14="http://schemas.microsoft.com/office/drawing/2010/main" val="0"/>
-              </a:ext>
-            </a:extLst>
-          </a:blip>
-          <a:srcRect r="2" b="10448"/>
-          <a:stretch/>
-        </p:blipFill>
-        <p:spPr>
-          <a:xfrm>
-            <a:off x="4650916" y="3474720"/>
-            <a:ext cx="7555832" cy="3383280"/>
-          </a:xfrm>
-          <a:prstGeom prst="rect">
-            <a:avLst/>
-          </a:prstGeom>
-        </p:spPr>
-      </p:pic>
-      <p:sp useBgFill="1">
-        <p:nvSpPr>
-          <p:cNvPr id="39" name="Freeform: Shape 38">
-            <a:extLst>
-              <a:ext uri="{FF2B5EF4-FFF2-40B4-BE49-F238E27FC236}">
-                <a16:creationId xmlns:a16="http://schemas.microsoft.com/office/drawing/2014/main" id="{6A6EF10E-DF41-4BD3-8EB4-6F646531DC26}"/>
-              </a:ext>
-              <a:ext uri="{C183D7F6-B498-43B3-948B-1728B52AA6E4}">
-                <adec:decorative xmlns:adec="http://schemas.microsoft.com/office/drawing/2017/decorative" val="1"/>
-              </a:ext>
-            </a:extLst>
-          </p:cNvPr>
-          <p:cNvSpPr>
-            <a:spLocks noGrp="1" noRot="1" noChangeAspect="1" noMove="1" noResize="1" noEditPoints="1" noAdjustHandles="1" noChangeArrowheads="1" noChangeShapeType="1" noTextEdit="1"/>
-          </p:cNvSpPr>
-          <p:nvPr>
-            <p:extLst>
-              <p:ext uri="{386F3935-93C4-4BCD-93E2-E3B085C9AB24}">
-                <p16:designElem xmlns:p16="http://schemas.microsoft.com/office/powerpoint/2015/main" val="1"/>
-              </p:ext>
-            </p:extLst>
-          </p:nvPr>
-        </p:nvSpPr>
-        <p:spPr>
-          <a:xfrm>
-            <a:off x="0" y="0"/>
-            <a:ext cx="6244272" cy="6858000"/>
-          </a:xfrm>
-          <a:custGeom>
-            <a:avLst/>
-            <a:gdLst>
-              <a:gd name="connsiteX0" fmla="*/ 0 w 6244272"/>
-              <a:gd name="connsiteY0" fmla="*/ 0 h 6858000"/>
-              <a:gd name="connsiteX1" fmla="*/ 732568 w 6244272"/>
-              <a:gd name="connsiteY1" fmla="*/ 0 h 6858000"/>
-              <a:gd name="connsiteX2" fmla="*/ 947849 w 6244272"/>
-              <a:gd name="connsiteY2" fmla="*/ 0 h 6858000"/>
-              <a:gd name="connsiteX3" fmla="*/ 1823619 w 6244272"/>
-              <a:gd name="connsiteY3" fmla="*/ 0 h 6858000"/>
-              <a:gd name="connsiteX4" fmla="*/ 5235673 w 6244272"/>
-              <a:gd name="connsiteY4" fmla="*/ 0 h 6858000"/>
-              <a:gd name="connsiteX5" fmla="*/ 4933297 w 6244272"/>
-              <a:gd name="connsiteY5" fmla="*/ 110269 h 6858000"/>
-              <a:gd name="connsiteX6" fmla="*/ 4976910 w 6244272"/>
-              <a:gd name="connsiteY6" fmla="*/ 135168 h 6858000"/>
-              <a:gd name="connsiteX7" fmla="*/ 5238580 w 6244272"/>
-              <a:gd name="connsiteY7" fmla="*/ 71141 h 6858000"/>
-              <a:gd name="connsiteX8" fmla="*/ 5290914 w 6244272"/>
-              <a:gd name="connsiteY8" fmla="*/ 88927 h 6858000"/>
-              <a:gd name="connsiteX9" fmla="*/ 5264747 w 6244272"/>
-              <a:gd name="connsiteY9" fmla="*/ 163625 h 6858000"/>
-              <a:gd name="connsiteX10" fmla="*/ 5151357 w 6244272"/>
-              <a:gd name="connsiteY10" fmla="*/ 192082 h 6858000"/>
-              <a:gd name="connsiteX11" fmla="*/ 4974002 w 6244272"/>
-              <a:gd name="connsiteY11" fmla="*/ 373491 h 6858000"/>
-              <a:gd name="connsiteX12" fmla="*/ 5241488 w 6244272"/>
-              <a:gd name="connsiteY12" fmla="*/ 352148 h 6858000"/>
-              <a:gd name="connsiteX13" fmla="*/ 5288007 w 6244272"/>
-              <a:gd name="connsiteY13" fmla="*/ 394834 h 6858000"/>
-              <a:gd name="connsiteX14" fmla="*/ 5305452 w 6244272"/>
-              <a:gd name="connsiteY14" fmla="*/ 451747 h 6858000"/>
-              <a:gd name="connsiteX15" fmla="*/ 5383953 w 6244272"/>
-              <a:gd name="connsiteY15" fmla="*/ 359262 h 6858000"/>
-              <a:gd name="connsiteX16" fmla="*/ 5450825 w 6244272"/>
-              <a:gd name="connsiteY16" fmla="*/ 334364 h 6858000"/>
-              <a:gd name="connsiteX17" fmla="*/ 5471177 w 6244272"/>
-              <a:gd name="connsiteY17" fmla="*/ 416176 h 6858000"/>
-              <a:gd name="connsiteX18" fmla="*/ 5410121 w 6244272"/>
-              <a:gd name="connsiteY18" fmla="*/ 505101 h 6858000"/>
-              <a:gd name="connsiteX19" fmla="*/ 5247303 w 6244272"/>
-              <a:gd name="connsiteY19" fmla="*/ 558458 h 6858000"/>
-              <a:gd name="connsiteX20" fmla="*/ 5421750 w 6244272"/>
-              <a:gd name="connsiteY20" fmla="*/ 558458 h 6858000"/>
-              <a:gd name="connsiteX21" fmla="*/ 5622364 w 6244272"/>
-              <a:gd name="connsiteY21" fmla="*/ 522887 h 6858000"/>
-              <a:gd name="connsiteX22" fmla="*/ 5834608 w 6244272"/>
-              <a:gd name="connsiteY22" fmla="*/ 533558 h 6858000"/>
-              <a:gd name="connsiteX23" fmla="*/ 6035223 w 6244272"/>
-              <a:gd name="connsiteY23" fmla="*/ 462417 h 6858000"/>
-              <a:gd name="connsiteX24" fmla="*/ 6238745 w 6244272"/>
-              <a:gd name="connsiteY24" fmla="*/ 465975 h 6858000"/>
-              <a:gd name="connsiteX25" fmla="*/ 5337434 w 6244272"/>
-              <a:gd name="connsiteY25" fmla="*/ 910606 h 6858000"/>
-              <a:gd name="connsiteX26" fmla="*/ 5381046 w 6244272"/>
-              <a:gd name="connsiteY26" fmla="*/ 921277 h 6858000"/>
-              <a:gd name="connsiteX27" fmla="*/ 5439195 w 6244272"/>
-              <a:gd name="connsiteY27" fmla="*/ 949734 h 6858000"/>
-              <a:gd name="connsiteX28" fmla="*/ 5395583 w 6244272"/>
-              <a:gd name="connsiteY28" fmla="*/ 1006647 h 6858000"/>
-              <a:gd name="connsiteX29" fmla="*/ 5160079 w 6244272"/>
-              <a:gd name="connsiteY29" fmla="*/ 1113358 h 6858000"/>
-              <a:gd name="connsiteX30" fmla="*/ 5101930 w 6244272"/>
-              <a:gd name="connsiteY30" fmla="*/ 1220069 h 6858000"/>
-              <a:gd name="connsiteX31" fmla="*/ 5174617 w 6244272"/>
-              <a:gd name="connsiteY31" fmla="*/ 1209399 h 6858000"/>
-              <a:gd name="connsiteX32" fmla="*/ 5238580 w 6244272"/>
-              <a:gd name="connsiteY32" fmla="*/ 1230741 h 6858000"/>
-              <a:gd name="connsiteX33" fmla="*/ 5212414 w 6244272"/>
-              <a:gd name="connsiteY33" fmla="*/ 1365909 h 6858000"/>
-              <a:gd name="connsiteX34" fmla="*/ 4878056 w 6244272"/>
-              <a:gd name="connsiteY34" fmla="*/ 1540204 h 6858000"/>
-              <a:gd name="connsiteX35" fmla="*/ 4848982 w 6244272"/>
-              <a:gd name="connsiteY35" fmla="*/ 1597117 h 6858000"/>
-              <a:gd name="connsiteX36" fmla="*/ 4889686 w 6244272"/>
-              <a:gd name="connsiteY36" fmla="*/ 1636245 h 6858000"/>
-              <a:gd name="connsiteX37" fmla="*/ 4997261 w 6244272"/>
-              <a:gd name="connsiteY37" fmla="*/ 1657587 h 6858000"/>
-              <a:gd name="connsiteX38" fmla="*/ 4846074 w 6244272"/>
-              <a:gd name="connsiteY38" fmla="*/ 1849668 h 6858000"/>
-              <a:gd name="connsiteX39" fmla="*/ 4790832 w 6244272"/>
-              <a:gd name="connsiteY39" fmla="*/ 1903025 h 6858000"/>
-              <a:gd name="connsiteX40" fmla="*/ 4694886 w 6244272"/>
-              <a:gd name="connsiteY40" fmla="*/ 1984836 h 6858000"/>
-              <a:gd name="connsiteX41" fmla="*/ 4694886 w 6244272"/>
-              <a:gd name="connsiteY41" fmla="*/ 2013292 h 6858000"/>
-              <a:gd name="connsiteX42" fmla="*/ 4822814 w 6244272"/>
-              <a:gd name="connsiteY42" fmla="*/ 2102219 h 6858000"/>
-              <a:gd name="connsiteX43" fmla="*/ 5055411 w 6244272"/>
-              <a:gd name="connsiteY43" fmla="*/ 2077320 h 6858000"/>
-              <a:gd name="connsiteX44" fmla="*/ 4712331 w 6244272"/>
-              <a:gd name="connsiteY44" fmla="*/ 2208931 h 6858000"/>
-              <a:gd name="connsiteX45" fmla="*/ 5822979 w 6244272"/>
-              <a:gd name="connsiteY45" fmla="*/ 1892353 h 6858000"/>
-              <a:gd name="connsiteX46" fmla="*/ 5753200 w 6244272"/>
-              <a:gd name="connsiteY46" fmla="*/ 1974165 h 6858000"/>
-              <a:gd name="connsiteX47" fmla="*/ 5363601 w 6244272"/>
-              <a:gd name="connsiteY47" fmla="*/ 2191146 h 6858000"/>
-              <a:gd name="connsiteX48" fmla="*/ 5253118 w 6244272"/>
-              <a:gd name="connsiteY48" fmla="*/ 2326314 h 6858000"/>
-              <a:gd name="connsiteX49" fmla="*/ 5136819 w 6244272"/>
-              <a:gd name="connsiteY49" fmla="*/ 2401012 h 6858000"/>
-              <a:gd name="connsiteX50" fmla="*/ 4974002 w 6244272"/>
-              <a:gd name="connsiteY50" fmla="*/ 2401012 h 6858000"/>
-              <a:gd name="connsiteX51" fmla="*/ 4857704 w 6244272"/>
-              <a:gd name="connsiteY51" fmla="*/ 2518395 h 6858000"/>
-              <a:gd name="connsiteX52" fmla="*/ 4976910 w 6244272"/>
-              <a:gd name="connsiteY52" fmla="*/ 2543294 h 6858000"/>
-              <a:gd name="connsiteX53" fmla="*/ 5116467 w 6244272"/>
-              <a:gd name="connsiteY53" fmla="*/ 2525509 h 6858000"/>
-              <a:gd name="connsiteX54" fmla="*/ 5273470 w 6244272"/>
-              <a:gd name="connsiteY54" fmla="*/ 2564636 h 6858000"/>
-              <a:gd name="connsiteX55" fmla="*/ 5418843 w 6244272"/>
-              <a:gd name="connsiteY55" fmla="*/ 2532623 h 6858000"/>
-              <a:gd name="connsiteX56" fmla="*/ 5593290 w 6244272"/>
-              <a:gd name="connsiteY56" fmla="*/ 2553965 h 6858000"/>
-              <a:gd name="connsiteX57" fmla="*/ 5648532 w 6244272"/>
-              <a:gd name="connsiteY57" fmla="*/ 2692689 h 6858000"/>
-              <a:gd name="connsiteX58" fmla="*/ 5665976 w 6244272"/>
-              <a:gd name="connsiteY58" fmla="*/ 2703362 h 6858000"/>
-              <a:gd name="connsiteX59" fmla="*/ 5988704 w 6244272"/>
-              <a:gd name="connsiteY59" fmla="*/ 2923898 h 6858000"/>
-              <a:gd name="connsiteX60" fmla="*/ 6078835 w 6244272"/>
-              <a:gd name="connsiteY60" fmla="*/ 2941684 h 6858000"/>
-              <a:gd name="connsiteX61" fmla="*/ 5546771 w 6244272"/>
-              <a:gd name="connsiteY61" fmla="*/ 3329402 h 6858000"/>
-              <a:gd name="connsiteX62" fmla="*/ 5904388 w 6244272"/>
-              <a:gd name="connsiteY62" fmla="*/ 3229805 h 6858000"/>
-              <a:gd name="connsiteX63" fmla="*/ 5953814 w 6244272"/>
-              <a:gd name="connsiteY63" fmla="*/ 3393429 h 6858000"/>
-              <a:gd name="connsiteX64" fmla="*/ 5785182 w 6244272"/>
-              <a:gd name="connsiteY64" fmla="*/ 3539269 h 6858000"/>
-              <a:gd name="connsiteX65" fmla="*/ 5724125 w 6244272"/>
-              <a:gd name="connsiteY65" fmla="*/ 3827390 h 6858000"/>
-              <a:gd name="connsiteX66" fmla="*/ 5753200 w 6244272"/>
-              <a:gd name="connsiteY66" fmla="*/ 4090612 h 6858000"/>
-              <a:gd name="connsiteX67" fmla="*/ 5825886 w 6244272"/>
-              <a:gd name="connsiteY67" fmla="*/ 4172424 h 6858000"/>
-              <a:gd name="connsiteX68" fmla="*/ 5930554 w 6244272"/>
-              <a:gd name="connsiteY68" fmla="*/ 4321821 h 6858000"/>
-              <a:gd name="connsiteX69" fmla="*/ 5994519 w 6244272"/>
-              <a:gd name="connsiteY69" fmla="*/ 4414305 h 6858000"/>
-              <a:gd name="connsiteX70" fmla="*/ 6218393 w 6244272"/>
-              <a:gd name="connsiteY70" fmla="*/ 4378734 h 6858000"/>
-              <a:gd name="connsiteX71" fmla="*/ 5918925 w 6244272"/>
-              <a:gd name="connsiteY71" fmla="*/ 4613499 h 6858000"/>
-              <a:gd name="connsiteX72" fmla="*/ 6160243 w 6244272"/>
-              <a:gd name="connsiteY72" fmla="*/ 4585042 h 6858000"/>
-              <a:gd name="connsiteX73" fmla="*/ 6238745 w 6244272"/>
-              <a:gd name="connsiteY73" fmla="*/ 4602828 h 6858000"/>
-              <a:gd name="connsiteX74" fmla="*/ 6195133 w 6244272"/>
-              <a:gd name="connsiteY74" fmla="*/ 4677526 h 6858000"/>
-              <a:gd name="connsiteX75" fmla="*/ 6017778 w 6244272"/>
-              <a:gd name="connsiteY75" fmla="*/ 4805580 h 6858000"/>
-              <a:gd name="connsiteX76" fmla="*/ 5651439 w 6244272"/>
-              <a:gd name="connsiteY76" fmla="*/ 5154171 h 6858000"/>
-              <a:gd name="connsiteX77" fmla="*/ 6006149 w 6244272"/>
-              <a:gd name="connsiteY77" fmla="*/ 4994104 h 6858000"/>
-              <a:gd name="connsiteX78" fmla="*/ 5633994 w 6244272"/>
-              <a:gd name="connsiteY78" fmla="*/ 5353367 h 6858000"/>
-              <a:gd name="connsiteX79" fmla="*/ 5552586 w 6244272"/>
-              <a:gd name="connsiteY79" fmla="*/ 5474306 h 6858000"/>
-              <a:gd name="connsiteX80" fmla="*/ 5383953 w 6244272"/>
-              <a:gd name="connsiteY80" fmla="*/ 5769542 h 6858000"/>
-              <a:gd name="connsiteX81" fmla="*/ 5392675 w 6244272"/>
-              <a:gd name="connsiteY81" fmla="*/ 5801555 h 6858000"/>
-              <a:gd name="connsiteX82" fmla="*/ 5584568 w 6244272"/>
-              <a:gd name="connsiteY82" fmla="*/ 5755314 h 6858000"/>
-              <a:gd name="connsiteX83" fmla="*/ 5334526 w 6244272"/>
-              <a:gd name="connsiteY83" fmla="*/ 6004307 h 6858000"/>
-              <a:gd name="connsiteX84" fmla="*/ 5075763 w 6244272"/>
-              <a:gd name="connsiteY84" fmla="*/ 6196388 h 6858000"/>
-              <a:gd name="connsiteX85" fmla="*/ 5258933 w 6244272"/>
-              <a:gd name="connsiteY85" fmla="*/ 6167932 h 6858000"/>
-              <a:gd name="connsiteX86" fmla="*/ 5511881 w 6244272"/>
-              <a:gd name="connsiteY86" fmla="*/ 6057663 h 6858000"/>
-              <a:gd name="connsiteX87" fmla="*/ 5599105 w 6244272"/>
-              <a:gd name="connsiteY87" fmla="*/ 6100347 h 6858000"/>
-              <a:gd name="connsiteX88" fmla="*/ 5360693 w 6244272"/>
-              <a:gd name="connsiteY88" fmla="*/ 6281757 h 6858000"/>
-              <a:gd name="connsiteX89" fmla="*/ 5224043 w 6244272"/>
-              <a:gd name="connsiteY89" fmla="*/ 6367127 h 6858000"/>
-              <a:gd name="connsiteX90" fmla="*/ 5168801 w 6244272"/>
-              <a:gd name="connsiteY90" fmla="*/ 6431153 h 6858000"/>
-              <a:gd name="connsiteX91" fmla="*/ 5011799 w 6244272"/>
-              <a:gd name="connsiteY91" fmla="*/ 6658805 h 6858000"/>
-              <a:gd name="connsiteX92" fmla="*/ 4651275 w 6244272"/>
-              <a:gd name="connsiteY92" fmla="*/ 6858000 h 6858000"/>
-              <a:gd name="connsiteX93" fmla="*/ 1823619 w 6244272"/>
-              <a:gd name="connsiteY93" fmla="*/ 6858000 h 6858000"/>
-              <a:gd name="connsiteX94" fmla="*/ 947849 w 6244272"/>
-              <a:gd name="connsiteY94" fmla="*/ 6858000 h 6858000"/>
-              <a:gd name="connsiteX95" fmla="*/ 732568 w 6244272"/>
-              <a:gd name="connsiteY95" fmla="*/ 6858000 h 6858000"/>
-              <a:gd name="connsiteX96" fmla="*/ 0 w 6244272"/>
-              <a:gd name="connsiteY96" fmla="*/ 6858000 h 6858000"/>
-            </a:gdLst>
-            <a:ahLst/>
-            <a:cxnLst>
-              <a:cxn ang="0">
-                <a:pos x="connsiteX0" y="connsiteY0"/>
-              </a:cxn>
-              <a:cxn ang="0">
-                <a:pos x="connsiteX1" y="connsiteY1"/>
-              </a:cxn>
-              <a:cxn ang="0">
-                <a:pos x="connsiteX2" y="connsiteY2"/>
-              </a:cxn>
-              <a:cxn ang="0">
-                <a:pos x="connsiteX3" y="connsiteY3"/>
-              </a:cxn>
-              <a:cxn ang="0">
-                <a:pos x="connsiteX4" y="connsiteY4"/>
-              </a:cxn>
-              <a:cxn ang="0">
-                <a:pos x="connsiteX5" y="connsiteY5"/>
-              </a:cxn>
-              <a:cxn ang="0">
-                <a:pos x="connsiteX6" y="connsiteY6"/>
-              </a:cxn>
-              <a:cxn ang="0">
-                <a:pos x="connsiteX7" y="connsiteY7"/>
-              </a:cxn>
-              <a:cxn ang="0">
-                <a:pos x="connsiteX8" y="connsiteY8"/>
-              </a:cxn>
-              <a:cxn ang="0">
-                <a:pos x="connsiteX9" y="connsiteY9"/>
-              </a:cxn>
-              <a:cxn ang="0">
-                <a:pos x="connsiteX10" y="connsiteY10"/>
-              </a:cxn>
-              <a:cxn ang="0">
-                <a:pos x="connsiteX11" y="connsiteY11"/>
-              </a:cxn>
-              <a:cxn ang="0">
-                <a:pos x="connsiteX12" y="connsiteY12"/>
-              </a:cxn>
-              <a:cxn ang="0">
-                <a:pos x="connsiteX13" y="connsiteY13"/>
-              </a:cxn>
-              <a:cxn ang="0">
-                <a:pos x="connsiteX14" y="connsiteY14"/>
-              </a:cxn>
-              <a:cxn ang="0">
-                <a:pos x="connsiteX15" y="connsiteY15"/>
-              </a:cxn>
-              <a:cxn ang="0">
-                <a:pos x="connsiteX16" y="connsiteY16"/>
-              </a:cxn>
-              <a:cxn ang="0">
-                <a:pos x="connsiteX17" y="connsiteY17"/>
-              </a:cxn>
-              <a:cxn ang="0">
-                <a:pos x="connsiteX18" y="connsiteY18"/>
-              </a:cxn>
-              <a:cxn ang="0">
-                <a:pos x="connsiteX19" y="connsiteY19"/>
-              </a:cxn>
-              <a:cxn ang="0">
-                <a:pos x="connsiteX20" y="connsiteY20"/>
-              </a:cxn>
-              <a:cxn ang="0">
-                <a:pos x="connsiteX21" y="connsiteY21"/>
-              </a:cxn>
-              <a:cxn ang="0">
-                <a:pos x="connsiteX22" y="connsiteY22"/>
-              </a:cxn>
-              <a:cxn ang="0">
-                <a:pos x="connsiteX23" y="connsiteY23"/>
-              </a:cxn>
-              <a:cxn ang="0">
-                <a:pos x="connsiteX24" y="connsiteY24"/>
-              </a:cxn>
-              <a:cxn ang="0">
-                <a:pos x="connsiteX25" y="connsiteY25"/>
-              </a:cxn>
-              <a:cxn ang="0">
-                <a:pos x="connsiteX26" y="connsiteY26"/>
-              </a:cxn>
-              <a:cxn ang="0">
-                <a:pos x="connsiteX27" y="connsiteY27"/>
-              </a:cxn>
-              <a:cxn ang="0">
-                <a:pos x="connsiteX28" y="connsiteY28"/>
-              </a:cxn>
-              <a:cxn ang="0">
-                <a:pos x="connsiteX29" y="connsiteY29"/>
-              </a:cxn>
-              <a:cxn ang="0">
-                <a:pos x="connsiteX30" y="connsiteY30"/>
-              </a:cxn>
-              <a:cxn ang="0">
-                <a:pos x="connsiteX31" y="connsiteY31"/>
-              </a:cxn>
-              <a:cxn ang="0">
-                <a:pos x="connsiteX32" y="connsiteY32"/>
-              </a:cxn>
-              <a:cxn ang="0">
-                <a:pos x="connsiteX33" y="connsiteY33"/>
-              </a:cxn>
-              <a:cxn ang="0">
-                <a:pos x="connsiteX34" y="connsiteY34"/>
-              </a:cxn>
-              <a:cxn ang="0">
-                <a:pos x="connsiteX35" y="connsiteY35"/>
-              </a:cxn>
-              <a:cxn ang="0">
-                <a:pos x="connsiteX36" y="connsiteY36"/>
-              </a:cxn>
-              <a:cxn ang="0">
-                <a:pos x="connsiteX37" y="connsiteY37"/>
-              </a:cxn>
-              <a:cxn ang="0">
-                <a:pos x="connsiteX38" y="connsiteY38"/>
-              </a:cxn>
-              <a:cxn ang="0">
-                <a:pos x="connsiteX39" y="connsiteY39"/>
-              </a:cxn>
-              <a:cxn ang="0">
-                <a:pos x="connsiteX40" y="connsiteY40"/>
-              </a:cxn>
-              <a:cxn ang="0">
-                <a:pos x="connsiteX41" y="connsiteY41"/>
-              </a:cxn>
-              <a:cxn ang="0">
-                <a:pos x="connsiteX42" y="connsiteY42"/>
-              </a:cxn>
-              <a:cxn ang="0">
-                <a:pos x="connsiteX43" y="connsiteY43"/>
-              </a:cxn>
-              <a:cxn ang="0">
-                <a:pos x="connsiteX44" y="connsiteY44"/>
-              </a:cxn>
-              <a:cxn ang="0">
-                <a:pos x="connsiteX45" y="connsiteY45"/>
-              </a:cxn>
-              <a:cxn ang="0">
-                <a:pos x="connsiteX46" y="connsiteY46"/>
-              </a:cxn>
-              <a:cxn ang="0">
-                <a:pos x="connsiteX47" y="connsiteY47"/>
-              </a:cxn>
-              <a:cxn ang="0">
-                <a:pos x="connsiteX48" y="connsiteY48"/>
-              </a:cxn>
-              <a:cxn ang="0">
-                <a:pos x="connsiteX49" y="connsiteY49"/>
-              </a:cxn>
-              <a:cxn ang="0">
-                <a:pos x="connsiteX50" y="connsiteY50"/>
-              </a:cxn>
-              <a:cxn ang="0">
-                <a:pos x="connsiteX51" y="connsiteY51"/>
-              </a:cxn>
-              <a:cxn ang="0">
-                <a:pos x="connsiteX52" y="connsiteY52"/>
-              </a:cxn>
-              <a:cxn ang="0">
-                <a:pos x="connsiteX53" y="connsiteY53"/>
-              </a:cxn>
-              <a:cxn ang="0">
-                <a:pos x="connsiteX54" y="connsiteY54"/>
-              </a:cxn>
-              <a:cxn ang="0">
-                <a:pos x="connsiteX55" y="connsiteY55"/>
-              </a:cxn>
-              <a:cxn ang="0">
-                <a:pos x="connsiteX56" y="connsiteY56"/>
-              </a:cxn>
-              <a:cxn ang="0">
-                <a:pos x="connsiteX57" y="connsiteY57"/>
-              </a:cxn>
-              <a:cxn ang="0">
-                <a:pos x="connsiteX58" y="connsiteY58"/>
-              </a:cxn>
-              <a:cxn ang="0">
-                <a:pos x="connsiteX59" y="connsiteY59"/>
-              </a:cxn>
-              <a:cxn ang="0">
-                <a:pos x="connsiteX60" y="connsiteY60"/>
-              </a:cxn>
-              <a:cxn ang="0">
-                <a:pos x="connsiteX61" y="connsiteY61"/>
-              </a:cxn>
-              <a:cxn ang="0">
-                <a:pos x="connsiteX62" y="connsiteY62"/>
-              </a:cxn>
-              <a:cxn ang="0">
-                <a:pos x="connsiteX63" y="connsiteY63"/>
-              </a:cxn>
-              <a:cxn ang="0">
-                <a:pos x="connsiteX64" y="connsiteY64"/>
-              </a:cxn>
-              <a:cxn ang="0">
-                <a:pos x="connsiteX65" y="connsiteY65"/>
-              </a:cxn>
-              <a:cxn ang="0">
-                <a:pos x="connsiteX66" y="connsiteY66"/>
-              </a:cxn>
-              <a:cxn ang="0">
-                <a:pos x="connsiteX67" y="connsiteY67"/>
-              </a:cxn>
-              <a:cxn ang="0">
-                <a:pos x="connsiteX68" y="connsiteY68"/>
-              </a:cxn>
-              <a:cxn ang="0">
-                <a:pos x="connsiteX69" y="connsiteY69"/>
-              </a:cxn>
-              <a:cxn ang="0">
-                <a:pos x="connsiteX70" y="connsiteY70"/>
-              </a:cxn>
-              <a:cxn ang="0">
-                <a:pos x="connsiteX71" y="connsiteY71"/>
-              </a:cxn>
-              <a:cxn ang="0">
-                <a:pos x="connsiteX72" y="connsiteY72"/>
-              </a:cxn>
-              <a:cxn ang="0">
-                <a:pos x="connsiteX73" y="connsiteY73"/>
-              </a:cxn>
-              <a:cxn ang="0">
-                <a:pos x="connsiteX74" y="connsiteY74"/>
-              </a:cxn>
-              <a:cxn ang="0">
-                <a:pos x="connsiteX75" y="connsiteY75"/>
-              </a:cxn>
-              <a:cxn ang="0">
-                <a:pos x="connsiteX76" y="connsiteY76"/>
-              </a:cxn>
-              <a:cxn ang="0">
-                <a:pos x="connsiteX77" y="connsiteY77"/>
-              </a:cxn>
-              <a:cxn ang="0">
-                <a:pos x="connsiteX78" y="connsiteY78"/>
-              </a:cxn>
-              <a:cxn ang="0">
-                <a:pos x="connsiteX79" y="connsiteY79"/>
-              </a:cxn>
-              <a:cxn ang="0">
-                <a:pos x="connsiteX80" y="connsiteY80"/>
-              </a:cxn>
-              <a:cxn ang="0">
-                <a:pos x="connsiteX81" y="connsiteY81"/>
-              </a:cxn>
-              <a:cxn ang="0">
-                <a:pos x="connsiteX82" y="connsiteY82"/>
-              </a:cxn>
-              <a:cxn ang="0">
-                <a:pos x="connsiteX83" y="connsiteY83"/>
-              </a:cxn>
-              <a:cxn ang="0">
-                <a:pos x="connsiteX84" y="connsiteY84"/>
-              </a:cxn>
-              <a:cxn ang="0">
-                <a:pos x="connsiteX85" y="connsiteY85"/>
-              </a:cxn>
-              <a:cxn ang="0">
-                <a:pos x="connsiteX86" y="connsiteY86"/>
-              </a:cxn>
-              <a:cxn ang="0">
-                <a:pos x="connsiteX87" y="connsiteY87"/>
-              </a:cxn>
-              <a:cxn ang="0">
-                <a:pos x="connsiteX88" y="connsiteY88"/>
-              </a:cxn>
-              <a:cxn ang="0">
-                <a:pos x="connsiteX89" y="connsiteY89"/>
-              </a:cxn>
-              <a:cxn ang="0">
-                <a:pos x="connsiteX90" y="connsiteY90"/>
-              </a:cxn>
-              <a:cxn ang="0">
-                <a:pos x="connsiteX91" y="connsiteY91"/>
-              </a:cxn>
-              <a:cxn ang="0">
-                <a:pos x="connsiteX92" y="connsiteY92"/>
-              </a:cxn>
-              <a:cxn ang="0">
-                <a:pos x="connsiteX93" y="connsiteY93"/>
-              </a:cxn>
-              <a:cxn ang="0">
-                <a:pos x="connsiteX94" y="connsiteY94"/>
-              </a:cxn>
-              <a:cxn ang="0">
-                <a:pos x="connsiteX95" y="connsiteY95"/>
-              </a:cxn>
-              <a:cxn ang="0">
-                <a:pos x="connsiteX96" y="connsiteY96"/>
-              </a:cxn>
-            </a:cxnLst>
-            <a:rect l="l" t="t" r="r" b="b"/>
-            <a:pathLst>
-              <a:path w="6244272" h="6858000">
-                <a:moveTo>
-                  <a:pt x="0" y="0"/>
-                </a:moveTo>
-                <a:lnTo>
-                  <a:pt x="732568" y="0"/>
-                </a:lnTo>
-                <a:lnTo>
-                  <a:pt x="947849" y="0"/>
-                </a:lnTo>
-                <a:lnTo>
-                  <a:pt x="1823619" y="0"/>
-                </a:lnTo>
-                <a:lnTo>
-                  <a:pt x="5235673" y="0"/>
-                </a:lnTo>
-                <a:cubicBezTo>
-                  <a:pt x="5133912" y="35571"/>
-                  <a:pt x="5035058" y="78255"/>
-                  <a:pt x="4933297" y="110269"/>
-                </a:cubicBezTo>
-                <a:cubicBezTo>
-                  <a:pt x="4947835" y="145839"/>
-                  <a:pt x="4962372" y="138725"/>
-                  <a:pt x="4976910" y="135168"/>
-                </a:cubicBezTo>
-                <a:cubicBezTo>
-                  <a:pt x="5064133" y="120941"/>
-                  <a:pt x="5154264" y="110269"/>
-                  <a:pt x="5238580" y="71141"/>
-                </a:cubicBezTo>
-                <a:cubicBezTo>
-                  <a:pt x="5258933" y="64027"/>
-                  <a:pt x="5282192" y="64027"/>
-                  <a:pt x="5290914" y="88927"/>
-                </a:cubicBezTo>
-                <a:cubicBezTo>
-                  <a:pt x="5305452" y="124497"/>
-                  <a:pt x="5285100" y="145839"/>
-                  <a:pt x="5264747" y="163625"/>
-                </a:cubicBezTo>
-                <a:cubicBezTo>
-                  <a:pt x="5229858" y="195638"/>
-                  <a:pt x="5189154" y="188525"/>
-                  <a:pt x="5151357" y="192082"/>
-                </a:cubicBezTo>
-                <a:cubicBezTo>
-                  <a:pt x="5046689" y="209867"/>
-                  <a:pt x="4997261" y="259665"/>
-                  <a:pt x="4974002" y="373491"/>
-                </a:cubicBezTo>
-                <a:cubicBezTo>
-                  <a:pt x="5064133" y="327250"/>
-                  <a:pt x="5154264" y="384162"/>
-                  <a:pt x="5241488" y="352148"/>
-                </a:cubicBezTo>
-                <a:cubicBezTo>
-                  <a:pt x="5264747" y="345034"/>
-                  <a:pt x="5299637" y="355706"/>
-                  <a:pt x="5288007" y="394834"/>
-                </a:cubicBezTo>
-                <a:cubicBezTo>
-                  <a:pt x="5276378" y="430405"/>
-                  <a:pt x="5238580" y="458860"/>
-                  <a:pt x="5305452" y="451747"/>
-                </a:cubicBezTo>
-                <a:cubicBezTo>
-                  <a:pt x="5354879" y="448189"/>
-                  <a:pt x="5369416" y="405504"/>
-                  <a:pt x="5383953" y="359262"/>
-                </a:cubicBezTo>
-                <a:cubicBezTo>
-                  <a:pt x="5395583" y="334364"/>
-                  <a:pt x="5427565" y="320135"/>
-                  <a:pt x="5450825" y="334364"/>
-                </a:cubicBezTo>
-                <a:cubicBezTo>
-                  <a:pt x="5479899" y="348592"/>
-                  <a:pt x="5471177" y="387720"/>
-                  <a:pt x="5471177" y="416176"/>
-                </a:cubicBezTo>
-                <a:cubicBezTo>
-                  <a:pt x="5474085" y="469532"/>
-                  <a:pt x="5450825" y="494431"/>
-                  <a:pt x="5410121" y="505101"/>
-                </a:cubicBezTo>
-                <a:cubicBezTo>
-                  <a:pt x="5360693" y="519330"/>
-                  <a:pt x="5311267" y="537116"/>
-                  <a:pt x="5247303" y="558458"/>
-                </a:cubicBezTo>
-                <a:cubicBezTo>
-                  <a:pt x="5317082" y="594028"/>
-                  <a:pt x="5369416" y="586915"/>
-                  <a:pt x="5421750" y="558458"/>
-                </a:cubicBezTo>
-                <a:cubicBezTo>
-                  <a:pt x="5485714" y="526444"/>
-                  <a:pt x="5570030" y="483759"/>
-                  <a:pt x="5622364" y="522887"/>
-                </a:cubicBezTo>
-                <a:cubicBezTo>
-                  <a:pt x="5700865" y="579800"/>
-                  <a:pt x="5764829" y="544229"/>
-                  <a:pt x="5834608" y="533558"/>
-                </a:cubicBezTo>
-                <a:cubicBezTo>
-                  <a:pt x="5979982" y="512216"/>
-                  <a:pt x="5889850" y="480203"/>
-                  <a:pt x="6035223" y="462417"/>
-                </a:cubicBezTo>
-                <a:cubicBezTo>
-                  <a:pt x="6093372" y="455303"/>
-                  <a:pt x="6154429" y="426847"/>
-                  <a:pt x="6238745" y="465975"/>
-                </a:cubicBezTo>
-                <a:cubicBezTo>
-                  <a:pt x="5857868" y="672284"/>
-                  <a:pt x="5677606" y="658055"/>
-                  <a:pt x="5337434" y="910606"/>
-                </a:cubicBezTo>
-                <a:cubicBezTo>
-                  <a:pt x="5351971" y="935506"/>
-                  <a:pt x="5366508" y="924835"/>
-                  <a:pt x="5381046" y="921277"/>
-                </a:cubicBezTo>
-                <a:cubicBezTo>
-                  <a:pt x="5404305" y="917720"/>
-                  <a:pt x="5433380" y="903491"/>
-                  <a:pt x="5439195" y="949734"/>
-                </a:cubicBezTo>
-                <a:cubicBezTo>
-                  <a:pt x="5442103" y="985305"/>
-                  <a:pt x="5424657" y="1003089"/>
-                  <a:pt x="5395583" y="1006647"/>
-                </a:cubicBezTo>
-                <a:cubicBezTo>
-                  <a:pt x="5311267" y="1020875"/>
-                  <a:pt x="5235673" y="1070674"/>
-                  <a:pt x="5160079" y="1113358"/>
-                </a:cubicBezTo>
-                <a:cubicBezTo>
-                  <a:pt x="5125190" y="1131144"/>
-                  <a:pt x="5087393" y="1156043"/>
-                  <a:pt x="5101930" y="1220069"/>
-                </a:cubicBezTo>
-                <a:cubicBezTo>
-                  <a:pt x="5131004" y="1237855"/>
-                  <a:pt x="5151357" y="1212955"/>
-                  <a:pt x="5174617" y="1209399"/>
-                </a:cubicBezTo>
-                <a:cubicBezTo>
-                  <a:pt x="5197876" y="1205842"/>
-                  <a:pt x="5253118" y="1220069"/>
-                  <a:pt x="5238580" y="1230741"/>
-                </a:cubicBezTo>
-                <a:cubicBezTo>
-                  <a:pt x="5171709" y="1269868"/>
-                  <a:pt x="5293822" y="1365909"/>
-                  <a:pt x="5212414" y="1365909"/>
-                </a:cubicBezTo>
-                <a:cubicBezTo>
-                  <a:pt x="5078671" y="1365909"/>
-                  <a:pt x="5005984" y="1536647"/>
-                  <a:pt x="4878056" y="1540204"/>
-                </a:cubicBezTo>
-                <a:cubicBezTo>
-                  <a:pt x="4857704" y="1540204"/>
-                  <a:pt x="4848982" y="1572219"/>
-                  <a:pt x="4848982" y="1597117"/>
-                </a:cubicBezTo>
-                <a:cubicBezTo>
-                  <a:pt x="4848982" y="1629132"/>
-                  <a:pt x="4869333" y="1632688"/>
-                  <a:pt x="4889686" y="1636245"/>
-                </a:cubicBezTo>
-                <a:cubicBezTo>
-                  <a:pt x="4921668" y="1639802"/>
-                  <a:pt x="4956557" y="1597117"/>
-                  <a:pt x="4997261" y="1657587"/>
-                </a:cubicBezTo>
-                <a:cubicBezTo>
-                  <a:pt x="4921668" y="1693158"/>
-                  <a:pt x="4843167" y="1728729"/>
-                  <a:pt x="4846074" y="1849668"/>
-                </a:cubicBezTo>
-                <a:cubicBezTo>
-                  <a:pt x="4846074" y="1881683"/>
-                  <a:pt x="4814092" y="1895910"/>
-                  <a:pt x="4790832" y="1903025"/>
-                </a:cubicBezTo>
-                <a:cubicBezTo>
-                  <a:pt x="4750128" y="1917252"/>
-                  <a:pt x="4718146" y="1938595"/>
-                  <a:pt x="4694886" y="1984836"/>
-                </a:cubicBezTo>
-                <a:cubicBezTo>
-                  <a:pt x="4694886" y="1995507"/>
-                  <a:pt x="4694886" y="2002622"/>
-                  <a:pt x="4694886" y="2013292"/>
-                </a:cubicBezTo>
-                <a:cubicBezTo>
-                  <a:pt x="4700701" y="2123562"/>
-                  <a:pt x="4758850" y="2120004"/>
-                  <a:pt x="4822814" y="2102219"/>
-                </a:cubicBezTo>
-                <a:cubicBezTo>
-                  <a:pt x="4898408" y="2080877"/>
-                  <a:pt x="4974002" y="2038192"/>
-                  <a:pt x="5055411" y="2077320"/>
-                </a:cubicBezTo>
-                <a:cubicBezTo>
-                  <a:pt x="4942020" y="2130676"/>
-                  <a:pt x="4817000" y="2134233"/>
-                  <a:pt x="4712331" y="2208931"/>
-                </a:cubicBezTo>
-                <a:cubicBezTo>
-                  <a:pt x="5101930" y="2223159"/>
-                  <a:pt x="5445010" y="1984836"/>
-                  <a:pt x="5822979" y="1892353"/>
-                </a:cubicBezTo>
-                <a:cubicBezTo>
-                  <a:pt x="5811349" y="1952823"/>
-                  <a:pt x="5779367" y="1967051"/>
-                  <a:pt x="5753200" y="1974165"/>
-                </a:cubicBezTo>
-                <a:cubicBezTo>
-                  <a:pt x="5613642" y="2020407"/>
-                  <a:pt x="5491529" y="2112891"/>
-                  <a:pt x="5363601" y="2191146"/>
-                </a:cubicBezTo>
-                <a:cubicBezTo>
-                  <a:pt x="5311267" y="2223159"/>
-                  <a:pt x="5273470" y="2258731"/>
-                  <a:pt x="5253118" y="2326314"/>
-                </a:cubicBezTo>
-                <a:cubicBezTo>
-                  <a:pt x="5235673" y="2390340"/>
-                  <a:pt x="5200783" y="2418796"/>
-                  <a:pt x="5136819" y="2401012"/>
-                </a:cubicBezTo>
-                <a:cubicBezTo>
-                  <a:pt x="5084485" y="2386784"/>
-                  <a:pt x="5029243" y="2393898"/>
-                  <a:pt x="4974002" y="2401012"/>
-                </a:cubicBezTo>
-                <a:cubicBezTo>
-                  <a:pt x="4912946" y="2408126"/>
-                  <a:pt x="4843167" y="2479267"/>
-                  <a:pt x="4857704" y="2518395"/>
-                </a:cubicBezTo>
-                <a:cubicBezTo>
-                  <a:pt x="4886778" y="2582422"/>
-                  <a:pt x="4936205" y="2550408"/>
-                  <a:pt x="4976910" y="2543294"/>
-                </a:cubicBezTo>
-                <a:cubicBezTo>
-                  <a:pt x="5026336" y="2536181"/>
-                  <a:pt x="5116467" y="2518395"/>
-                  <a:pt x="5116467" y="2525509"/>
-                </a:cubicBezTo>
-                <a:cubicBezTo>
-                  <a:pt x="5148450" y="2685576"/>
-                  <a:pt x="5221136" y="2564636"/>
-                  <a:pt x="5273470" y="2564636"/>
-                </a:cubicBezTo>
-                <a:cubicBezTo>
-                  <a:pt x="5322897" y="2564636"/>
-                  <a:pt x="5372323" y="2546851"/>
-                  <a:pt x="5418843" y="2532623"/>
-                </a:cubicBezTo>
-                <a:cubicBezTo>
-                  <a:pt x="5479899" y="2514837"/>
-                  <a:pt x="5535140" y="2546851"/>
-                  <a:pt x="5593290" y="2553965"/>
-                </a:cubicBezTo>
-                <a:cubicBezTo>
-                  <a:pt x="5645624" y="2561080"/>
-                  <a:pt x="5616550" y="2653563"/>
-                  <a:pt x="5648532" y="2692689"/>
-                </a:cubicBezTo>
-                <a:cubicBezTo>
-                  <a:pt x="5654346" y="2703362"/>
-                  <a:pt x="5660161" y="2703362"/>
-                  <a:pt x="5665976" y="2703362"/>
-                </a:cubicBezTo>
-                <a:cubicBezTo>
-                  <a:pt x="5683421" y="2980812"/>
-                  <a:pt x="5988704" y="2913227"/>
-                  <a:pt x="5988704" y="2923898"/>
-                </a:cubicBezTo>
-                <a:cubicBezTo>
-                  <a:pt x="6014871" y="2941684"/>
-                  <a:pt x="6046853" y="2899000"/>
-                  <a:pt x="6078835" y="2941684"/>
-                </a:cubicBezTo>
-                <a:cubicBezTo>
-                  <a:pt x="5942185" y="3137322"/>
-                  <a:pt x="5732847" y="3183563"/>
-                  <a:pt x="5546771" y="3329402"/>
-                </a:cubicBezTo>
-                <a:cubicBezTo>
-                  <a:pt x="5700865" y="3379202"/>
-                  <a:pt x="5790997" y="3208463"/>
-                  <a:pt x="5904388" y="3229805"/>
-                </a:cubicBezTo>
-                <a:cubicBezTo>
-                  <a:pt x="5959629" y="3283162"/>
-                  <a:pt x="5793904" y="3368530"/>
-                  <a:pt x="5953814" y="3393429"/>
-                </a:cubicBezTo>
-                <a:cubicBezTo>
-                  <a:pt x="5884036" y="3439672"/>
-                  <a:pt x="5834608" y="3485914"/>
-                  <a:pt x="5785182" y="3539269"/>
-                </a:cubicBezTo>
-                <a:cubicBezTo>
-                  <a:pt x="5700865" y="3635309"/>
-                  <a:pt x="5683421" y="3699337"/>
-                  <a:pt x="5724125" y="3827390"/>
-                </a:cubicBezTo>
-                <a:cubicBezTo>
-                  <a:pt x="5750293" y="3912759"/>
-                  <a:pt x="5788089" y="3991015"/>
-                  <a:pt x="5753200" y="4090612"/>
-                </a:cubicBezTo>
-                <a:cubicBezTo>
-                  <a:pt x="5729940" y="4158196"/>
-                  <a:pt x="5738663" y="4204438"/>
-                  <a:pt x="5825886" y="4172424"/>
-                </a:cubicBezTo>
-                <a:cubicBezTo>
-                  <a:pt x="5918925" y="4140411"/>
-                  <a:pt x="5953814" y="4200882"/>
-                  <a:pt x="5930554" y="4321821"/>
-                </a:cubicBezTo>
-                <a:cubicBezTo>
-                  <a:pt x="5916018" y="4400076"/>
-                  <a:pt x="5930554" y="4424975"/>
-                  <a:pt x="5994519" y="4414305"/>
-                </a:cubicBezTo>
-                <a:cubicBezTo>
-                  <a:pt x="6064297" y="4403633"/>
-                  <a:pt x="6131169" y="4353835"/>
-                  <a:pt x="6218393" y="4378734"/>
-                </a:cubicBezTo>
-                <a:cubicBezTo>
-                  <a:pt x="6148614" y="4521016"/>
-                  <a:pt x="6000333" y="4478331"/>
-                  <a:pt x="5918925" y="4613499"/>
-                </a:cubicBezTo>
-                <a:cubicBezTo>
-                  <a:pt x="6014871" y="4613499"/>
-                  <a:pt x="6090465" y="4613499"/>
-                  <a:pt x="6160243" y="4585042"/>
-                </a:cubicBezTo>
-                <a:cubicBezTo>
-                  <a:pt x="6189318" y="4574373"/>
-                  <a:pt x="6221300" y="4560144"/>
-                  <a:pt x="6238745" y="4602828"/>
-                </a:cubicBezTo>
-                <a:cubicBezTo>
-                  <a:pt x="6259098" y="4652628"/>
-                  <a:pt x="6218393" y="4670412"/>
-                  <a:pt x="6195133" y="4677526"/>
-                </a:cubicBezTo>
-                <a:cubicBezTo>
-                  <a:pt x="6128261" y="4702425"/>
-                  <a:pt x="6075928" y="4759339"/>
-                  <a:pt x="6017778" y="4805580"/>
-                </a:cubicBezTo>
-                <a:cubicBezTo>
-                  <a:pt x="5892758" y="4905177"/>
-                  <a:pt x="5756107" y="4990547"/>
-                  <a:pt x="5651439" y="5154171"/>
-                </a:cubicBezTo>
-                <a:cubicBezTo>
-                  <a:pt x="5782275" y="5111487"/>
-                  <a:pt x="5881128" y="5011889"/>
-                  <a:pt x="6006149" y="4994104"/>
-                </a:cubicBezTo>
-                <a:cubicBezTo>
-                  <a:pt x="5898572" y="5143500"/>
-                  <a:pt x="5761922" y="5243097"/>
-                  <a:pt x="5633994" y="5353367"/>
-                </a:cubicBezTo>
-                <a:cubicBezTo>
-                  <a:pt x="5596197" y="5385379"/>
-                  <a:pt x="5558400" y="5406721"/>
-                  <a:pt x="5552586" y="5474306"/>
-                </a:cubicBezTo>
-                <a:cubicBezTo>
-                  <a:pt x="5535140" y="5605917"/>
-                  <a:pt x="5488622" y="5712629"/>
-                  <a:pt x="5383953" y="5769542"/>
-                </a:cubicBezTo>
-                <a:cubicBezTo>
-                  <a:pt x="5383953" y="5769542"/>
-                  <a:pt x="5389768" y="5790884"/>
-                  <a:pt x="5392675" y="5801555"/>
-                </a:cubicBezTo>
-                <a:cubicBezTo>
-                  <a:pt x="5456640" y="5805112"/>
-                  <a:pt x="5506066" y="5726858"/>
-                  <a:pt x="5584568" y="5755314"/>
-                </a:cubicBezTo>
-                <a:cubicBezTo>
-                  <a:pt x="5506066" y="5862025"/>
-                  <a:pt x="5442103" y="5954508"/>
-                  <a:pt x="5334526" y="6004307"/>
-                </a:cubicBezTo>
-                <a:cubicBezTo>
-                  <a:pt x="5247303" y="6043434"/>
-                  <a:pt x="5139727" y="6068335"/>
-                  <a:pt x="5075763" y="6196388"/>
-                </a:cubicBezTo>
-                <a:cubicBezTo>
-                  <a:pt x="5148450" y="6221287"/>
-                  <a:pt x="5203691" y="6189274"/>
-                  <a:pt x="5258933" y="6167932"/>
-                </a:cubicBezTo>
-                <a:cubicBezTo>
-                  <a:pt x="5343249" y="6132361"/>
-                  <a:pt x="5427565" y="6093234"/>
-                  <a:pt x="5511881" y="6057663"/>
-                </a:cubicBezTo>
-                <a:cubicBezTo>
-                  <a:pt x="5543864" y="6043434"/>
-                  <a:pt x="5578753" y="6036320"/>
-                  <a:pt x="5599105" y="6100347"/>
-                </a:cubicBezTo>
-                <a:cubicBezTo>
-                  <a:pt x="5491529" y="6114575"/>
-                  <a:pt x="5427565" y="6199945"/>
-                  <a:pt x="5360693" y="6281757"/>
-                </a:cubicBezTo>
-                <a:cubicBezTo>
-                  <a:pt x="5322897" y="6327999"/>
-                  <a:pt x="5290914" y="6388469"/>
-                  <a:pt x="5224043" y="6367127"/>
-                </a:cubicBezTo>
-                <a:cubicBezTo>
-                  <a:pt x="5189154" y="6356456"/>
-                  <a:pt x="5165894" y="6388469"/>
-                  <a:pt x="5168801" y="6431153"/>
-                </a:cubicBezTo>
-                <a:cubicBezTo>
-                  <a:pt x="5183339" y="6580550"/>
-                  <a:pt x="5099022" y="6630349"/>
-                  <a:pt x="5011799" y="6658805"/>
-                </a:cubicBezTo>
-                <a:cubicBezTo>
-                  <a:pt x="4883871" y="6701489"/>
-                  <a:pt x="4770480" y="6786859"/>
-                  <a:pt x="4651275" y="6858000"/>
-                </a:cubicBezTo>
-                <a:lnTo>
-                  <a:pt x="1823619" y="6858000"/>
-                </a:lnTo>
-                <a:lnTo>
-                  <a:pt x="947849" y="6858000"/>
-                </a:lnTo>
-                <a:lnTo>
-                  <a:pt x="732568" y="6858000"/>
-                </a:lnTo>
-                <a:lnTo>
-                  <a:pt x="0" y="6858000"/>
-                </a:lnTo>
-                <a:close/>
-              </a:path>
-            </a:pathLst>
-          </a:custGeom>
-          <a:ln>
-            <a:noFill/>
-          </a:ln>
-        </p:spPr>
-        <p:style>
-          <a:lnRef idx="2">
-            <a:schemeClr val="accent1">
-              <a:shade val="50000"/>
-            </a:schemeClr>
-          </a:lnRef>
-          <a:fillRef idx="1">
-            <a:schemeClr val="accent1"/>
-          </a:fillRef>
-          <a:effectRef idx="0">
-            <a:schemeClr val="accent1"/>
-          </a:effectRef>
-          <a:fontRef idx="minor">
-            <a:schemeClr val="lt1"/>
-          </a:fontRef>
-        </p:style>
-        <p:txBody>
-          <a:bodyPr wrap="square" rtlCol="0" anchor="ctr">
-            <a:noAutofit/>
-          </a:bodyPr>
-          <a:lstStyle/>
-          <a:p>
-            <a:pPr algn="ctr"/>
-            <a:endParaRPr lang="en-US"/>
-          </a:p>
-        </p:txBody>
-      </p:sp>
-      <p:sp>
-        <p:nvSpPr>
-          <p:cNvPr id="6" name="Título 1">
-            <a:extLst>
-              <a:ext uri="{FF2B5EF4-FFF2-40B4-BE49-F238E27FC236}">
-                <a16:creationId xmlns:a16="http://schemas.microsoft.com/office/drawing/2014/main" id="{37C32B5C-8990-4542-B8E4-9388203F0E5F}"/>
-              </a:ext>
-            </a:extLst>
-          </p:cNvPr>
-          <p:cNvSpPr>
-            <a:spLocks noGrp="1"/>
-          </p:cNvSpPr>
-          <p:nvPr>
-            <p:ph type="title"/>
-          </p:nvPr>
-        </p:nvSpPr>
-        <p:spPr>
-          <a:xfrm>
-            <a:off x="643468" y="3159889"/>
-            <a:ext cx="3992700" cy="1326908"/>
-          </a:xfrm>
-        </p:spPr>
-        <p:txBody>
-          <a:bodyPr vert="horz" lIns="91440" tIns="45720" rIns="91440" bIns="45720" rtlCol="0" anchor="b">
-            <a:normAutofit/>
-          </a:bodyPr>
-          <a:lstStyle/>
-          <a:p>
-            <a:r>
-              <a:rPr lang="en-US" b="1" kern="1200" dirty="0">
-                <a:solidFill>
-                  <a:schemeClr val="bg1"/>
-                </a:solidFill>
-                <a:latin typeface="+mj-lt"/>
-                <a:ea typeface="+mj-ea"/>
-                <a:cs typeface="+mj-cs"/>
-              </a:rPr>
-              <a:t>Linguagem de Programação</a:t>
-            </a:r>
-          </a:p>
-        </p:txBody>
-      </p:sp>
-    </p:spTree>
-    <p:extLst>
-      <p:ext uri="{BB962C8B-B14F-4D97-AF65-F5344CB8AC3E}">
-        <p14:creationId xmlns:p14="http://schemas.microsoft.com/office/powerpoint/2010/main" val="436386383"/>
-      </p:ext>
-    </p:extLst>
-  </p:cSld>
-  <p:clrMapOvr>
-    <a:masterClrMapping/>
-  </p:clrMapOvr>
   <p:timing>
     <p:tnLst>
       <p:par>
@@ -19238,13 +19962,10 @@
                             </p:stCondLst>
                             <p:childTnLst>
                               <p:par>
-                                <p:cTn id="5" presetID="10" presetClass="entr" presetSubtype="0" fill="hold" grpId="0" nodeType="withEffect">
+                                <p:cTn id="5" presetID="22" presetClass="entr" presetSubtype="4" fill="hold" grpId="0" nodeType="withEffect">
                                   <p:stCondLst>
-                                    <p:cond delay="1000"/>
+                                    <p:cond delay="0"/>
                                   </p:stCondLst>
-                                  <p:iterate type="lt">
-                                    <p:tmPct val="10000"/>
-                                  </p:iterate>
                                   <p:childTnLst>
                                     <p:set>
                                       <p:cBhvr>
@@ -19254,7 +19975,7 @@
                                           </p:stCondLst>
                                         </p:cTn>
                                         <p:tgtEl>
-                                          <p:spTgt spid="6"/>
+                                          <p:spTgt spid="10"/>
                                         </p:tgtEl>
                                         <p:attrNameLst>
                                           <p:attrName>style.visibility</p:attrName>
@@ -19264,11 +19985,11 @@
                                         <p:strVal val="visible"/>
                                       </p:to>
                                     </p:set>
-                                    <p:animEffect transition="in" filter="fade">
+                                    <p:animEffect transition="in" filter="wipe(down)">
                                       <p:cBhvr>
-                                        <p:cTn id="7" dur="400"/>
+                                        <p:cTn id="7" dur="500"/>
                                         <p:tgtEl>
-                                          <p:spTgt spid="6"/>
+                                          <p:spTgt spid="10"/>
                                         </p:tgtEl>
                                       </p:cBhvr>
                                     </p:animEffect>
@@ -19303,13 +20024,13 @@
       </p:par>
     </p:tnLst>
     <p:bldLst>
-      <p:bldP spid="6" grpId="0"/>
+      <p:bldP spid="10" grpId="0"/>
     </p:bldLst>
   </p:timing>
 </p:sld>
 </file>
 
-<file path=ppt/slides/slide8.xml><?xml version="1.0" encoding="utf-8"?>
+<file path=ppt/slides/slide7.xml><?xml version="1.0" encoding="utf-8"?>
 <p:sld xmlns:a="http://schemas.openxmlformats.org/drawingml/2006/main" xmlns:r="http://schemas.openxmlformats.org/officeDocument/2006/relationships" xmlns:p="http://schemas.openxmlformats.org/presentationml/2006/main">
   <p:cSld>
     <p:bg>
@@ -22391,7 +23112,7 @@
         </p:nvSpPr>
         <p:spPr>
           <a:xfrm>
-            <a:off x="1618082" y="5137150"/>
+            <a:off x="749647" y="4716601"/>
             <a:ext cx="8943998" cy="856722"/>
           </a:xfrm>
           <a:prstGeom prst="rect">
@@ -22547,10 +23268,99 @@
   <p:clrMapOvr>
     <a:masterClrMapping/>
   </p:clrMapOvr>
+  <p:timing>
+    <p:tnLst>
+      <p:par>
+        <p:cTn id="1" dur="indefinite" restart="never" nodeType="tmRoot">
+          <p:childTnLst>
+            <p:seq concurrent="1" nextAc="seek">
+              <p:cTn id="2" dur="indefinite" nodeType="mainSeq">
+                <p:childTnLst>
+                  <p:par>
+                    <p:cTn id="3" fill="hold">
+                      <p:stCondLst>
+                        <p:cond delay="indefinite"/>
+                        <p:cond evt="onBegin" delay="0">
+                          <p:tn val="2"/>
+                        </p:cond>
+                      </p:stCondLst>
+                      <p:childTnLst>
+                        <p:par>
+                          <p:cTn id="4" fill="hold">
+                            <p:stCondLst>
+                              <p:cond delay="0"/>
+                            </p:stCondLst>
+                            <p:childTnLst>
+                              <p:par>
+                                <p:cTn id="5" presetID="22" presetClass="entr" presetSubtype="4" fill="hold" grpId="0" nodeType="withEffect">
+                                  <p:stCondLst>
+                                    <p:cond delay="0"/>
+                                  </p:stCondLst>
+                                  <p:childTnLst>
+                                    <p:set>
+                                      <p:cBhvr>
+                                        <p:cTn id="6" dur="1" fill="hold">
+                                          <p:stCondLst>
+                                            <p:cond delay="0"/>
+                                          </p:stCondLst>
+                                        </p:cTn>
+                                        <p:tgtEl>
+                                          <p:spTgt spid="10"/>
+                                        </p:tgtEl>
+                                        <p:attrNameLst>
+                                          <p:attrName>style.visibility</p:attrName>
+                                        </p:attrNameLst>
+                                      </p:cBhvr>
+                                      <p:to>
+                                        <p:strVal val="visible"/>
+                                      </p:to>
+                                    </p:set>
+                                    <p:animEffect transition="in" filter="wipe(down)">
+                                      <p:cBhvr>
+                                        <p:cTn id="7" dur="500"/>
+                                        <p:tgtEl>
+                                          <p:spTgt spid="10"/>
+                                        </p:tgtEl>
+                                      </p:cBhvr>
+                                    </p:animEffect>
+                                  </p:childTnLst>
+                                </p:cTn>
+                              </p:par>
+                            </p:childTnLst>
+                          </p:cTn>
+                        </p:par>
+                      </p:childTnLst>
+                    </p:cTn>
+                  </p:par>
+                </p:childTnLst>
+              </p:cTn>
+              <p:prevCondLst>
+                <p:cond evt="onPrev" delay="0">
+                  <p:tgtEl>
+                    <p:sldTgt/>
+                  </p:tgtEl>
+                </p:cond>
+              </p:prevCondLst>
+              <p:nextCondLst>
+                <p:cond evt="onNext" delay="0">
+                  <p:tgtEl>
+                    <p:sldTgt/>
+                  </p:tgtEl>
+                </p:cond>
+              </p:nextCondLst>
+            </p:seq>
+          </p:childTnLst>
+        </p:cTn>
+      </p:par>
+    </p:tnLst>
+    <p:bldLst>
+      <p:bldP spid="10" grpId="0"/>
+    </p:bldLst>
+  </p:timing>
 </p:sld>
 </file>
 
-<file path=ppt/slides/slide9.xml><?xml version="1.0" encoding="utf-8"?>
+<file path=ppt/slides/slide8.xml><?xml version="1.0" encoding="utf-8"?>
 <p:sld xmlns:a="http://schemas.openxmlformats.org/drawingml/2006/main" xmlns:r="http://schemas.openxmlformats.org/officeDocument/2006/relationships" xmlns:p="http://schemas.openxmlformats.org/presentationml/2006/main">
   <p:cSld>
     <p:bg>
@@ -22660,8 +23470,8 @@
         </p:nvSpPr>
         <p:spPr>
           <a:xfrm>
-            <a:off x="-324853" y="-252663"/>
-            <a:ext cx="12741442" cy="7447547"/>
+            <a:off x="-1" y="0"/>
+            <a:ext cx="12192001" cy="6857990"/>
           </a:xfrm>
           <a:prstGeom prst="rect">
             <a:avLst/>
@@ -22669,6 +23479,9 @@
           <a:solidFill>
             <a:srgbClr val="3F3F3F"/>
           </a:solidFill>
+          <a:ln>
+            <a:noFill/>
+          </a:ln>
         </p:spPr>
         <p:style>
           <a:lnRef idx="2">
@@ -23427,198 +24240,6 @@
           </a:p>
         </p:txBody>
       </p:sp>
-      <p:sp>
-        <p:nvSpPr>
-          <p:cNvPr id="17" name="Título 1">
-            <a:extLst>
-              <a:ext uri="{FF2B5EF4-FFF2-40B4-BE49-F238E27FC236}">
-                <a16:creationId xmlns:a16="http://schemas.microsoft.com/office/drawing/2014/main" id="{AA289838-E650-427C-961C-B6DF3B13619C}"/>
-              </a:ext>
-            </a:extLst>
-          </p:cNvPr>
-          <p:cNvSpPr txBox="1">
-            <a:spLocks/>
-          </p:cNvSpPr>
-          <p:nvPr/>
-        </p:nvSpPr>
-        <p:spPr>
-          <a:xfrm>
-            <a:off x="-60597" y="480535"/>
-            <a:ext cx="2599483" cy="1325563"/>
-          </a:xfrm>
-          <a:prstGeom prst="rect">
-            <a:avLst/>
-          </a:prstGeom>
-        </p:spPr>
-        <p:txBody>
-          <a:bodyPr vert="horz" lIns="91440" tIns="45720" rIns="91440" bIns="45720" rtlCol="0" anchor="ctr">
-            <a:noAutofit/>
-          </a:bodyPr>
-          <a:lstStyle>
-            <a:lvl1pPr algn="l" defTabSz="914400" rtl="0" eaLnBrk="1" latinLnBrk="0" hangingPunct="1">
-              <a:lnSpc>
-                <a:spcPct val="90000"/>
-              </a:lnSpc>
-              <a:spcBef>
-                <a:spcPct val="0"/>
-              </a:spcBef>
-              <a:buNone/>
-              <a:defRPr sz="4400" kern="1200">
-                <a:solidFill>
-                  <a:schemeClr val="tx1"/>
-                </a:solidFill>
-                <a:latin typeface="+mj-lt"/>
-                <a:ea typeface="+mj-ea"/>
-                <a:cs typeface="+mj-cs"/>
-              </a:defRPr>
-            </a:lvl1pPr>
-          </a:lstStyle>
-          <a:p>
-            <a:pPr marL="457200" indent="-457200">
-              <a:buFont typeface="Wingdings" panose="05000000000000000000" pitchFamily="2" charset="2"/>
-              <a:buChar char="Ø"/>
-            </a:pPr>
-            <a:r>
-              <a:rPr lang="pt-BR" sz="2800" b="1" dirty="0">
-                <a:solidFill>
-                  <a:schemeClr val="bg1"/>
-                </a:solidFill>
-                <a:latin typeface="Arial" panose="020B0604020202020204" pitchFamily="34" charset="0"/>
-                <a:cs typeface="Arial" panose="020B0604020202020204" pitchFamily="34" charset="0"/>
-              </a:rPr>
-              <a:t>Requisição </a:t>
-            </a:r>
-          </a:p>
-        </p:txBody>
-      </p:sp>
-      <p:sp>
-        <p:nvSpPr>
-          <p:cNvPr id="18" name="Título 1">
-            <a:extLst>
-              <a:ext uri="{FF2B5EF4-FFF2-40B4-BE49-F238E27FC236}">
-                <a16:creationId xmlns:a16="http://schemas.microsoft.com/office/drawing/2014/main" id="{3739383E-8312-4E8C-BB56-B2CB1DD36DC7}"/>
-              </a:ext>
-            </a:extLst>
-          </p:cNvPr>
-          <p:cNvSpPr txBox="1">
-            <a:spLocks/>
-          </p:cNvSpPr>
-          <p:nvPr/>
-        </p:nvSpPr>
-        <p:spPr>
-          <a:xfrm>
-            <a:off x="-60597" y="2766218"/>
-            <a:ext cx="2599482" cy="1325564"/>
-          </a:xfrm>
-          <a:prstGeom prst="rect">
-            <a:avLst/>
-          </a:prstGeom>
-        </p:spPr>
-        <p:txBody>
-          <a:bodyPr vert="horz" lIns="91440" tIns="45720" rIns="91440" bIns="45720" rtlCol="0" anchor="ctr">
-            <a:noAutofit/>
-          </a:bodyPr>
-          <a:lstStyle>
-            <a:lvl1pPr algn="l" defTabSz="914400" rtl="0" eaLnBrk="1" latinLnBrk="0" hangingPunct="1">
-              <a:lnSpc>
-                <a:spcPct val="90000"/>
-              </a:lnSpc>
-              <a:spcBef>
-                <a:spcPct val="0"/>
-              </a:spcBef>
-              <a:buNone/>
-              <a:defRPr sz="4400" kern="1200">
-                <a:solidFill>
-                  <a:schemeClr val="tx1"/>
-                </a:solidFill>
-                <a:latin typeface="+mj-lt"/>
-                <a:ea typeface="+mj-ea"/>
-                <a:cs typeface="+mj-cs"/>
-              </a:defRPr>
-            </a:lvl1pPr>
-          </a:lstStyle>
-          <a:p>
-            <a:pPr marL="457200" indent="-457200">
-              <a:buFont typeface="Wingdings" panose="05000000000000000000" pitchFamily="2" charset="2"/>
-              <a:buChar char="Ø"/>
-            </a:pPr>
-            <a:r>
-              <a:rPr lang="pt-BR" sz="2800" b="1" dirty="0">
-                <a:solidFill>
-                  <a:schemeClr val="bg1"/>
-                </a:solidFill>
-                <a:latin typeface="Arial" panose="020B0604020202020204" pitchFamily="34" charset="0"/>
-                <a:cs typeface="Arial" panose="020B0604020202020204" pitchFamily="34" charset="0"/>
-              </a:rPr>
-              <a:t>Interação </a:t>
-            </a:r>
-          </a:p>
-        </p:txBody>
-      </p:sp>
-      <p:sp>
-        <p:nvSpPr>
-          <p:cNvPr id="19" name="Título 1">
-            <a:extLst>
-              <a:ext uri="{FF2B5EF4-FFF2-40B4-BE49-F238E27FC236}">
-                <a16:creationId xmlns:a16="http://schemas.microsoft.com/office/drawing/2014/main" id="{0FB4B0B6-5684-495D-947A-5733B740FF49}"/>
-              </a:ext>
-            </a:extLst>
-          </p:cNvPr>
-          <p:cNvSpPr txBox="1">
-            <a:spLocks/>
-          </p:cNvSpPr>
-          <p:nvPr/>
-        </p:nvSpPr>
-        <p:spPr>
-          <a:xfrm>
-            <a:off x="-60597" y="5051902"/>
-            <a:ext cx="2599481" cy="1325563"/>
-          </a:xfrm>
-          <a:prstGeom prst="rect">
-            <a:avLst/>
-          </a:prstGeom>
-        </p:spPr>
-        <p:txBody>
-          <a:bodyPr vert="horz" lIns="91440" tIns="45720" rIns="91440" bIns="45720" rtlCol="0" anchor="ctr">
-            <a:noAutofit/>
-          </a:bodyPr>
-          <a:lstStyle>
-            <a:lvl1pPr algn="l" defTabSz="914400" rtl="0" eaLnBrk="1" latinLnBrk="0" hangingPunct="1">
-              <a:lnSpc>
-                <a:spcPct val="90000"/>
-              </a:lnSpc>
-              <a:spcBef>
-                <a:spcPct val="0"/>
-              </a:spcBef>
-              <a:buNone/>
-              <a:defRPr sz="4400" kern="1200">
-                <a:solidFill>
-                  <a:schemeClr val="tx1"/>
-                </a:solidFill>
-                <a:latin typeface="+mj-lt"/>
-                <a:ea typeface="+mj-ea"/>
-                <a:cs typeface="+mj-cs"/>
-              </a:defRPr>
-            </a:lvl1pPr>
-          </a:lstStyle>
-          <a:p>
-            <a:pPr marL="457200" indent="-457200">
-              <a:buFont typeface="Wingdings" panose="05000000000000000000" pitchFamily="2" charset="2"/>
-              <a:buChar char="Ø"/>
-            </a:pPr>
-            <a:r>
-              <a:rPr lang="pt-BR" sz="2800" b="1" dirty="0">
-                <a:solidFill>
-                  <a:schemeClr val="bg1"/>
-                </a:solidFill>
-                <a:latin typeface="Arial" panose="020B0604020202020204" pitchFamily="34" charset="0"/>
-                <a:cs typeface="Arial" panose="020B0604020202020204" pitchFamily="34" charset="0"/>
-              </a:rPr>
-              <a:t>Conceito </a:t>
-            </a:r>
-          </a:p>
-        </p:txBody>
-      </p:sp>
     </p:spTree>
     <p:extLst>
       <p:ext uri="{BB962C8B-B14F-4D97-AF65-F5344CB8AC3E}">
@@ -23632,24 +24253,969 @@
 </p:sld>
 </file>
 
+<file path=ppt/slides/slide9.xml><?xml version="1.0" encoding="utf-8"?>
+<p:sld xmlns:a="http://schemas.openxmlformats.org/drawingml/2006/main" xmlns:r="http://schemas.openxmlformats.org/officeDocument/2006/relationships" xmlns:p="http://schemas.openxmlformats.org/presentationml/2006/main">
+  <p:cSld>
+    <p:bg>
+      <p:bgPr>
+        <a:solidFill>
+          <a:srgbClr val="3F3F3F"/>
+        </a:solidFill>
+        <a:effectLst/>
+      </p:bgPr>
+    </p:bg>
+    <p:spTree>
+      <p:nvGrpSpPr>
+        <p:cNvPr id="1" name=""/>
+        <p:cNvGrpSpPr/>
+        <p:nvPr/>
+      </p:nvGrpSpPr>
+      <p:grpSpPr>
+        <a:xfrm>
+          <a:off x="0" y="0"/>
+          <a:ext cx="0" cy="0"/>
+          <a:chOff x="0" y="0"/>
+          <a:chExt cx="0" cy="0"/>
+        </a:xfrm>
+      </p:grpSpPr>
+      <p:sp useBgFill="1">
+        <p:nvSpPr>
+          <p:cNvPr id="1039" name="Rectangle 1032">
+            <a:extLst>
+              <a:ext uri="{FF2B5EF4-FFF2-40B4-BE49-F238E27FC236}">
+                <a16:creationId xmlns:a16="http://schemas.microsoft.com/office/drawing/2014/main" id="{E18F6E8B-15ED-43C7-94BA-91549A651C73}"/>
+              </a:ext>
+              <a:ext uri="{C183D7F6-B498-43B3-948B-1728B52AA6E4}">
+                <adec:decorative xmlns:adec="http://schemas.microsoft.com/office/drawing/2017/decorative" val="1"/>
+              </a:ext>
+            </a:extLst>
+          </p:cNvPr>
+          <p:cNvSpPr>
+            <a:spLocks noGrp="1" noRot="1" noChangeAspect="1" noMove="1" noResize="1" noEditPoints="1" noAdjustHandles="1" noChangeArrowheads="1" noChangeShapeType="1" noTextEdit="1"/>
+          </p:cNvSpPr>
+          <p:nvPr>
+            <p:extLst>
+              <p:ext uri="{386F3935-93C4-4BCD-93E2-E3B085C9AB24}">
+                <p16:designElem xmlns:p16="http://schemas.microsoft.com/office/powerpoint/2015/main" val="1"/>
+              </p:ext>
+            </p:extLst>
+          </p:nvPr>
+        </p:nvSpPr>
+        <p:spPr>
+          <a:xfrm>
+            <a:off x="0" y="0"/>
+            <a:ext cx="12191999" cy="6857365"/>
+          </a:xfrm>
+          <a:prstGeom prst="rect">
+            <a:avLst/>
+          </a:prstGeom>
+          <a:ln>
+            <a:noFill/>
+          </a:ln>
+        </p:spPr>
+        <p:style>
+          <a:lnRef idx="2">
+            <a:schemeClr val="accent1">
+              <a:shade val="50000"/>
+            </a:schemeClr>
+          </a:lnRef>
+          <a:fillRef idx="1">
+            <a:schemeClr val="accent1"/>
+          </a:fillRef>
+          <a:effectRef idx="0">
+            <a:schemeClr val="accent1"/>
+          </a:effectRef>
+          <a:fontRef idx="minor">
+            <a:schemeClr val="lt1"/>
+          </a:fontRef>
+        </p:style>
+        <p:txBody>
+          <a:bodyPr rtlCol="0" anchor="ctr"/>
+          <a:lstStyle/>
+          <a:p>
+            <a:pPr marL="0" marR="0" lvl="0" indent="0" algn="ctr" defTabSz="914400" rtl="0" eaLnBrk="1" fontAlgn="auto" latinLnBrk="0" hangingPunct="1">
+              <a:lnSpc>
+                <a:spcPct val="100000"/>
+              </a:lnSpc>
+              <a:spcBef>
+                <a:spcPts val="0"/>
+              </a:spcBef>
+              <a:spcAft>
+                <a:spcPts val="0"/>
+              </a:spcAft>
+              <a:buClrTx/>
+              <a:buSzTx/>
+              <a:buFontTx/>
+              <a:buNone/>
+              <a:tabLst/>
+              <a:defRPr/>
+            </a:pPr>
+            <a:endParaRPr kumimoji="0" lang="en-US" sz="1800" b="0" i="0" u="none" strike="noStrike" kern="1200" cap="none" spc="0" normalizeH="0" baseline="0" noProof="0">
+              <a:ln>
+                <a:noFill/>
+              </a:ln>
+              <a:solidFill>
+                <a:prstClr val="white"/>
+              </a:solidFill>
+              <a:effectLst/>
+              <a:uLnTx/>
+              <a:uFillTx/>
+              <a:latin typeface="Calibri" panose="020F0502020204030204"/>
+              <a:ea typeface="+mn-ea"/>
+              <a:cs typeface="+mn-cs"/>
+            </a:endParaRPr>
+          </a:p>
+        </p:txBody>
+      </p:sp>
+      <p:sp>
+        <p:nvSpPr>
+          <p:cNvPr id="2" name="Título 1">
+            <a:extLst>
+              <a:ext uri="{FF2B5EF4-FFF2-40B4-BE49-F238E27FC236}">
+                <a16:creationId xmlns:a16="http://schemas.microsoft.com/office/drawing/2014/main" id="{DB8B40D1-118E-4F5D-9AD7-6652B22F187D}"/>
+              </a:ext>
+            </a:extLst>
+          </p:cNvPr>
+          <p:cNvSpPr>
+            <a:spLocks noGrp="1"/>
+          </p:cNvSpPr>
+          <p:nvPr>
+            <p:ph type="title"/>
+          </p:nvPr>
+        </p:nvSpPr>
+        <p:spPr>
+          <a:xfrm>
+            <a:off x="797566" y="2948441"/>
+            <a:ext cx="5744186" cy="821840"/>
+          </a:xfrm>
+        </p:spPr>
+        <p:txBody>
+          <a:bodyPr vert="horz" lIns="91440" tIns="45720" rIns="91440" bIns="45720" rtlCol="0" anchor="t">
+            <a:noAutofit/>
+          </a:bodyPr>
+          <a:lstStyle/>
+          <a:p>
+            <a:r>
+              <a:rPr lang="en-US" sz="6000" b="1" dirty="0" err="1">
+                <a:solidFill>
+                  <a:schemeClr val="bg1"/>
+                </a:solidFill>
+                <a:latin typeface="Arial" panose="020B0604020202020204" pitchFamily="34" charset="0"/>
+                <a:cs typeface="Arial" panose="020B0604020202020204" pitchFamily="34" charset="0"/>
+              </a:rPr>
+              <a:t>Demonstração</a:t>
+            </a:r>
+            <a:endParaRPr lang="en-US" sz="6000" b="1" dirty="0">
+              <a:solidFill>
+                <a:schemeClr val="bg1"/>
+              </a:solidFill>
+              <a:latin typeface="Arial" panose="020B0604020202020204" pitchFamily="34" charset="0"/>
+              <a:cs typeface="Arial" panose="020B0604020202020204" pitchFamily="34" charset="0"/>
+            </a:endParaRPr>
+          </a:p>
+        </p:txBody>
+      </p:sp>
+      <p:grpSp>
+        <p:nvGrpSpPr>
+          <p:cNvPr id="1041" name="Group 1034">
+            <a:extLst>
+              <a:ext uri="{FF2B5EF4-FFF2-40B4-BE49-F238E27FC236}">
+                <a16:creationId xmlns:a16="http://schemas.microsoft.com/office/drawing/2014/main" id="{032D8612-31EB-44CF-A1D0-14FD4C705424}"/>
+              </a:ext>
+              <a:ext uri="{C183D7F6-B498-43B3-948B-1728B52AA6E4}">
+                <adec:decorative xmlns:adec="http://schemas.microsoft.com/office/drawing/2017/decorative" val="1"/>
+              </a:ext>
+            </a:extLst>
+          </p:cNvPr>
+          <p:cNvGrpSpPr>
+            <a:grpSpLocks noGrp="1" noUngrp="1" noRot="1" noChangeAspect="1" noMove="1" noResize="1"/>
+          </p:cNvGrpSpPr>
+          <p:nvPr>
+            <p:extLst>
+              <p:ext uri="{386F3935-93C4-4BCD-93E2-E3B085C9AB24}">
+                <p16:designElem xmlns:p16="http://schemas.microsoft.com/office/powerpoint/2015/main" val="1"/>
+              </p:ext>
+            </p:extLst>
+          </p:nvPr>
+        </p:nvGrpSpPr>
+        <p:grpSpPr>
+          <a:xfrm>
+            <a:off x="0" y="3048031"/>
+            <a:ext cx="731521" cy="673460"/>
+            <a:chOff x="3940602" y="308034"/>
+            <a:chExt cx="2116791" cy="3428999"/>
+          </a:xfrm>
+          <a:solidFill>
+            <a:schemeClr val="accent4"/>
+          </a:solidFill>
+        </p:grpSpPr>
+        <p:sp>
+          <p:nvSpPr>
+            <p:cNvPr id="1036" name="Rectangle 1035">
+              <a:extLst>
+                <a:ext uri="{FF2B5EF4-FFF2-40B4-BE49-F238E27FC236}">
+                  <a16:creationId xmlns:a16="http://schemas.microsoft.com/office/drawing/2014/main" id="{F19A4A0F-1B59-4DB0-9764-D10936E98770}"/>
+                </a:ext>
+                <a:ext uri="{C183D7F6-B498-43B3-948B-1728B52AA6E4}">
+                  <adec:decorative xmlns:adec="http://schemas.microsoft.com/office/drawing/2017/decorative" val="1"/>
+                </a:ext>
+              </a:extLst>
+            </p:cNvPr>
+            <p:cNvSpPr/>
+            <p:nvPr>
+              <p:extLst>
+                <p:ext uri="{386F3935-93C4-4BCD-93E2-E3B085C9AB24}">
+                  <p16:designElem xmlns:p16="http://schemas.microsoft.com/office/powerpoint/2015/main" val="1"/>
+                </p:ext>
+              </p:extLst>
+            </p:nvPr>
+          </p:nvSpPr>
+          <p:spPr>
+            <a:xfrm>
+              <a:off x="3940602" y="308034"/>
+              <a:ext cx="566743" cy="3428999"/>
+            </a:xfrm>
+            <a:prstGeom prst="rect">
+              <a:avLst/>
+            </a:prstGeom>
+            <a:grpFill/>
+            <a:ln>
+              <a:noFill/>
+            </a:ln>
+          </p:spPr>
+          <p:style>
+            <a:lnRef idx="2">
+              <a:schemeClr val="accent1">
+                <a:shade val="50000"/>
+              </a:schemeClr>
+            </a:lnRef>
+            <a:fillRef idx="1">
+              <a:schemeClr val="accent1"/>
+            </a:fillRef>
+            <a:effectRef idx="0">
+              <a:schemeClr val="accent1"/>
+            </a:effectRef>
+            <a:fontRef idx="minor">
+              <a:schemeClr val="lt1"/>
+            </a:fontRef>
+          </p:style>
+          <p:txBody>
+            <a:bodyPr rtlCol="0" anchor="ctr"/>
+            <a:lstStyle/>
+            <a:p>
+              <a:pPr marL="0" marR="0" lvl="0" indent="0" algn="ctr" defTabSz="914400" rtl="0" eaLnBrk="1" fontAlgn="auto" latinLnBrk="0" hangingPunct="1">
+                <a:lnSpc>
+                  <a:spcPct val="100000"/>
+                </a:lnSpc>
+                <a:spcBef>
+                  <a:spcPts val="0"/>
+                </a:spcBef>
+                <a:spcAft>
+                  <a:spcPts val="0"/>
+                </a:spcAft>
+                <a:buClrTx/>
+                <a:buSzTx/>
+                <a:buFontTx/>
+                <a:buNone/>
+                <a:tabLst/>
+                <a:defRPr/>
+              </a:pPr>
+              <a:endParaRPr kumimoji="0" lang="en-US" sz="1800" b="0" i="0" u="none" strike="noStrike" kern="1200" cap="none" spc="0" normalizeH="0" baseline="0" noProof="0">
+                <a:ln>
+                  <a:noFill/>
+                </a:ln>
+                <a:solidFill>
+                  <a:prstClr val="white"/>
+                </a:solidFill>
+                <a:effectLst/>
+                <a:uLnTx/>
+                <a:uFillTx/>
+                <a:latin typeface="Calibri" panose="020F0502020204030204"/>
+                <a:ea typeface="+mn-ea"/>
+                <a:cs typeface="+mn-cs"/>
+              </a:endParaRPr>
+            </a:p>
+          </p:txBody>
+        </p:sp>
+        <p:sp>
+          <p:nvSpPr>
+            <p:cNvPr id="1037" name="Rectangle 1036">
+              <a:extLst>
+                <a:ext uri="{FF2B5EF4-FFF2-40B4-BE49-F238E27FC236}">
+                  <a16:creationId xmlns:a16="http://schemas.microsoft.com/office/drawing/2014/main" id="{F399A70F-F8CD-4992-9EF5-6CF15472E73F}"/>
+                </a:ext>
+                <a:ext uri="{C183D7F6-B498-43B3-948B-1728B52AA6E4}">
+                  <adec:decorative xmlns:adec="http://schemas.microsoft.com/office/drawing/2017/decorative" val="1"/>
+                </a:ext>
+              </a:extLst>
+            </p:cNvPr>
+            <p:cNvSpPr/>
+            <p:nvPr>
+              <p:extLst>
+                <p:ext uri="{386F3935-93C4-4BCD-93E2-E3B085C9AB24}">
+                  <p16:designElem xmlns:p16="http://schemas.microsoft.com/office/powerpoint/2015/main" val="1"/>
+                </p:ext>
+              </p:extLst>
+            </p:nvPr>
+          </p:nvSpPr>
+          <p:spPr>
+            <a:xfrm>
+              <a:off x="4715626" y="308034"/>
+              <a:ext cx="566743" cy="3428999"/>
+            </a:xfrm>
+            <a:prstGeom prst="rect">
+              <a:avLst/>
+            </a:prstGeom>
+            <a:grpFill/>
+            <a:ln>
+              <a:noFill/>
+            </a:ln>
+          </p:spPr>
+          <p:style>
+            <a:lnRef idx="2">
+              <a:schemeClr val="accent1">
+                <a:shade val="50000"/>
+              </a:schemeClr>
+            </a:lnRef>
+            <a:fillRef idx="1">
+              <a:schemeClr val="accent1"/>
+            </a:fillRef>
+            <a:effectRef idx="0">
+              <a:schemeClr val="accent1"/>
+            </a:effectRef>
+            <a:fontRef idx="minor">
+              <a:schemeClr val="lt1"/>
+            </a:fontRef>
+          </p:style>
+          <p:txBody>
+            <a:bodyPr rtlCol="0" anchor="ctr"/>
+            <a:lstStyle/>
+            <a:p>
+              <a:pPr marL="0" marR="0" lvl="0" indent="0" algn="ctr" defTabSz="914400" rtl="0" eaLnBrk="1" fontAlgn="auto" latinLnBrk="0" hangingPunct="1">
+                <a:lnSpc>
+                  <a:spcPct val="100000"/>
+                </a:lnSpc>
+                <a:spcBef>
+                  <a:spcPts val="0"/>
+                </a:spcBef>
+                <a:spcAft>
+                  <a:spcPts val="0"/>
+                </a:spcAft>
+                <a:buClrTx/>
+                <a:buSzTx/>
+                <a:buFontTx/>
+                <a:buNone/>
+                <a:tabLst/>
+                <a:defRPr/>
+              </a:pPr>
+              <a:endParaRPr kumimoji="0" lang="en-US" sz="1800" b="0" i="0" u="none" strike="noStrike" kern="1200" cap="none" spc="0" normalizeH="0" baseline="0" noProof="0">
+                <a:ln>
+                  <a:noFill/>
+                </a:ln>
+                <a:solidFill>
+                  <a:prstClr val="white"/>
+                </a:solidFill>
+                <a:effectLst/>
+                <a:uLnTx/>
+                <a:uFillTx/>
+                <a:latin typeface="Calibri" panose="020F0502020204030204"/>
+                <a:ea typeface="+mn-ea"/>
+                <a:cs typeface="+mn-cs"/>
+              </a:endParaRPr>
+            </a:p>
+          </p:txBody>
+        </p:sp>
+        <p:sp>
+          <p:nvSpPr>
+            <p:cNvPr id="1038" name="Rectangle 1037">
+              <a:extLst>
+                <a:ext uri="{FF2B5EF4-FFF2-40B4-BE49-F238E27FC236}">
+                  <a16:creationId xmlns:a16="http://schemas.microsoft.com/office/drawing/2014/main" id="{48F4FEDC-6D80-458C-A665-075D9B9500FD}"/>
+                </a:ext>
+                <a:ext uri="{C183D7F6-B498-43B3-948B-1728B52AA6E4}">
+                  <adec:decorative xmlns:adec="http://schemas.microsoft.com/office/drawing/2017/decorative" val="1"/>
+                </a:ext>
+              </a:extLst>
+            </p:cNvPr>
+            <p:cNvSpPr/>
+            <p:nvPr>
+              <p:extLst>
+                <p:ext uri="{386F3935-93C4-4BCD-93E2-E3B085C9AB24}">
+                  <p16:designElem xmlns:p16="http://schemas.microsoft.com/office/powerpoint/2015/main" val="1"/>
+                </p:ext>
+              </p:extLst>
+            </p:nvPr>
+          </p:nvSpPr>
+          <p:spPr>
+            <a:xfrm>
+              <a:off x="5490650" y="308034"/>
+              <a:ext cx="566743" cy="3428999"/>
+            </a:xfrm>
+            <a:prstGeom prst="rect">
+              <a:avLst/>
+            </a:prstGeom>
+            <a:grpFill/>
+            <a:ln>
+              <a:noFill/>
+            </a:ln>
+          </p:spPr>
+          <p:style>
+            <a:lnRef idx="2">
+              <a:schemeClr val="accent1">
+                <a:shade val="50000"/>
+              </a:schemeClr>
+            </a:lnRef>
+            <a:fillRef idx="1">
+              <a:schemeClr val="accent1"/>
+            </a:fillRef>
+            <a:effectRef idx="0">
+              <a:schemeClr val="accent1"/>
+            </a:effectRef>
+            <a:fontRef idx="minor">
+              <a:schemeClr val="lt1"/>
+            </a:fontRef>
+          </p:style>
+          <p:txBody>
+            <a:bodyPr rtlCol="0" anchor="ctr"/>
+            <a:lstStyle/>
+            <a:p>
+              <a:pPr marL="0" marR="0" lvl="0" indent="0" algn="ctr" defTabSz="914400" rtl="0" eaLnBrk="1" fontAlgn="auto" latinLnBrk="0" hangingPunct="1">
+                <a:lnSpc>
+                  <a:spcPct val="100000"/>
+                </a:lnSpc>
+                <a:spcBef>
+                  <a:spcPts val="0"/>
+                </a:spcBef>
+                <a:spcAft>
+                  <a:spcPts val="0"/>
+                </a:spcAft>
+                <a:buClrTx/>
+                <a:buSzTx/>
+                <a:buFontTx/>
+                <a:buNone/>
+                <a:tabLst/>
+                <a:defRPr/>
+              </a:pPr>
+              <a:endParaRPr kumimoji="0" lang="en-US" sz="1800" b="0" i="0" u="none" strike="noStrike" kern="1200" cap="none" spc="0" normalizeH="0" baseline="0" noProof="0">
+                <a:ln>
+                  <a:noFill/>
+                </a:ln>
+                <a:solidFill>
+                  <a:prstClr val="white"/>
+                </a:solidFill>
+                <a:effectLst/>
+                <a:uLnTx/>
+                <a:uFillTx/>
+                <a:latin typeface="Calibri" panose="020F0502020204030204"/>
+                <a:ea typeface="+mn-ea"/>
+                <a:cs typeface="+mn-cs"/>
+              </a:endParaRPr>
+            </a:p>
+          </p:txBody>
+        </p:sp>
+      </p:grpSp>
+      <p:sp>
+        <p:nvSpPr>
+          <p:cNvPr id="1040" name="Rectangle 1039">
+            <a:extLst>
+              <a:ext uri="{FF2B5EF4-FFF2-40B4-BE49-F238E27FC236}">
+                <a16:creationId xmlns:a16="http://schemas.microsoft.com/office/drawing/2014/main" id="{B81933D1-5615-42C7-9C0B-4EB7105CCE2D}"/>
+              </a:ext>
+              <a:ext uri="{C183D7F6-B498-43B3-948B-1728B52AA6E4}">
+                <adec:decorative xmlns:adec="http://schemas.microsoft.com/office/drawing/2017/decorative" val="1"/>
+              </a:ext>
+            </a:extLst>
+          </p:cNvPr>
+          <p:cNvSpPr>
+            <a:spLocks noGrp="1" noRot="1" noChangeAspect="1" noMove="1" noResize="1" noEditPoints="1" noAdjustHandles="1" noChangeArrowheads="1" noChangeShapeType="1" noTextEdit="1"/>
+          </p:cNvSpPr>
+          <p:nvPr>
+            <p:extLst>
+              <p:ext uri="{386F3935-93C4-4BCD-93E2-E3B085C9AB24}">
+                <p16:designElem xmlns:p16="http://schemas.microsoft.com/office/powerpoint/2015/main" val="1"/>
+              </p:ext>
+            </p:extLst>
+          </p:nvPr>
+        </p:nvSpPr>
+        <p:spPr>
+          <a:xfrm flipH="1">
+            <a:off x="10697670" y="0"/>
+            <a:ext cx="1494330" cy="6858000"/>
+          </a:xfrm>
+          <a:prstGeom prst="rect">
+            <a:avLst/>
+          </a:prstGeom>
+          <a:solidFill>
+            <a:schemeClr val="accent4"/>
+          </a:solidFill>
+          <a:ln>
+            <a:noFill/>
+          </a:ln>
+        </p:spPr>
+        <p:style>
+          <a:lnRef idx="2">
+            <a:schemeClr val="accent1">
+              <a:shade val="50000"/>
+            </a:schemeClr>
+          </a:lnRef>
+          <a:fillRef idx="1">
+            <a:schemeClr val="accent1"/>
+          </a:fillRef>
+          <a:effectRef idx="0">
+            <a:schemeClr val="accent1"/>
+          </a:effectRef>
+          <a:fontRef idx="minor">
+            <a:schemeClr val="lt1"/>
+          </a:fontRef>
+        </p:style>
+        <p:txBody>
+          <a:bodyPr rtlCol="0" anchor="ctr"/>
+          <a:lstStyle/>
+          <a:p>
+            <a:pPr marL="0" marR="0" lvl="0" indent="0" algn="ctr" defTabSz="914400" rtl="0" eaLnBrk="1" fontAlgn="auto" latinLnBrk="0" hangingPunct="1">
+              <a:lnSpc>
+                <a:spcPct val="100000"/>
+              </a:lnSpc>
+              <a:spcBef>
+                <a:spcPts val="0"/>
+              </a:spcBef>
+              <a:spcAft>
+                <a:spcPts val="0"/>
+              </a:spcAft>
+              <a:buClrTx/>
+              <a:buSzTx/>
+              <a:buFontTx/>
+              <a:buNone/>
+              <a:tabLst/>
+              <a:defRPr/>
+            </a:pPr>
+            <a:endParaRPr kumimoji="0" lang="en-US" sz="1800" b="0" i="0" u="none" strike="noStrike" kern="1200" cap="none" spc="0" normalizeH="0" baseline="0" noProof="0">
+              <a:ln>
+                <a:noFill/>
+              </a:ln>
+              <a:solidFill>
+                <a:prstClr val="white"/>
+              </a:solidFill>
+              <a:effectLst/>
+              <a:uLnTx/>
+              <a:uFillTx/>
+              <a:latin typeface="Calibri" panose="020F0502020204030204"/>
+              <a:ea typeface="+mn-ea"/>
+              <a:cs typeface="+mn-cs"/>
+            </a:endParaRPr>
+          </a:p>
+        </p:txBody>
+      </p:sp>
+      <p:sp>
+        <p:nvSpPr>
+          <p:cNvPr id="1042" name="Rectangle 1041">
+            <a:extLst>
+              <a:ext uri="{FF2B5EF4-FFF2-40B4-BE49-F238E27FC236}">
+                <a16:creationId xmlns:a16="http://schemas.microsoft.com/office/drawing/2014/main" id="{B089A89A-1E9C-4761-9DFF-53C275FBF870}"/>
+              </a:ext>
+              <a:ext uri="{C183D7F6-B498-43B3-948B-1728B52AA6E4}">
+                <adec:decorative xmlns:adec="http://schemas.microsoft.com/office/drawing/2017/decorative" val="1"/>
+              </a:ext>
+            </a:extLst>
+          </p:cNvPr>
+          <p:cNvSpPr>
+            <a:spLocks noGrp="1" noRot="1" noChangeAspect="1" noMove="1" noResize="1" noEditPoints="1" noAdjustHandles="1" noChangeArrowheads="1" noChangeShapeType="1" noTextEdit="1"/>
+          </p:cNvSpPr>
+          <p:nvPr>
+            <p:extLst>
+              <p:ext uri="{386F3935-93C4-4BCD-93E2-E3B085C9AB24}">
+                <p16:designElem xmlns:p16="http://schemas.microsoft.com/office/powerpoint/2015/main" val="1"/>
+              </p:ext>
+            </p:extLst>
+          </p:nvPr>
+        </p:nvSpPr>
+        <p:spPr>
+          <a:xfrm>
+            <a:off x="6858000" y="257770"/>
+            <a:ext cx="4837176" cy="2979964"/>
+          </a:xfrm>
+          <a:prstGeom prst="rect">
+            <a:avLst/>
+          </a:prstGeom>
+          <a:solidFill>
+            <a:schemeClr val="bg1"/>
+          </a:solidFill>
+          <a:ln>
+            <a:noFill/>
+          </a:ln>
+          <a:effectLst>
+            <a:outerShdw blurRad="139700" dist="127000" dir="5400000" algn="t" rotWithShape="0">
+              <a:prstClr val="black">
+                <a:alpha val="15000"/>
+              </a:prstClr>
+            </a:outerShdw>
+          </a:effectLst>
+        </p:spPr>
+        <p:style>
+          <a:lnRef idx="2">
+            <a:schemeClr val="accent1">
+              <a:shade val="50000"/>
+            </a:schemeClr>
+          </a:lnRef>
+          <a:fillRef idx="1">
+            <a:schemeClr val="accent1"/>
+          </a:fillRef>
+          <a:effectRef idx="0">
+            <a:schemeClr val="accent1"/>
+          </a:effectRef>
+          <a:fontRef idx="minor">
+            <a:schemeClr val="lt1"/>
+          </a:fontRef>
+        </p:style>
+        <p:txBody>
+          <a:bodyPr rtlCol="0" anchor="ctr"/>
+          <a:lstStyle/>
+          <a:p>
+            <a:pPr marL="0" marR="0" lvl="0" indent="0" algn="ctr" defTabSz="914400" rtl="0" eaLnBrk="1" fontAlgn="auto" latinLnBrk="0" hangingPunct="1">
+              <a:lnSpc>
+                <a:spcPct val="100000"/>
+              </a:lnSpc>
+              <a:spcBef>
+                <a:spcPts val="0"/>
+              </a:spcBef>
+              <a:spcAft>
+                <a:spcPts val="0"/>
+              </a:spcAft>
+              <a:buClrTx/>
+              <a:buSzTx/>
+              <a:buFontTx/>
+              <a:buNone/>
+              <a:tabLst/>
+              <a:defRPr/>
+            </a:pPr>
+            <a:endParaRPr kumimoji="0" lang="en-US" sz="1800" b="0" i="0" u="none" strike="noStrike" kern="1200" cap="none" spc="0" normalizeH="0" baseline="0" noProof="0">
+              <a:ln>
+                <a:noFill/>
+              </a:ln>
+              <a:solidFill>
+                <a:prstClr val="white"/>
+              </a:solidFill>
+              <a:effectLst/>
+              <a:uLnTx/>
+              <a:uFillTx/>
+              <a:latin typeface="Calibri" panose="020F0502020204030204"/>
+              <a:ea typeface="+mn-ea"/>
+              <a:cs typeface="+mn-cs"/>
+            </a:endParaRPr>
+          </a:p>
+        </p:txBody>
+      </p:sp>
+      <p:pic>
+        <p:nvPicPr>
+          <p:cNvPr id="1028" name="Picture 4">
+            <a:extLst>
+              <a:ext uri="{FF2B5EF4-FFF2-40B4-BE49-F238E27FC236}">
+                <a16:creationId xmlns:a16="http://schemas.microsoft.com/office/drawing/2014/main" id="{270C7185-EE85-4F8A-B9A7-714CABCE3BF8}"/>
+              </a:ext>
+            </a:extLst>
+          </p:cNvPr>
+          <p:cNvPicPr>
+            <a:picLocks noChangeAspect="1" noChangeArrowheads="1"/>
+          </p:cNvPicPr>
+          <p:nvPr/>
+        </p:nvPicPr>
+        <p:blipFill>
+          <a:blip r:embed="rId2">
+            <a:extLst>
+              <a:ext uri="{28A0092B-C50C-407E-A947-70E740481C1C}">
+                <a14:useLocalDpi xmlns:a14="http://schemas.microsoft.com/office/drawing/2010/main" val="0"/>
+              </a:ext>
+            </a:extLst>
+          </a:blip>
+          <a:stretch>
+            <a:fillRect/>
+          </a:stretch>
+        </p:blipFill>
+        <p:spPr bwMode="auto">
+          <a:xfrm>
+            <a:off x="7379184" y="471748"/>
+            <a:ext cx="3794805" cy="2552007"/>
+          </a:xfrm>
+          <a:prstGeom prst="rect">
+            <a:avLst/>
+          </a:prstGeom>
+          <a:noFill/>
+          <a:extLst>
+            <a:ext uri="{909E8E84-426E-40DD-AFC4-6F175D3DCCD1}">
+              <a14:hiddenFill xmlns:a14="http://schemas.microsoft.com/office/drawing/2010/main">
+                <a:solidFill>
+                  <a:srgbClr val="FFFFFF"/>
+                </a:solidFill>
+              </a14:hiddenFill>
+            </a:ext>
+          </a:extLst>
+        </p:spPr>
+      </p:pic>
+      <p:sp>
+        <p:nvSpPr>
+          <p:cNvPr id="1044" name="Rectangle 1043">
+            <a:extLst>
+              <a:ext uri="{FF2B5EF4-FFF2-40B4-BE49-F238E27FC236}">
+                <a16:creationId xmlns:a16="http://schemas.microsoft.com/office/drawing/2014/main" id="{19C9EAEA-39D0-4B0E-A0EB-51E7B26740B1}"/>
+              </a:ext>
+              <a:ext uri="{C183D7F6-B498-43B3-948B-1728B52AA6E4}">
+                <adec:decorative xmlns:adec="http://schemas.microsoft.com/office/drawing/2017/decorative" val="1"/>
+              </a:ext>
+            </a:extLst>
+          </p:cNvPr>
+          <p:cNvSpPr>
+            <a:spLocks noGrp="1" noRot="1" noChangeAspect="1" noMove="1" noResize="1" noEditPoints="1" noAdjustHandles="1" noChangeArrowheads="1" noChangeShapeType="1" noTextEdit="1"/>
+          </p:cNvSpPr>
+          <p:nvPr>
+            <p:extLst>
+              <p:ext uri="{386F3935-93C4-4BCD-93E2-E3B085C9AB24}">
+                <p16:designElem xmlns:p16="http://schemas.microsoft.com/office/powerpoint/2015/main" val="1"/>
+              </p:ext>
+            </p:extLst>
+          </p:nvPr>
+        </p:nvSpPr>
+        <p:spPr>
+          <a:xfrm>
+            <a:off x="6858000" y="3462252"/>
+            <a:ext cx="4837176" cy="2979964"/>
+          </a:xfrm>
+          <a:prstGeom prst="rect">
+            <a:avLst/>
+          </a:prstGeom>
+          <a:solidFill>
+            <a:schemeClr val="bg1"/>
+          </a:solidFill>
+          <a:ln>
+            <a:noFill/>
+          </a:ln>
+          <a:effectLst>
+            <a:outerShdw blurRad="139700" dist="127000" dir="5400000" algn="t" rotWithShape="0">
+              <a:prstClr val="black">
+                <a:alpha val="15000"/>
+              </a:prstClr>
+            </a:outerShdw>
+          </a:effectLst>
+        </p:spPr>
+        <p:style>
+          <a:lnRef idx="2">
+            <a:schemeClr val="accent1">
+              <a:shade val="50000"/>
+            </a:schemeClr>
+          </a:lnRef>
+          <a:fillRef idx="1">
+            <a:schemeClr val="accent1"/>
+          </a:fillRef>
+          <a:effectRef idx="0">
+            <a:schemeClr val="accent1"/>
+          </a:effectRef>
+          <a:fontRef idx="minor">
+            <a:schemeClr val="lt1"/>
+          </a:fontRef>
+        </p:style>
+        <p:txBody>
+          <a:bodyPr rtlCol="0" anchor="ctr"/>
+          <a:lstStyle/>
+          <a:p>
+            <a:pPr marL="0" marR="0" lvl="0" indent="0" algn="ctr" defTabSz="914400" rtl="0" eaLnBrk="1" fontAlgn="auto" latinLnBrk="0" hangingPunct="1">
+              <a:lnSpc>
+                <a:spcPct val="100000"/>
+              </a:lnSpc>
+              <a:spcBef>
+                <a:spcPts val="0"/>
+              </a:spcBef>
+              <a:spcAft>
+                <a:spcPts val="0"/>
+              </a:spcAft>
+              <a:buClrTx/>
+              <a:buSzTx/>
+              <a:buFontTx/>
+              <a:buNone/>
+              <a:tabLst/>
+              <a:defRPr/>
+            </a:pPr>
+            <a:endParaRPr kumimoji="0" lang="en-US" sz="1800" b="0" i="0" u="none" strike="noStrike" kern="1200" cap="none" spc="0" normalizeH="0" baseline="0" noProof="0">
+              <a:ln>
+                <a:noFill/>
+              </a:ln>
+              <a:solidFill>
+                <a:prstClr val="white"/>
+              </a:solidFill>
+              <a:effectLst/>
+              <a:uLnTx/>
+              <a:uFillTx/>
+              <a:latin typeface="Calibri" panose="020F0502020204030204"/>
+              <a:ea typeface="+mn-ea"/>
+              <a:cs typeface="+mn-cs"/>
+            </a:endParaRPr>
+          </a:p>
+        </p:txBody>
+      </p:sp>
+      <p:pic>
+        <p:nvPicPr>
+          <p:cNvPr id="1026" name="Picture 2">
+            <a:extLst>
+              <a:ext uri="{FF2B5EF4-FFF2-40B4-BE49-F238E27FC236}">
+                <a16:creationId xmlns:a16="http://schemas.microsoft.com/office/drawing/2014/main" id="{20B71021-34A2-400B-8E5F-22F64B2C6245}"/>
+              </a:ext>
+            </a:extLst>
+          </p:cNvPr>
+          <p:cNvPicPr>
+            <a:picLocks noChangeAspect="1" noChangeArrowheads="1"/>
+          </p:cNvPicPr>
+          <p:nvPr/>
+        </p:nvPicPr>
+        <p:blipFill>
+          <a:blip r:embed="rId3">
+            <a:extLst>
+              <a:ext uri="{28A0092B-C50C-407E-A947-70E740481C1C}">
+                <a14:useLocalDpi xmlns:a14="http://schemas.microsoft.com/office/drawing/2010/main" val="0"/>
+              </a:ext>
+            </a:extLst>
+          </a:blip>
+          <a:stretch>
+            <a:fillRect/>
+          </a:stretch>
+        </p:blipFill>
+        <p:spPr bwMode="auto">
+          <a:xfrm>
+            <a:off x="7158738" y="3676230"/>
+            <a:ext cx="4235696" cy="2552007"/>
+          </a:xfrm>
+          <a:prstGeom prst="rect">
+            <a:avLst/>
+          </a:prstGeom>
+          <a:noFill/>
+          <a:extLst>
+            <a:ext uri="{909E8E84-426E-40DD-AFC4-6F175D3DCCD1}">
+              <a14:hiddenFill xmlns:a14="http://schemas.microsoft.com/office/drawing/2010/main">
+                <a:solidFill>
+                  <a:srgbClr val="FFFFFF"/>
+                </a:solidFill>
+              </a14:hiddenFill>
+            </a:ext>
+          </a:extLst>
+        </p:spPr>
+      </p:pic>
+    </p:spTree>
+    <p:extLst>
+      <p:ext uri="{BB962C8B-B14F-4D97-AF65-F5344CB8AC3E}">
+        <p14:creationId xmlns:p14="http://schemas.microsoft.com/office/powerpoint/2010/main" val="46821105"/>
+      </p:ext>
+    </p:extLst>
+  </p:cSld>
+  <p:clrMapOvr>
+    <a:masterClrMapping/>
+  </p:clrMapOvr>
+  <p:timing>
+    <p:tnLst>
+      <p:par>
+        <p:cTn id="1" dur="indefinite" restart="never" nodeType="tmRoot">
+          <p:childTnLst>
+            <p:seq concurrent="1" nextAc="seek">
+              <p:cTn id="2" dur="indefinite" nodeType="mainSeq">
+                <p:childTnLst>
+                  <p:par>
+                    <p:cTn id="3" fill="hold">
+                      <p:stCondLst>
+                        <p:cond delay="indefinite"/>
+                        <p:cond evt="onBegin" delay="0">
+                          <p:tn val="2"/>
+                        </p:cond>
+                      </p:stCondLst>
+                      <p:childTnLst>
+                        <p:par>
+                          <p:cTn id="4" fill="hold">
+                            <p:stCondLst>
+                              <p:cond delay="0"/>
+                            </p:stCondLst>
+                            <p:childTnLst>
+                              <p:par>
+                                <p:cTn id="5" presetID="22" presetClass="entr" presetSubtype="4" fill="hold" grpId="0" nodeType="withEffect">
+                                  <p:stCondLst>
+                                    <p:cond delay="0"/>
+                                  </p:stCondLst>
+                                  <p:childTnLst>
+                                    <p:set>
+                                      <p:cBhvr>
+                                        <p:cTn id="6" dur="1" fill="hold">
+                                          <p:stCondLst>
+                                            <p:cond delay="0"/>
+                                          </p:stCondLst>
+                                        </p:cTn>
+                                        <p:tgtEl>
+                                          <p:spTgt spid="2"/>
+                                        </p:tgtEl>
+                                        <p:attrNameLst>
+                                          <p:attrName>style.visibility</p:attrName>
+                                        </p:attrNameLst>
+                                      </p:cBhvr>
+                                      <p:to>
+                                        <p:strVal val="visible"/>
+                                      </p:to>
+                                    </p:set>
+                                    <p:animEffect transition="in" filter="wipe(down)">
+                                      <p:cBhvr>
+                                        <p:cTn id="7" dur="500"/>
+                                        <p:tgtEl>
+                                          <p:spTgt spid="2"/>
+                                        </p:tgtEl>
+                                      </p:cBhvr>
+                                    </p:animEffect>
+                                  </p:childTnLst>
+                                </p:cTn>
+                              </p:par>
+                            </p:childTnLst>
+                          </p:cTn>
+                        </p:par>
+                      </p:childTnLst>
+                    </p:cTn>
+                  </p:par>
+                </p:childTnLst>
+              </p:cTn>
+              <p:prevCondLst>
+                <p:cond evt="onPrev" delay="0">
+                  <p:tgtEl>
+                    <p:sldTgt/>
+                  </p:tgtEl>
+                </p:cond>
+              </p:prevCondLst>
+              <p:nextCondLst>
+                <p:cond evt="onNext" delay="0">
+                  <p:tgtEl>
+                    <p:sldTgt/>
+                  </p:tgtEl>
+                </p:cond>
+              </p:nextCondLst>
+            </p:seq>
+          </p:childTnLst>
+        </p:cTn>
+      </p:par>
+    </p:tnLst>
+    <p:bldLst>
+      <p:bldP spid="2" grpId="0"/>
+    </p:bldLst>
+  </p:timing>
+</p:sld>
+</file>
+
 <file path=ppt/theme/theme1.xml><?xml version="1.0" encoding="utf-8"?>
 <a:theme xmlns:a="http://schemas.openxmlformats.org/drawingml/2006/main" name="Tema do Office">
   <a:themeElements>
-    <a:clrScheme name="Office">
+    <a:clrScheme name="TCC">
       <a:dk1>
-        <a:sysClr val="windowText" lastClr="000000"/>
+        <a:srgbClr val="000000"/>
       </a:dk1>
       <a:lt1>
-        <a:sysClr val="window" lastClr="FFFFFF"/>
+        <a:srgbClr val="FFFFFF"/>
       </a:lt1>
       <a:dk2>
-        <a:srgbClr val="44546A"/>
+        <a:srgbClr val="3F3F3F"/>
       </a:dk2>
       <a:lt2>
-        <a:srgbClr val="E7E6E6"/>
+        <a:srgbClr val="FFFFFF"/>
       </a:lt2>
       <a:accent1>
-        <a:srgbClr val="4472C4"/>
+        <a:srgbClr val="002060"/>
       </a:accent1>
       <a:accent2>
         <a:srgbClr val="ED7D31"/>
@@ -23661,16 +25227,16 @@
         <a:srgbClr val="FFC000"/>
       </a:accent4>
       <a:accent5>
-        <a:srgbClr val="5B9BD5"/>
+        <a:srgbClr val="0070C0"/>
       </a:accent5>
       <a:accent6>
         <a:srgbClr val="70AD47"/>
       </a:accent6>
       <a:hlink>
-        <a:srgbClr val="0563C1"/>
+        <a:srgbClr val="00B0F0"/>
       </a:hlink>
       <a:folHlink>
-        <a:srgbClr val="954F72"/>
+        <a:srgbClr val="7030A0"/>
       </a:folHlink>
     </a:clrScheme>
     <a:fontScheme name="Office">
